--- a/week3/Kodluyoruz_Carbon_Bootcamp_Week03.pptx
+++ b/week3/Kodluyoruz_Carbon_Bootcamp_Week03.pptx
@@ -21,34 +21,51 @@
     <p:sldId id="266" r:id="rId16"/>
     <p:sldId id="267" r:id="rId17"/>
     <p:sldId id="268" r:id="rId18"/>
+    <p:sldId id="269" r:id="rId19"/>
+    <p:sldId id="270" r:id="rId20"/>
+    <p:sldId id="271" r:id="rId21"/>
+    <p:sldId id="272" r:id="rId22"/>
+    <p:sldId id="273" r:id="rId23"/>
+    <p:sldId id="274" r:id="rId24"/>
+    <p:sldId id="275" r:id="rId25"/>
+    <p:sldId id="276" r:id="rId26"/>
+    <p:sldId id="277" r:id="rId27"/>
+    <p:sldId id="278" r:id="rId28"/>
   </p:sldIdLst>
   <p:sldSz cy="5143500" cx="9144000"/>
   <p:notesSz cx="6858000" cy="9144000"/>
   <p:embeddedFontLst>
     <p:embeddedFont>
       <p:font typeface="Fira Sans Extra Condensed Medium"/>
-      <p:regular r:id="rId19"/>
-      <p:bold r:id="rId20"/>
-      <p:italic r:id="rId21"/>
-      <p:boldItalic r:id="rId22"/>
+      <p:regular r:id="rId29"/>
+      <p:bold r:id="rId30"/>
+      <p:italic r:id="rId31"/>
+      <p:boldItalic r:id="rId32"/>
+    </p:embeddedFont>
+    <p:embeddedFont>
+      <p:font typeface="Roboto Condensed"/>
+      <p:regular r:id="rId33"/>
+      <p:bold r:id="rId34"/>
+      <p:italic r:id="rId35"/>
+      <p:boldItalic r:id="rId36"/>
     </p:embeddedFont>
     <p:embeddedFont>
       <p:font typeface="Squada One"/>
-      <p:regular r:id="rId23"/>
+      <p:regular r:id="rId37"/>
     </p:embeddedFont>
     <p:embeddedFont>
       <p:font typeface="Roboto Condensed Light"/>
-      <p:regular r:id="rId24"/>
-      <p:bold r:id="rId25"/>
-      <p:italic r:id="rId26"/>
-      <p:boldItalic r:id="rId27"/>
+      <p:regular r:id="rId38"/>
+      <p:bold r:id="rId39"/>
+      <p:italic r:id="rId40"/>
+      <p:boldItalic r:id="rId41"/>
     </p:embeddedFont>
     <p:embeddedFont>
       <p:font typeface="Exo 2"/>
-      <p:regular r:id="rId28"/>
-      <p:bold r:id="rId29"/>
-      <p:italic r:id="rId30"/>
-      <p:boldItalic r:id="rId31"/>
+      <p:regular r:id="rId42"/>
+      <p:bold r:id="rId43"/>
+      <p:italic r:id="rId44"/>
+      <p:boldItalic r:id="rId45"/>
     </p:embeddedFont>
   </p:embeddedFontLst>
   <p:defaultTextStyle>
@@ -973,7 +990,7 @@
   <p:cSld>
     <p:spTree>
       <p:nvGrpSpPr>
-        <p:cNvPr id="139" name="Shape 139"/>
+        <p:cNvPr id="164" name="Shape 164"/>
         <p:cNvGrpSpPr/>
         <p:nvPr/>
       </p:nvGrpSpPr>
@@ -987,7 +1004,7 @@
       </p:grpSpPr>
       <p:sp>
         <p:nvSpPr>
-          <p:cNvPr id="140" name="Google Shape;140;p58:notes"/>
+          <p:cNvPr id="165" name="Google Shape;165;g11361c8c8db_0_2:notes"/>
           <p:cNvSpPr/>
           <p:nvPr>
             <p:ph idx="2" type="sldImg"/>
@@ -1032,7 +1049,7 @@
       </p:sp>
       <p:sp>
         <p:nvSpPr>
-          <p:cNvPr id="141" name="Google Shape;141;p58:notes"/>
+          <p:cNvPr id="166" name="Google Shape;166;g11361c8c8db_0_2:notes"/>
           <p:cNvSpPr txBox="1"/>
           <p:nvPr>
             <p:ph idx="1" type="body"/>
@@ -1090,7 +1107,7 @@
   <p:cSld>
     <p:spTree>
       <p:nvGrpSpPr>
-        <p:cNvPr id="147" name="Shape 147"/>
+        <p:cNvPr id="176" name="Shape 176"/>
         <p:cNvGrpSpPr/>
         <p:nvPr/>
       </p:nvGrpSpPr>
@@ -1104,7 +1121,106 @@
       </p:grpSpPr>
       <p:sp>
         <p:nvSpPr>
-          <p:cNvPr id="148" name="Google Shape;148;p59:notes"/>
+          <p:cNvPr id="177" name="Google Shape;177;g112d2ec7936_0_46:notes"/>
+          <p:cNvSpPr/>
+          <p:nvPr>
+            <p:ph idx="2" type="sldImg"/>
+          </p:nvPr>
+        </p:nvSpPr>
+        <p:spPr>
+          <a:xfrm>
+            <a:off x="381300" y="685800"/>
+            <a:ext cx="6096000" cy="3429000"/>
+          </a:xfrm>
+          <a:custGeom>
+            <a:rect b="b" l="l" r="r" t="t"/>
+            <a:pathLst>
+              <a:path extrusionOk="0" h="120000" w="120000">
+                <a:moveTo>
+                  <a:pt x="0" y="0"/>
+                </a:moveTo>
+                <a:lnTo>
+                  <a:pt x="120000" y="0"/>
+                </a:lnTo>
+                <a:lnTo>
+                  <a:pt x="120000" y="120000"/>
+                </a:lnTo>
+                <a:lnTo>
+                  <a:pt x="0" y="120000"/>
+                </a:lnTo>
+                <a:close/>
+              </a:path>
+            </a:pathLst>
+          </a:custGeom>
+        </p:spPr>
+      </p:sp>
+      <p:sp>
+        <p:nvSpPr>
+          <p:cNvPr id="178" name="Google Shape;178;g112d2ec7936_0_46:notes"/>
+          <p:cNvSpPr txBox="1"/>
+          <p:nvPr>
+            <p:ph idx="1" type="body"/>
+          </p:nvPr>
+        </p:nvSpPr>
+        <p:spPr>
+          <a:xfrm>
+            <a:off x="685800" y="4343400"/>
+            <a:ext cx="5486400" cy="4114800"/>
+          </a:xfrm>
+          <a:prstGeom prst="rect">
+            <a:avLst/>
+          </a:prstGeom>
+        </p:spPr>
+        <p:txBody>
+          <a:bodyPr anchorCtr="0" anchor="t" bIns="91425" lIns="91425" spcFirstLastPara="1" rIns="91425" wrap="square" tIns="91425">
+            <a:noAutofit/>
+          </a:bodyPr>
+          <a:lstStyle/>
+          <a:p>
+            <a:pPr indent="0" lvl="0" marL="0" rtl="0" algn="l">
+              <a:spcBef>
+                <a:spcPts val="0"/>
+              </a:spcBef>
+              <a:spcAft>
+                <a:spcPts val="0"/>
+              </a:spcAft>
+              <a:buNone/>
+            </a:pPr>
+            <a:r>
+              <a:t/>
+            </a:r>
+            <a:endParaRPr/>
+          </a:p>
+        </p:txBody>
+      </p:sp>
+    </p:spTree>
+  </p:cSld>
+  <p:clrMapOvr>
+    <a:masterClrMapping/>
+  </p:clrMapOvr>
+</p:notes>
+</file>
+
+<file path=ppt/notesSlides/notesSlide12.xml><?xml version="1.0" encoding="utf-8"?>
+<p:notes xmlns:a="http://schemas.openxmlformats.org/drawingml/2006/main" xmlns:r="http://schemas.openxmlformats.org/officeDocument/2006/relationships" xmlns:mc="http://schemas.openxmlformats.org/markup-compatibility/2006" xmlns:mv="urn:schemas-microsoft-com:mac:vml" xmlns:p="http://schemas.openxmlformats.org/presentationml/2006/main" xmlns:c="http://schemas.openxmlformats.org/drawingml/2006/chart" xmlns:dgm="http://schemas.openxmlformats.org/drawingml/2006/diagram" xmlns:o="urn:schemas-microsoft-com:office:office" xmlns:v="urn:schemas-microsoft-com:vml" xmlns:pvml="urn:schemas-microsoft-com:office:powerpoint" xmlns:com="http://schemas.openxmlformats.org/drawingml/2006/compatibility" xmlns:p14="http://schemas.microsoft.com/office/powerpoint/2010/main" xmlns:p15="http://schemas.microsoft.com/office/powerpoint/2012/main" xmlns:ahyp="http://schemas.microsoft.com/office/drawing/2018/hyperlinkcolor" showMasterPhAnim="0" showMasterSp="0">
+  <p:cSld>
+    <p:spTree>
+      <p:nvGrpSpPr>
+        <p:cNvPr id="181" name="Shape 181"/>
+        <p:cNvGrpSpPr/>
+        <p:nvPr/>
+      </p:nvGrpSpPr>
+      <p:grpSpPr>
+        <a:xfrm>
+          <a:off x="0" y="0"/>
+          <a:ext cx="0" cy="0"/>
+          <a:chOff x="0" y="0"/>
+          <a:chExt cx="0" cy="0"/>
+        </a:xfrm>
+      </p:grpSpPr>
+      <p:sp>
+        <p:nvSpPr>
+          <p:cNvPr id="182" name="Google Shape;182;p25:notes"/>
           <p:cNvSpPr/>
           <p:nvPr>
             <p:ph idx="2" type="sldImg"/>
@@ -1149,7 +1265,7 @@
       </p:sp>
       <p:sp>
         <p:nvSpPr>
-          <p:cNvPr id="149" name="Google Shape;149;p59:notes"/>
+          <p:cNvPr id="183" name="Google Shape;183;p25:notes"/>
           <p:cNvSpPr txBox="1"/>
           <p:nvPr>
             <p:ph idx="1" type="body"/>
@@ -1202,12 +1318,12 @@
 </p:notes>
 </file>
 
-<file path=ppt/notesSlides/notesSlide12.xml><?xml version="1.0" encoding="utf-8"?>
+<file path=ppt/notesSlides/notesSlide13.xml><?xml version="1.0" encoding="utf-8"?>
 <p:notes xmlns:a="http://schemas.openxmlformats.org/drawingml/2006/main" xmlns:r="http://schemas.openxmlformats.org/officeDocument/2006/relationships" xmlns:mc="http://schemas.openxmlformats.org/markup-compatibility/2006" xmlns:mv="urn:schemas-microsoft-com:mac:vml" xmlns:p="http://schemas.openxmlformats.org/presentationml/2006/main" xmlns:c="http://schemas.openxmlformats.org/drawingml/2006/chart" xmlns:dgm="http://schemas.openxmlformats.org/drawingml/2006/diagram" xmlns:o="urn:schemas-microsoft-com:office:office" xmlns:v="urn:schemas-microsoft-com:vml" xmlns:pvml="urn:schemas-microsoft-com:office:powerpoint" xmlns:com="http://schemas.openxmlformats.org/drawingml/2006/compatibility" xmlns:p14="http://schemas.microsoft.com/office/powerpoint/2010/main" xmlns:p15="http://schemas.microsoft.com/office/powerpoint/2012/main" xmlns:ahyp="http://schemas.microsoft.com/office/drawing/2018/hyperlinkcolor" showMasterPhAnim="0" showMasterSp="0">
   <p:cSld>
     <p:spTree>
       <p:nvGrpSpPr>
-        <p:cNvPr id="154" name="Shape 154"/>
+        <p:cNvPr id="189" name="Shape 189"/>
         <p:cNvGrpSpPr/>
         <p:nvPr/>
       </p:nvGrpSpPr>
@@ -1221,7 +1337,7 @@
       </p:grpSpPr>
       <p:sp>
         <p:nvSpPr>
-          <p:cNvPr id="155" name="Google Shape;155;p60:notes"/>
+          <p:cNvPr id="190" name="Google Shape;190;p8:notes"/>
           <p:cNvSpPr/>
           <p:nvPr>
             <p:ph idx="2" type="sldImg"/>
@@ -1266,7 +1382,7 @@
       </p:sp>
       <p:sp>
         <p:nvSpPr>
-          <p:cNvPr id="156" name="Google Shape;156;p60:notes"/>
+          <p:cNvPr id="191" name="Google Shape;191;p8:notes"/>
           <p:cNvSpPr txBox="1"/>
           <p:nvPr>
             <p:ph idx="1" type="body"/>
@@ -1319,12 +1435,12 @@
 </p:notes>
 </file>
 
-<file path=ppt/notesSlides/notesSlide13.xml><?xml version="1.0" encoding="utf-8"?>
+<file path=ppt/notesSlides/notesSlide14.xml><?xml version="1.0" encoding="utf-8"?>
 <p:notes xmlns:a="http://schemas.openxmlformats.org/drawingml/2006/main" xmlns:r="http://schemas.openxmlformats.org/officeDocument/2006/relationships" xmlns:mc="http://schemas.openxmlformats.org/markup-compatibility/2006" xmlns:mv="urn:schemas-microsoft-com:mac:vml" xmlns:p="http://schemas.openxmlformats.org/presentationml/2006/main" xmlns:c="http://schemas.openxmlformats.org/drawingml/2006/chart" xmlns:dgm="http://schemas.openxmlformats.org/drawingml/2006/diagram" xmlns:o="urn:schemas-microsoft-com:office:office" xmlns:v="urn:schemas-microsoft-com:vml" xmlns:pvml="urn:schemas-microsoft-com:office:powerpoint" xmlns:com="http://schemas.openxmlformats.org/drawingml/2006/compatibility" xmlns:p14="http://schemas.microsoft.com/office/powerpoint/2010/main" xmlns:p15="http://schemas.microsoft.com/office/powerpoint/2012/main" xmlns:ahyp="http://schemas.microsoft.com/office/drawing/2018/hyperlinkcolor" showMasterPhAnim="0" showMasterSp="0">
   <p:cSld>
     <p:spTree>
       <p:nvGrpSpPr>
-        <p:cNvPr id="162" name="Shape 162"/>
+        <p:cNvPr id="196" name="Shape 196"/>
         <p:cNvGrpSpPr/>
         <p:nvPr/>
       </p:nvGrpSpPr>
@@ -1338,7 +1454,7 @@
       </p:grpSpPr>
       <p:sp>
         <p:nvSpPr>
-          <p:cNvPr id="163" name="Google Shape;163;p61:notes"/>
+          <p:cNvPr id="197" name="Google Shape;197;p4:notes"/>
           <p:cNvSpPr/>
           <p:nvPr>
             <p:ph idx="2" type="sldImg"/>
@@ -1383,7 +1499,538 @@
       </p:sp>
       <p:sp>
         <p:nvSpPr>
-          <p:cNvPr id="164" name="Google Shape;164;p61:notes"/>
+          <p:cNvPr id="198" name="Google Shape;198;p4:notes"/>
+          <p:cNvSpPr txBox="1"/>
+          <p:nvPr>
+            <p:ph idx="1" type="body"/>
+          </p:nvPr>
+        </p:nvSpPr>
+        <p:spPr>
+          <a:xfrm>
+            <a:off x="685800" y="4343400"/>
+            <a:ext cx="5486400" cy="4114800"/>
+          </a:xfrm>
+          <a:prstGeom prst="rect">
+            <a:avLst/>
+          </a:prstGeom>
+          <a:noFill/>
+          <a:ln>
+            <a:noFill/>
+          </a:ln>
+        </p:spPr>
+        <p:txBody>
+          <a:bodyPr anchorCtr="0" anchor="t" bIns="91425" lIns="91425" spcFirstLastPara="1" rIns="91425" wrap="square" tIns="91425">
+            <a:noAutofit/>
+          </a:bodyPr>
+          <a:lstStyle/>
+          <a:p>
+            <a:pPr indent="0" lvl="0" marL="0" rtl="0" algn="l">
+              <a:lnSpc>
+                <a:spcPct val="100000"/>
+              </a:lnSpc>
+              <a:spcBef>
+                <a:spcPts val="0"/>
+              </a:spcBef>
+              <a:spcAft>
+                <a:spcPts val="0"/>
+              </a:spcAft>
+              <a:buSzPts val="1100"/>
+              <a:buNone/>
+            </a:pPr>
+            <a:r>
+              <a:t/>
+            </a:r>
+            <a:endParaRPr/>
+          </a:p>
+        </p:txBody>
+      </p:sp>
+    </p:spTree>
+  </p:cSld>
+  <p:clrMapOvr>
+    <a:masterClrMapping/>
+  </p:clrMapOvr>
+</p:notes>
+</file>
+
+<file path=ppt/notesSlides/notesSlide15.xml><?xml version="1.0" encoding="utf-8"?>
+<p:notes xmlns:a="http://schemas.openxmlformats.org/drawingml/2006/main" xmlns:r="http://schemas.openxmlformats.org/officeDocument/2006/relationships" xmlns:mc="http://schemas.openxmlformats.org/markup-compatibility/2006" xmlns:mv="urn:schemas-microsoft-com:mac:vml" xmlns:p="http://schemas.openxmlformats.org/presentationml/2006/main" xmlns:c="http://schemas.openxmlformats.org/drawingml/2006/chart" xmlns:dgm="http://schemas.openxmlformats.org/drawingml/2006/diagram" xmlns:o="urn:schemas-microsoft-com:office:office" xmlns:v="urn:schemas-microsoft-com:vml" xmlns:pvml="urn:schemas-microsoft-com:office:powerpoint" xmlns:com="http://schemas.openxmlformats.org/drawingml/2006/compatibility" xmlns:p14="http://schemas.microsoft.com/office/powerpoint/2010/main" xmlns:p15="http://schemas.microsoft.com/office/powerpoint/2012/main" xmlns:ahyp="http://schemas.microsoft.com/office/drawing/2018/hyperlinkcolor" showMasterPhAnim="0" showMasterSp="0">
+  <p:cSld>
+    <p:spTree>
+      <p:nvGrpSpPr>
+        <p:cNvPr id="207" name="Shape 207"/>
+        <p:cNvGrpSpPr/>
+        <p:nvPr/>
+      </p:nvGrpSpPr>
+      <p:grpSpPr>
+        <a:xfrm>
+          <a:off x="0" y="0"/>
+          <a:ext cx="0" cy="0"/>
+          <a:chOff x="0" y="0"/>
+          <a:chExt cx="0" cy="0"/>
+        </a:xfrm>
+      </p:grpSpPr>
+      <p:sp>
+        <p:nvSpPr>
+          <p:cNvPr id="208" name="Google Shape;208;g1147a7e19dc_1_6:notes"/>
+          <p:cNvSpPr/>
+          <p:nvPr>
+            <p:ph idx="2" type="sldImg"/>
+          </p:nvPr>
+        </p:nvSpPr>
+        <p:spPr>
+          <a:xfrm>
+            <a:off x="381300" y="685800"/>
+            <a:ext cx="6096000" cy="3429000"/>
+          </a:xfrm>
+          <a:custGeom>
+            <a:rect b="b" l="l" r="r" t="t"/>
+            <a:pathLst>
+              <a:path extrusionOk="0" h="120000" w="120000">
+                <a:moveTo>
+                  <a:pt x="0" y="0"/>
+                </a:moveTo>
+                <a:lnTo>
+                  <a:pt x="120000" y="0"/>
+                </a:lnTo>
+                <a:lnTo>
+                  <a:pt x="120000" y="120000"/>
+                </a:lnTo>
+                <a:lnTo>
+                  <a:pt x="0" y="120000"/>
+                </a:lnTo>
+                <a:close/>
+              </a:path>
+            </a:pathLst>
+          </a:custGeom>
+        </p:spPr>
+      </p:sp>
+      <p:sp>
+        <p:nvSpPr>
+          <p:cNvPr id="209" name="Google Shape;209;g1147a7e19dc_1_6:notes"/>
+          <p:cNvSpPr txBox="1"/>
+          <p:nvPr>
+            <p:ph idx="1" type="body"/>
+          </p:nvPr>
+        </p:nvSpPr>
+        <p:spPr>
+          <a:xfrm>
+            <a:off x="685800" y="4343400"/>
+            <a:ext cx="5486400" cy="4114800"/>
+          </a:xfrm>
+          <a:prstGeom prst="rect">
+            <a:avLst/>
+          </a:prstGeom>
+        </p:spPr>
+        <p:txBody>
+          <a:bodyPr anchorCtr="0" anchor="t" bIns="91425" lIns="91425" spcFirstLastPara="1" rIns="91425" wrap="square" tIns="91425">
+            <a:noAutofit/>
+          </a:bodyPr>
+          <a:lstStyle/>
+          <a:p>
+            <a:pPr indent="0" lvl="0" marL="0" rtl="0" algn="l">
+              <a:spcBef>
+                <a:spcPts val="0"/>
+              </a:spcBef>
+              <a:spcAft>
+                <a:spcPts val="0"/>
+              </a:spcAft>
+              <a:buNone/>
+            </a:pPr>
+            <a:r>
+              <a:t/>
+            </a:r>
+            <a:endParaRPr/>
+          </a:p>
+        </p:txBody>
+      </p:sp>
+    </p:spTree>
+  </p:cSld>
+  <p:clrMapOvr>
+    <a:masterClrMapping/>
+  </p:clrMapOvr>
+</p:notes>
+</file>
+
+<file path=ppt/notesSlides/notesSlide16.xml><?xml version="1.0" encoding="utf-8"?>
+<p:notes xmlns:a="http://schemas.openxmlformats.org/drawingml/2006/main" xmlns:r="http://schemas.openxmlformats.org/officeDocument/2006/relationships" xmlns:mc="http://schemas.openxmlformats.org/markup-compatibility/2006" xmlns:mv="urn:schemas-microsoft-com:mac:vml" xmlns:p="http://schemas.openxmlformats.org/presentationml/2006/main" xmlns:c="http://schemas.openxmlformats.org/drawingml/2006/chart" xmlns:dgm="http://schemas.openxmlformats.org/drawingml/2006/diagram" xmlns:o="urn:schemas-microsoft-com:office:office" xmlns:v="urn:schemas-microsoft-com:vml" xmlns:pvml="urn:schemas-microsoft-com:office:powerpoint" xmlns:com="http://schemas.openxmlformats.org/drawingml/2006/compatibility" xmlns:p14="http://schemas.microsoft.com/office/powerpoint/2010/main" xmlns:p15="http://schemas.microsoft.com/office/powerpoint/2012/main" xmlns:ahyp="http://schemas.microsoft.com/office/drawing/2018/hyperlinkcolor" showMasterPhAnim="0" showMasterSp="0">
+  <p:cSld>
+    <p:spTree>
+      <p:nvGrpSpPr>
+        <p:cNvPr id="213" name="Shape 213"/>
+        <p:cNvGrpSpPr/>
+        <p:nvPr/>
+      </p:nvGrpSpPr>
+      <p:grpSpPr>
+        <a:xfrm>
+          <a:off x="0" y="0"/>
+          <a:ext cx="0" cy="0"/>
+          <a:chOff x="0" y="0"/>
+          <a:chExt cx="0" cy="0"/>
+        </a:xfrm>
+      </p:grpSpPr>
+      <p:sp>
+        <p:nvSpPr>
+          <p:cNvPr id="214" name="Google Shape;214;g1147a7e19dc_1_13:notes"/>
+          <p:cNvSpPr/>
+          <p:nvPr>
+            <p:ph idx="2" type="sldImg"/>
+          </p:nvPr>
+        </p:nvSpPr>
+        <p:spPr>
+          <a:xfrm>
+            <a:off x="381300" y="685800"/>
+            <a:ext cx="6096000" cy="3429000"/>
+          </a:xfrm>
+          <a:custGeom>
+            <a:rect b="b" l="l" r="r" t="t"/>
+            <a:pathLst>
+              <a:path extrusionOk="0" h="120000" w="120000">
+                <a:moveTo>
+                  <a:pt x="0" y="0"/>
+                </a:moveTo>
+                <a:lnTo>
+                  <a:pt x="120000" y="0"/>
+                </a:lnTo>
+                <a:lnTo>
+                  <a:pt x="120000" y="120000"/>
+                </a:lnTo>
+                <a:lnTo>
+                  <a:pt x="0" y="120000"/>
+                </a:lnTo>
+                <a:close/>
+              </a:path>
+            </a:pathLst>
+          </a:custGeom>
+        </p:spPr>
+      </p:sp>
+      <p:sp>
+        <p:nvSpPr>
+          <p:cNvPr id="215" name="Google Shape;215;g1147a7e19dc_1_13:notes"/>
+          <p:cNvSpPr txBox="1"/>
+          <p:nvPr>
+            <p:ph idx="1" type="body"/>
+          </p:nvPr>
+        </p:nvSpPr>
+        <p:spPr>
+          <a:xfrm>
+            <a:off x="685800" y="4343400"/>
+            <a:ext cx="5486400" cy="4114800"/>
+          </a:xfrm>
+          <a:prstGeom prst="rect">
+            <a:avLst/>
+          </a:prstGeom>
+        </p:spPr>
+        <p:txBody>
+          <a:bodyPr anchorCtr="0" anchor="t" bIns="91425" lIns="91425" spcFirstLastPara="1" rIns="91425" wrap="square" tIns="91425">
+            <a:noAutofit/>
+          </a:bodyPr>
+          <a:lstStyle/>
+          <a:p>
+            <a:pPr indent="0" lvl="0" marL="0" rtl="0" algn="l">
+              <a:spcBef>
+                <a:spcPts val="0"/>
+              </a:spcBef>
+              <a:spcAft>
+                <a:spcPts val="0"/>
+              </a:spcAft>
+              <a:buNone/>
+            </a:pPr>
+            <a:r>
+              <a:t/>
+            </a:r>
+            <a:endParaRPr/>
+          </a:p>
+        </p:txBody>
+      </p:sp>
+    </p:spTree>
+  </p:cSld>
+  <p:clrMapOvr>
+    <a:masterClrMapping/>
+  </p:clrMapOvr>
+</p:notes>
+</file>
+
+<file path=ppt/notesSlides/notesSlide17.xml><?xml version="1.0" encoding="utf-8"?>
+<p:notes xmlns:a="http://schemas.openxmlformats.org/drawingml/2006/main" xmlns:r="http://schemas.openxmlformats.org/officeDocument/2006/relationships" xmlns:mc="http://schemas.openxmlformats.org/markup-compatibility/2006" xmlns:mv="urn:schemas-microsoft-com:mac:vml" xmlns:p="http://schemas.openxmlformats.org/presentationml/2006/main" xmlns:c="http://schemas.openxmlformats.org/drawingml/2006/chart" xmlns:dgm="http://schemas.openxmlformats.org/drawingml/2006/diagram" xmlns:o="urn:schemas-microsoft-com:office:office" xmlns:v="urn:schemas-microsoft-com:vml" xmlns:pvml="urn:schemas-microsoft-com:office:powerpoint" xmlns:com="http://schemas.openxmlformats.org/drawingml/2006/compatibility" xmlns:p14="http://schemas.microsoft.com/office/powerpoint/2010/main" xmlns:p15="http://schemas.microsoft.com/office/powerpoint/2012/main" xmlns:ahyp="http://schemas.microsoft.com/office/drawing/2018/hyperlinkcolor" showMasterPhAnim="0" showMasterSp="0">
+  <p:cSld>
+    <p:spTree>
+      <p:nvGrpSpPr>
+        <p:cNvPr id="219" name="Shape 219"/>
+        <p:cNvGrpSpPr/>
+        <p:nvPr/>
+      </p:nvGrpSpPr>
+      <p:grpSpPr>
+        <a:xfrm>
+          <a:off x="0" y="0"/>
+          <a:ext cx="0" cy="0"/>
+          <a:chOff x="0" y="0"/>
+          <a:chExt cx="0" cy="0"/>
+        </a:xfrm>
+      </p:grpSpPr>
+      <p:sp>
+        <p:nvSpPr>
+          <p:cNvPr id="220" name="Google Shape;220;g115cd01938f_1_0:notes"/>
+          <p:cNvSpPr/>
+          <p:nvPr>
+            <p:ph idx="2" type="sldImg"/>
+          </p:nvPr>
+        </p:nvSpPr>
+        <p:spPr>
+          <a:xfrm>
+            <a:off x="381300" y="685800"/>
+            <a:ext cx="6096000" cy="3429000"/>
+          </a:xfrm>
+          <a:custGeom>
+            <a:rect b="b" l="l" r="r" t="t"/>
+            <a:pathLst>
+              <a:path extrusionOk="0" h="120000" w="120000">
+                <a:moveTo>
+                  <a:pt x="0" y="0"/>
+                </a:moveTo>
+                <a:lnTo>
+                  <a:pt x="120000" y="0"/>
+                </a:lnTo>
+                <a:lnTo>
+                  <a:pt x="120000" y="120000"/>
+                </a:lnTo>
+                <a:lnTo>
+                  <a:pt x="0" y="120000"/>
+                </a:lnTo>
+                <a:close/>
+              </a:path>
+            </a:pathLst>
+          </a:custGeom>
+        </p:spPr>
+      </p:sp>
+      <p:sp>
+        <p:nvSpPr>
+          <p:cNvPr id="221" name="Google Shape;221;g115cd01938f_1_0:notes"/>
+          <p:cNvSpPr txBox="1"/>
+          <p:nvPr>
+            <p:ph idx="1" type="body"/>
+          </p:nvPr>
+        </p:nvSpPr>
+        <p:spPr>
+          <a:xfrm>
+            <a:off x="685800" y="4343400"/>
+            <a:ext cx="5486400" cy="4114800"/>
+          </a:xfrm>
+          <a:prstGeom prst="rect">
+            <a:avLst/>
+          </a:prstGeom>
+        </p:spPr>
+        <p:txBody>
+          <a:bodyPr anchorCtr="0" anchor="t" bIns="91425" lIns="91425" spcFirstLastPara="1" rIns="91425" wrap="square" tIns="91425">
+            <a:noAutofit/>
+          </a:bodyPr>
+          <a:lstStyle/>
+          <a:p>
+            <a:pPr indent="0" lvl="0" marL="0" rtl="0" algn="l">
+              <a:spcBef>
+                <a:spcPts val="0"/>
+              </a:spcBef>
+              <a:spcAft>
+                <a:spcPts val="0"/>
+              </a:spcAft>
+              <a:buNone/>
+            </a:pPr>
+            <a:r>
+              <a:t/>
+            </a:r>
+            <a:endParaRPr/>
+          </a:p>
+        </p:txBody>
+      </p:sp>
+    </p:spTree>
+  </p:cSld>
+  <p:clrMapOvr>
+    <a:masterClrMapping/>
+  </p:clrMapOvr>
+</p:notes>
+</file>
+
+<file path=ppt/notesSlides/notesSlide18.xml><?xml version="1.0" encoding="utf-8"?>
+<p:notes xmlns:a="http://schemas.openxmlformats.org/drawingml/2006/main" xmlns:r="http://schemas.openxmlformats.org/officeDocument/2006/relationships" xmlns:mc="http://schemas.openxmlformats.org/markup-compatibility/2006" xmlns:mv="urn:schemas-microsoft-com:mac:vml" xmlns:p="http://schemas.openxmlformats.org/presentationml/2006/main" xmlns:c="http://schemas.openxmlformats.org/drawingml/2006/chart" xmlns:dgm="http://schemas.openxmlformats.org/drawingml/2006/diagram" xmlns:o="urn:schemas-microsoft-com:office:office" xmlns:v="urn:schemas-microsoft-com:vml" xmlns:pvml="urn:schemas-microsoft-com:office:powerpoint" xmlns:com="http://schemas.openxmlformats.org/drawingml/2006/compatibility" xmlns:p14="http://schemas.microsoft.com/office/powerpoint/2010/main" xmlns:p15="http://schemas.microsoft.com/office/powerpoint/2012/main" xmlns:ahyp="http://schemas.microsoft.com/office/drawing/2018/hyperlinkcolor" showMasterPhAnim="0" showMasterSp="0">
+  <p:cSld>
+    <p:spTree>
+      <p:nvGrpSpPr>
+        <p:cNvPr id="224" name="Shape 224"/>
+        <p:cNvGrpSpPr/>
+        <p:nvPr/>
+      </p:nvGrpSpPr>
+      <p:grpSpPr>
+        <a:xfrm>
+          <a:off x="0" y="0"/>
+          <a:ext cx="0" cy="0"/>
+          <a:chOff x="0" y="0"/>
+          <a:chExt cx="0" cy="0"/>
+        </a:xfrm>
+      </p:grpSpPr>
+      <p:sp>
+        <p:nvSpPr>
+          <p:cNvPr id="225" name="Google Shape;225;p52:notes"/>
+          <p:cNvSpPr/>
+          <p:nvPr>
+            <p:ph idx="2" type="sldImg"/>
+          </p:nvPr>
+        </p:nvSpPr>
+        <p:spPr>
+          <a:xfrm>
+            <a:off x="381000" y="685800"/>
+            <a:ext cx="6096000" cy="3429000"/>
+          </a:xfrm>
+          <a:custGeom>
+            <a:rect b="b" l="l" r="r" t="t"/>
+            <a:pathLst>
+              <a:path extrusionOk="0" h="120000" w="120000">
+                <a:moveTo>
+                  <a:pt x="0" y="0"/>
+                </a:moveTo>
+                <a:lnTo>
+                  <a:pt x="120000" y="0"/>
+                </a:lnTo>
+                <a:lnTo>
+                  <a:pt x="120000" y="120000"/>
+                </a:lnTo>
+                <a:lnTo>
+                  <a:pt x="0" y="120000"/>
+                </a:lnTo>
+                <a:close/>
+              </a:path>
+            </a:pathLst>
+          </a:custGeom>
+          <a:noFill/>
+          <a:ln cap="flat" cmpd="sng" w="9525">
+            <a:solidFill>
+              <a:srgbClr val="000000"/>
+            </a:solidFill>
+            <a:prstDash val="solid"/>
+            <a:round/>
+            <a:headEnd len="sm" w="sm" type="none"/>
+            <a:tailEnd len="sm" w="sm" type="none"/>
+          </a:ln>
+        </p:spPr>
+      </p:sp>
+      <p:sp>
+        <p:nvSpPr>
+          <p:cNvPr id="226" name="Google Shape;226;p52:notes"/>
+          <p:cNvSpPr txBox="1"/>
+          <p:nvPr>
+            <p:ph idx="1" type="body"/>
+          </p:nvPr>
+        </p:nvSpPr>
+        <p:spPr>
+          <a:xfrm>
+            <a:off x="685800" y="4343400"/>
+            <a:ext cx="5486400" cy="4114800"/>
+          </a:xfrm>
+          <a:prstGeom prst="rect">
+            <a:avLst/>
+          </a:prstGeom>
+          <a:noFill/>
+          <a:ln>
+            <a:noFill/>
+          </a:ln>
+        </p:spPr>
+        <p:txBody>
+          <a:bodyPr anchorCtr="0" anchor="t" bIns="91425" lIns="91425" spcFirstLastPara="1" rIns="91425" wrap="square" tIns="91425">
+            <a:noAutofit/>
+          </a:bodyPr>
+          <a:lstStyle/>
+          <a:p>
+            <a:pPr indent="0" lvl="0" marL="0" rtl="0" algn="l">
+              <a:lnSpc>
+                <a:spcPct val="100000"/>
+              </a:lnSpc>
+              <a:spcBef>
+                <a:spcPts val="0"/>
+              </a:spcBef>
+              <a:spcAft>
+                <a:spcPts val="0"/>
+              </a:spcAft>
+              <a:buSzPts val="1100"/>
+              <a:buNone/>
+            </a:pPr>
+            <a:r>
+              <a:t/>
+            </a:r>
+            <a:endParaRPr/>
+          </a:p>
+        </p:txBody>
+      </p:sp>
+    </p:spTree>
+  </p:cSld>
+  <p:clrMapOvr>
+    <a:masterClrMapping/>
+  </p:clrMapOvr>
+</p:notes>
+</file>
+
+<file path=ppt/notesSlides/notesSlide19.xml><?xml version="1.0" encoding="utf-8"?>
+<p:notes xmlns:a="http://schemas.openxmlformats.org/drawingml/2006/main" xmlns:r="http://schemas.openxmlformats.org/officeDocument/2006/relationships" xmlns:mc="http://schemas.openxmlformats.org/markup-compatibility/2006" xmlns:mv="urn:schemas-microsoft-com:mac:vml" xmlns:p="http://schemas.openxmlformats.org/presentationml/2006/main" xmlns:c="http://schemas.openxmlformats.org/drawingml/2006/chart" xmlns:dgm="http://schemas.openxmlformats.org/drawingml/2006/diagram" xmlns:o="urn:schemas-microsoft-com:office:office" xmlns:v="urn:schemas-microsoft-com:vml" xmlns:pvml="urn:schemas-microsoft-com:office:powerpoint" xmlns:com="http://schemas.openxmlformats.org/drawingml/2006/compatibility" xmlns:p14="http://schemas.microsoft.com/office/powerpoint/2010/main" xmlns:p15="http://schemas.microsoft.com/office/powerpoint/2012/main" xmlns:ahyp="http://schemas.microsoft.com/office/drawing/2018/hyperlinkcolor" showMasterPhAnim="0" showMasterSp="0">
+  <p:cSld>
+    <p:spTree>
+      <p:nvGrpSpPr>
+        <p:cNvPr id="232" name="Shape 232"/>
+        <p:cNvGrpSpPr/>
+        <p:nvPr/>
+      </p:nvGrpSpPr>
+      <p:grpSpPr>
+        <a:xfrm>
+          <a:off x="0" y="0"/>
+          <a:ext cx="0" cy="0"/>
+          <a:chOff x="0" y="0"/>
+          <a:chExt cx="0" cy="0"/>
+        </a:xfrm>
+      </p:grpSpPr>
+      <p:sp>
+        <p:nvSpPr>
+          <p:cNvPr id="233" name="Google Shape;233;p53:notes"/>
+          <p:cNvSpPr/>
+          <p:nvPr>
+            <p:ph idx="2" type="sldImg"/>
+          </p:nvPr>
+        </p:nvSpPr>
+        <p:spPr>
+          <a:xfrm>
+            <a:off x="381000" y="685800"/>
+            <a:ext cx="6096000" cy="3429000"/>
+          </a:xfrm>
+          <a:custGeom>
+            <a:rect b="b" l="l" r="r" t="t"/>
+            <a:pathLst>
+              <a:path extrusionOk="0" h="120000" w="120000">
+                <a:moveTo>
+                  <a:pt x="0" y="0"/>
+                </a:moveTo>
+                <a:lnTo>
+                  <a:pt x="120000" y="0"/>
+                </a:lnTo>
+                <a:lnTo>
+                  <a:pt x="120000" y="120000"/>
+                </a:lnTo>
+                <a:lnTo>
+                  <a:pt x="0" y="120000"/>
+                </a:lnTo>
+                <a:close/>
+              </a:path>
+            </a:pathLst>
+          </a:custGeom>
+          <a:noFill/>
+          <a:ln cap="flat" cmpd="sng" w="9525">
+            <a:solidFill>
+              <a:srgbClr val="000000"/>
+            </a:solidFill>
+            <a:prstDash val="solid"/>
+            <a:round/>
+            <a:headEnd len="sm" w="sm" type="none"/>
+            <a:tailEnd len="sm" w="sm" type="none"/>
+          </a:ln>
+        </p:spPr>
+      </p:sp>
+      <p:sp>
+        <p:nvSpPr>
+          <p:cNvPr id="234" name="Google Shape;234;p53:notes"/>
           <p:cNvSpPr txBox="1"/>
           <p:nvPr>
             <p:ph idx="1" type="body"/>
@@ -1553,6 +2200,474 @@
 </p:notes>
 </file>
 
+<file path=ppt/notesSlides/notesSlide20.xml><?xml version="1.0" encoding="utf-8"?>
+<p:notes xmlns:a="http://schemas.openxmlformats.org/drawingml/2006/main" xmlns:r="http://schemas.openxmlformats.org/officeDocument/2006/relationships" xmlns:mc="http://schemas.openxmlformats.org/markup-compatibility/2006" xmlns:mv="urn:schemas-microsoft-com:mac:vml" xmlns:p="http://schemas.openxmlformats.org/presentationml/2006/main" xmlns:c="http://schemas.openxmlformats.org/drawingml/2006/chart" xmlns:dgm="http://schemas.openxmlformats.org/drawingml/2006/diagram" xmlns:o="urn:schemas-microsoft-com:office:office" xmlns:v="urn:schemas-microsoft-com:vml" xmlns:pvml="urn:schemas-microsoft-com:office:powerpoint" xmlns:com="http://schemas.openxmlformats.org/drawingml/2006/compatibility" xmlns:p14="http://schemas.microsoft.com/office/powerpoint/2010/main" xmlns:p15="http://schemas.microsoft.com/office/powerpoint/2012/main" xmlns:ahyp="http://schemas.microsoft.com/office/drawing/2018/hyperlinkcolor" showMasterPhAnim="0" showMasterSp="0">
+  <p:cSld>
+    <p:spTree>
+      <p:nvGrpSpPr>
+        <p:cNvPr id="239" name="Shape 239"/>
+        <p:cNvGrpSpPr/>
+        <p:nvPr/>
+      </p:nvGrpSpPr>
+      <p:grpSpPr>
+        <a:xfrm>
+          <a:off x="0" y="0"/>
+          <a:ext cx="0" cy="0"/>
+          <a:chOff x="0" y="0"/>
+          <a:chExt cx="0" cy="0"/>
+        </a:xfrm>
+      </p:grpSpPr>
+      <p:sp>
+        <p:nvSpPr>
+          <p:cNvPr id="240" name="Google Shape;240;p58:notes"/>
+          <p:cNvSpPr/>
+          <p:nvPr>
+            <p:ph idx="2" type="sldImg"/>
+          </p:nvPr>
+        </p:nvSpPr>
+        <p:spPr>
+          <a:xfrm>
+            <a:off x="381000" y="685800"/>
+            <a:ext cx="6096000" cy="3429000"/>
+          </a:xfrm>
+          <a:custGeom>
+            <a:rect b="b" l="l" r="r" t="t"/>
+            <a:pathLst>
+              <a:path extrusionOk="0" h="120000" w="120000">
+                <a:moveTo>
+                  <a:pt x="0" y="0"/>
+                </a:moveTo>
+                <a:lnTo>
+                  <a:pt x="120000" y="0"/>
+                </a:lnTo>
+                <a:lnTo>
+                  <a:pt x="120000" y="120000"/>
+                </a:lnTo>
+                <a:lnTo>
+                  <a:pt x="0" y="120000"/>
+                </a:lnTo>
+                <a:close/>
+              </a:path>
+            </a:pathLst>
+          </a:custGeom>
+          <a:noFill/>
+          <a:ln cap="flat" cmpd="sng" w="9525">
+            <a:solidFill>
+              <a:srgbClr val="000000"/>
+            </a:solidFill>
+            <a:prstDash val="solid"/>
+            <a:round/>
+            <a:headEnd len="sm" w="sm" type="none"/>
+            <a:tailEnd len="sm" w="sm" type="none"/>
+          </a:ln>
+        </p:spPr>
+      </p:sp>
+      <p:sp>
+        <p:nvSpPr>
+          <p:cNvPr id="241" name="Google Shape;241;p58:notes"/>
+          <p:cNvSpPr txBox="1"/>
+          <p:nvPr>
+            <p:ph idx="1" type="body"/>
+          </p:nvPr>
+        </p:nvSpPr>
+        <p:spPr>
+          <a:xfrm>
+            <a:off x="685800" y="4343400"/>
+            <a:ext cx="5486400" cy="4114800"/>
+          </a:xfrm>
+          <a:prstGeom prst="rect">
+            <a:avLst/>
+          </a:prstGeom>
+          <a:noFill/>
+          <a:ln>
+            <a:noFill/>
+          </a:ln>
+        </p:spPr>
+        <p:txBody>
+          <a:bodyPr anchorCtr="0" anchor="t" bIns="91425" lIns="91425" spcFirstLastPara="1" rIns="91425" wrap="square" tIns="91425">
+            <a:noAutofit/>
+          </a:bodyPr>
+          <a:lstStyle/>
+          <a:p>
+            <a:pPr indent="0" lvl="0" marL="0" rtl="0" algn="l">
+              <a:lnSpc>
+                <a:spcPct val="100000"/>
+              </a:lnSpc>
+              <a:spcBef>
+                <a:spcPts val="0"/>
+              </a:spcBef>
+              <a:spcAft>
+                <a:spcPts val="0"/>
+              </a:spcAft>
+              <a:buSzPts val="1100"/>
+              <a:buNone/>
+            </a:pPr>
+            <a:r>
+              <a:t/>
+            </a:r>
+            <a:endParaRPr/>
+          </a:p>
+        </p:txBody>
+      </p:sp>
+    </p:spTree>
+  </p:cSld>
+  <p:clrMapOvr>
+    <a:masterClrMapping/>
+  </p:clrMapOvr>
+</p:notes>
+</file>
+
+<file path=ppt/notesSlides/notesSlide21.xml><?xml version="1.0" encoding="utf-8"?>
+<p:notes xmlns:a="http://schemas.openxmlformats.org/drawingml/2006/main" xmlns:r="http://schemas.openxmlformats.org/officeDocument/2006/relationships" xmlns:mc="http://schemas.openxmlformats.org/markup-compatibility/2006" xmlns:mv="urn:schemas-microsoft-com:mac:vml" xmlns:p="http://schemas.openxmlformats.org/presentationml/2006/main" xmlns:c="http://schemas.openxmlformats.org/drawingml/2006/chart" xmlns:dgm="http://schemas.openxmlformats.org/drawingml/2006/diagram" xmlns:o="urn:schemas-microsoft-com:office:office" xmlns:v="urn:schemas-microsoft-com:vml" xmlns:pvml="urn:schemas-microsoft-com:office:powerpoint" xmlns:com="http://schemas.openxmlformats.org/drawingml/2006/compatibility" xmlns:p14="http://schemas.microsoft.com/office/powerpoint/2010/main" xmlns:p15="http://schemas.microsoft.com/office/powerpoint/2012/main" xmlns:ahyp="http://schemas.microsoft.com/office/drawing/2018/hyperlinkcolor" showMasterPhAnim="0" showMasterSp="0">
+  <p:cSld>
+    <p:spTree>
+      <p:nvGrpSpPr>
+        <p:cNvPr id="247" name="Shape 247"/>
+        <p:cNvGrpSpPr/>
+        <p:nvPr/>
+      </p:nvGrpSpPr>
+      <p:grpSpPr>
+        <a:xfrm>
+          <a:off x="0" y="0"/>
+          <a:ext cx="0" cy="0"/>
+          <a:chOff x="0" y="0"/>
+          <a:chExt cx="0" cy="0"/>
+        </a:xfrm>
+      </p:grpSpPr>
+      <p:sp>
+        <p:nvSpPr>
+          <p:cNvPr id="248" name="Google Shape;248;p59:notes"/>
+          <p:cNvSpPr/>
+          <p:nvPr>
+            <p:ph idx="2" type="sldImg"/>
+          </p:nvPr>
+        </p:nvSpPr>
+        <p:spPr>
+          <a:xfrm>
+            <a:off x="381000" y="685800"/>
+            <a:ext cx="6096000" cy="3429000"/>
+          </a:xfrm>
+          <a:custGeom>
+            <a:rect b="b" l="l" r="r" t="t"/>
+            <a:pathLst>
+              <a:path extrusionOk="0" h="120000" w="120000">
+                <a:moveTo>
+                  <a:pt x="0" y="0"/>
+                </a:moveTo>
+                <a:lnTo>
+                  <a:pt x="120000" y="0"/>
+                </a:lnTo>
+                <a:lnTo>
+                  <a:pt x="120000" y="120000"/>
+                </a:lnTo>
+                <a:lnTo>
+                  <a:pt x="0" y="120000"/>
+                </a:lnTo>
+                <a:close/>
+              </a:path>
+            </a:pathLst>
+          </a:custGeom>
+          <a:noFill/>
+          <a:ln cap="flat" cmpd="sng" w="9525">
+            <a:solidFill>
+              <a:srgbClr val="000000"/>
+            </a:solidFill>
+            <a:prstDash val="solid"/>
+            <a:round/>
+            <a:headEnd len="sm" w="sm" type="none"/>
+            <a:tailEnd len="sm" w="sm" type="none"/>
+          </a:ln>
+        </p:spPr>
+      </p:sp>
+      <p:sp>
+        <p:nvSpPr>
+          <p:cNvPr id="249" name="Google Shape;249;p59:notes"/>
+          <p:cNvSpPr txBox="1"/>
+          <p:nvPr>
+            <p:ph idx="1" type="body"/>
+          </p:nvPr>
+        </p:nvSpPr>
+        <p:spPr>
+          <a:xfrm>
+            <a:off x="685800" y="4343400"/>
+            <a:ext cx="5486400" cy="4114800"/>
+          </a:xfrm>
+          <a:prstGeom prst="rect">
+            <a:avLst/>
+          </a:prstGeom>
+          <a:noFill/>
+          <a:ln>
+            <a:noFill/>
+          </a:ln>
+        </p:spPr>
+        <p:txBody>
+          <a:bodyPr anchorCtr="0" anchor="t" bIns="91425" lIns="91425" spcFirstLastPara="1" rIns="91425" wrap="square" tIns="91425">
+            <a:noAutofit/>
+          </a:bodyPr>
+          <a:lstStyle/>
+          <a:p>
+            <a:pPr indent="0" lvl="0" marL="0" rtl="0" algn="l">
+              <a:lnSpc>
+                <a:spcPct val="100000"/>
+              </a:lnSpc>
+              <a:spcBef>
+                <a:spcPts val="0"/>
+              </a:spcBef>
+              <a:spcAft>
+                <a:spcPts val="0"/>
+              </a:spcAft>
+              <a:buSzPts val="1100"/>
+              <a:buNone/>
+            </a:pPr>
+            <a:r>
+              <a:t/>
+            </a:r>
+            <a:endParaRPr/>
+          </a:p>
+        </p:txBody>
+      </p:sp>
+    </p:spTree>
+  </p:cSld>
+  <p:clrMapOvr>
+    <a:masterClrMapping/>
+  </p:clrMapOvr>
+</p:notes>
+</file>
+
+<file path=ppt/notesSlides/notesSlide22.xml><?xml version="1.0" encoding="utf-8"?>
+<p:notes xmlns:a="http://schemas.openxmlformats.org/drawingml/2006/main" xmlns:r="http://schemas.openxmlformats.org/officeDocument/2006/relationships" xmlns:mc="http://schemas.openxmlformats.org/markup-compatibility/2006" xmlns:mv="urn:schemas-microsoft-com:mac:vml" xmlns:p="http://schemas.openxmlformats.org/presentationml/2006/main" xmlns:c="http://schemas.openxmlformats.org/drawingml/2006/chart" xmlns:dgm="http://schemas.openxmlformats.org/drawingml/2006/diagram" xmlns:o="urn:schemas-microsoft-com:office:office" xmlns:v="urn:schemas-microsoft-com:vml" xmlns:pvml="urn:schemas-microsoft-com:office:powerpoint" xmlns:com="http://schemas.openxmlformats.org/drawingml/2006/compatibility" xmlns:p14="http://schemas.microsoft.com/office/powerpoint/2010/main" xmlns:p15="http://schemas.microsoft.com/office/powerpoint/2012/main" xmlns:ahyp="http://schemas.microsoft.com/office/drawing/2018/hyperlinkcolor" showMasterPhAnim="0" showMasterSp="0">
+  <p:cSld>
+    <p:spTree>
+      <p:nvGrpSpPr>
+        <p:cNvPr id="254" name="Shape 254"/>
+        <p:cNvGrpSpPr/>
+        <p:nvPr/>
+      </p:nvGrpSpPr>
+      <p:grpSpPr>
+        <a:xfrm>
+          <a:off x="0" y="0"/>
+          <a:ext cx="0" cy="0"/>
+          <a:chOff x="0" y="0"/>
+          <a:chExt cx="0" cy="0"/>
+        </a:xfrm>
+      </p:grpSpPr>
+      <p:sp>
+        <p:nvSpPr>
+          <p:cNvPr id="255" name="Google Shape;255;p60:notes"/>
+          <p:cNvSpPr/>
+          <p:nvPr>
+            <p:ph idx="2" type="sldImg"/>
+          </p:nvPr>
+        </p:nvSpPr>
+        <p:spPr>
+          <a:xfrm>
+            <a:off x="381000" y="685800"/>
+            <a:ext cx="6096000" cy="3429000"/>
+          </a:xfrm>
+          <a:custGeom>
+            <a:rect b="b" l="l" r="r" t="t"/>
+            <a:pathLst>
+              <a:path extrusionOk="0" h="120000" w="120000">
+                <a:moveTo>
+                  <a:pt x="0" y="0"/>
+                </a:moveTo>
+                <a:lnTo>
+                  <a:pt x="120000" y="0"/>
+                </a:lnTo>
+                <a:lnTo>
+                  <a:pt x="120000" y="120000"/>
+                </a:lnTo>
+                <a:lnTo>
+                  <a:pt x="0" y="120000"/>
+                </a:lnTo>
+                <a:close/>
+              </a:path>
+            </a:pathLst>
+          </a:custGeom>
+          <a:noFill/>
+          <a:ln cap="flat" cmpd="sng" w="9525">
+            <a:solidFill>
+              <a:srgbClr val="000000"/>
+            </a:solidFill>
+            <a:prstDash val="solid"/>
+            <a:round/>
+            <a:headEnd len="sm" w="sm" type="none"/>
+            <a:tailEnd len="sm" w="sm" type="none"/>
+          </a:ln>
+        </p:spPr>
+      </p:sp>
+      <p:sp>
+        <p:nvSpPr>
+          <p:cNvPr id="256" name="Google Shape;256;p60:notes"/>
+          <p:cNvSpPr txBox="1"/>
+          <p:nvPr>
+            <p:ph idx="1" type="body"/>
+          </p:nvPr>
+        </p:nvSpPr>
+        <p:spPr>
+          <a:xfrm>
+            <a:off x="685800" y="4343400"/>
+            <a:ext cx="5486400" cy="4114800"/>
+          </a:xfrm>
+          <a:prstGeom prst="rect">
+            <a:avLst/>
+          </a:prstGeom>
+          <a:noFill/>
+          <a:ln>
+            <a:noFill/>
+          </a:ln>
+        </p:spPr>
+        <p:txBody>
+          <a:bodyPr anchorCtr="0" anchor="t" bIns="91425" lIns="91425" spcFirstLastPara="1" rIns="91425" wrap="square" tIns="91425">
+            <a:noAutofit/>
+          </a:bodyPr>
+          <a:lstStyle/>
+          <a:p>
+            <a:pPr indent="0" lvl="0" marL="0" rtl="0" algn="l">
+              <a:lnSpc>
+                <a:spcPct val="100000"/>
+              </a:lnSpc>
+              <a:spcBef>
+                <a:spcPts val="0"/>
+              </a:spcBef>
+              <a:spcAft>
+                <a:spcPts val="0"/>
+              </a:spcAft>
+              <a:buSzPts val="1100"/>
+              <a:buNone/>
+            </a:pPr>
+            <a:r>
+              <a:t/>
+            </a:r>
+            <a:endParaRPr/>
+          </a:p>
+        </p:txBody>
+      </p:sp>
+    </p:spTree>
+  </p:cSld>
+  <p:clrMapOvr>
+    <a:masterClrMapping/>
+  </p:clrMapOvr>
+</p:notes>
+</file>
+
+<file path=ppt/notesSlides/notesSlide23.xml><?xml version="1.0" encoding="utf-8"?>
+<p:notes xmlns:a="http://schemas.openxmlformats.org/drawingml/2006/main" xmlns:r="http://schemas.openxmlformats.org/officeDocument/2006/relationships" xmlns:mc="http://schemas.openxmlformats.org/markup-compatibility/2006" xmlns:mv="urn:schemas-microsoft-com:mac:vml" xmlns:p="http://schemas.openxmlformats.org/presentationml/2006/main" xmlns:c="http://schemas.openxmlformats.org/drawingml/2006/chart" xmlns:dgm="http://schemas.openxmlformats.org/drawingml/2006/diagram" xmlns:o="urn:schemas-microsoft-com:office:office" xmlns:v="urn:schemas-microsoft-com:vml" xmlns:pvml="urn:schemas-microsoft-com:office:powerpoint" xmlns:com="http://schemas.openxmlformats.org/drawingml/2006/compatibility" xmlns:p14="http://schemas.microsoft.com/office/powerpoint/2010/main" xmlns:p15="http://schemas.microsoft.com/office/powerpoint/2012/main" xmlns:ahyp="http://schemas.microsoft.com/office/drawing/2018/hyperlinkcolor" showMasterPhAnim="0" showMasterSp="0">
+  <p:cSld>
+    <p:spTree>
+      <p:nvGrpSpPr>
+        <p:cNvPr id="262" name="Shape 262"/>
+        <p:cNvGrpSpPr/>
+        <p:nvPr/>
+      </p:nvGrpSpPr>
+      <p:grpSpPr>
+        <a:xfrm>
+          <a:off x="0" y="0"/>
+          <a:ext cx="0" cy="0"/>
+          <a:chOff x="0" y="0"/>
+          <a:chExt cx="0" cy="0"/>
+        </a:xfrm>
+      </p:grpSpPr>
+      <p:sp>
+        <p:nvSpPr>
+          <p:cNvPr id="263" name="Google Shape;263;p61:notes"/>
+          <p:cNvSpPr/>
+          <p:nvPr>
+            <p:ph idx="2" type="sldImg"/>
+          </p:nvPr>
+        </p:nvSpPr>
+        <p:spPr>
+          <a:xfrm>
+            <a:off x="381000" y="685800"/>
+            <a:ext cx="6096000" cy="3429000"/>
+          </a:xfrm>
+          <a:custGeom>
+            <a:rect b="b" l="l" r="r" t="t"/>
+            <a:pathLst>
+              <a:path extrusionOk="0" h="120000" w="120000">
+                <a:moveTo>
+                  <a:pt x="0" y="0"/>
+                </a:moveTo>
+                <a:lnTo>
+                  <a:pt x="120000" y="0"/>
+                </a:lnTo>
+                <a:lnTo>
+                  <a:pt x="120000" y="120000"/>
+                </a:lnTo>
+                <a:lnTo>
+                  <a:pt x="0" y="120000"/>
+                </a:lnTo>
+                <a:close/>
+              </a:path>
+            </a:pathLst>
+          </a:custGeom>
+          <a:noFill/>
+          <a:ln cap="flat" cmpd="sng" w="9525">
+            <a:solidFill>
+              <a:srgbClr val="000000"/>
+            </a:solidFill>
+            <a:prstDash val="solid"/>
+            <a:round/>
+            <a:headEnd len="sm" w="sm" type="none"/>
+            <a:tailEnd len="sm" w="sm" type="none"/>
+          </a:ln>
+        </p:spPr>
+      </p:sp>
+      <p:sp>
+        <p:nvSpPr>
+          <p:cNvPr id="264" name="Google Shape;264;p61:notes"/>
+          <p:cNvSpPr txBox="1"/>
+          <p:nvPr>
+            <p:ph idx="1" type="body"/>
+          </p:nvPr>
+        </p:nvSpPr>
+        <p:spPr>
+          <a:xfrm>
+            <a:off x="685800" y="4343400"/>
+            <a:ext cx="5486400" cy="4114800"/>
+          </a:xfrm>
+          <a:prstGeom prst="rect">
+            <a:avLst/>
+          </a:prstGeom>
+          <a:noFill/>
+          <a:ln>
+            <a:noFill/>
+          </a:ln>
+        </p:spPr>
+        <p:txBody>
+          <a:bodyPr anchorCtr="0" anchor="t" bIns="91425" lIns="91425" spcFirstLastPara="1" rIns="91425" wrap="square" tIns="91425">
+            <a:noAutofit/>
+          </a:bodyPr>
+          <a:lstStyle/>
+          <a:p>
+            <a:pPr indent="0" lvl="0" marL="0" rtl="0" algn="l">
+              <a:lnSpc>
+                <a:spcPct val="100000"/>
+              </a:lnSpc>
+              <a:spcBef>
+                <a:spcPts val="0"/>
+              </a:spcBef>
+              <a:spcAft>
+                <a:spcPts val="0"/>
+              </a:spcAft>
+              <a:buSzPts val="1100"/>
+              <a:buNone/>
+            </a:pPr>
+            <a:r>
+              <a:t/>
+            </a:r>
+            <a:endParaRPr/>
+          </a:p>
+        </p:txBody>
+      </p:sp>
+    </p:spTree>
+  </p:cSld>
+  <p:clrMapOvr>
+    <a:masterClrMapping/>
+  </p:clrMapOvr>
+</p:notes>
+</file>
+
 <file path=ppt/notesSlides/notesSlide3.xml><?xml version="1.0" encoding="utf-8"?>
 <p:notes xmlns:a="http://schemas.openxmlformats.org/drawingml/2006/main" xmlns:r="http://schemas.openxmlformats.org/officeDocument/2006/relationships" xmlns:mc="http://schemas.openxmlformats.org/markup-compatibility/2006" xmlns:mv="urn:schemas-microsoft-com:mac:vml" xmlns:p="http://schemas.openxmlformats.org/presentationml/2006/main" xmlns:c="http://schemas.openxmlformats.org/drawingml/2006/chart" xmlns:dgm="http://schemas.openxmlformats.org/drawingml/2006/diagram" xmlns:o="urn:schemas-microsoft-com:office:office" xmlns:v="urn:schemas-microsoft-com:vml" xmlns:pvml="urn:schemas-microsoft-com:office:powerpoint" xmlns:com="http://schemas.openxmlformats.org/drawingml/2006/compatibility" xmlns:p14="http://schemas.microsoft.com/office/powerpoint/2010/main" xmlns:p15="http://schemas.microsoft.com/office/powerpoint/2012/main" xmlns:ahyp="http://schemas.microsoft.com/office/drawing/2018/hyperlinkcolor" showMasterPhAnim="0" showMasterSp="0">
   <p:cSld>
@@ -1792,7 +2907,7 @@
   <p:cSld>
     <p:spTree>
       <p:nvGrpSpPr>
-        <p:cNvPr id="99" name="Shape 99"/>
+        <p:cNvPr id="104" name="Shape 104"/>
         <p:cNvGrpSpPr/>
         <p:nvPr/>
       </p:nvGrpSpPr>
@@ -1806,7 +2921,7 @@
       </p:grpSpPr>
       <p:sp>
         <p:nvSpPr>
-          <p:cNvPr id="100" name="Google Shape;100;p8:notes"/>
+          <p:cNvPr id="105" name="Google Shape;105;g112c837701b_0_14:notes"/>
           <p:cNvSpPr/>
           <p:nvPr>
             <p:ph idx="2" type="sldImg"/>
@@ -1851,7 +2966,7 @@
       </p:sp>
       <p:sp>
         <p:nvSpPr>
-          <p:cNvPr id="101" name="Google Shape;101;p8:notes"/>
+          <p:cNvPr id="106" name="Google Shape;106;g112c837701b_0_14:notes"/>
           <p:cNvSpPr txBox="1"/>
           <p:nvPr>
             <p:ph idx="1" type="body"/>
@@ -1909,7 +3024,7 @@
   <p:cSld>
     <p:spTree>
       <p:nvGrpSpPr>
-        <p:cNvPr id="106" name="Shape 106"/>
+        <p:cNvPr id="116" name="Shape 116"/>
         <p:cNvGrpSpPr/>
         <p:nvPr/>
       </p:nvGrpSpPr>
@@ -1923,7 +3038,7 @@
       </p:grpSpPr>
       <p:sp>
         <p:nvSpPr>
-          <p:cNvPr id="107" name="Google Shape;107;p4:notes"/>
+          <p:cNvPr id="117" name="Google Shape;117;g112d2ec7936_0_0:notes"/>
           <p:cNvSpPr/>
           <p:nvPr>
             <p:ph idx="2" type="sldImg"/>
@@ -1968,7 +3083,7 @@
       </p:sp>
       <p:sp>
         <p:nvSpPr>
-          <p:cNvPr id="108" name="Google Shape;108;p4:notes"/>
+          <p:cNvPr id="118" name="Google Shape;118;g112d2ec7936_0_0:notes"/>
           <p:cNvSpPr txBox="1"/>
           <p:nvPr>
             <p:ph idx="1" type="body"/>
@@ -2026,7 +3141,7 @@
   <p:cSld>
     <p:spTree>
       <p:nvGrpSpPr>
-        <p:cNvPr id="116" name="Shape 116"/>
+        <p:cNvPr id="127" name="Shape 127"/>
         <p:cNvGrpSpPr/>
         <p:nvPr/>
       </p:nvGrpSpPr>
@@ -2040,7 +3155,7 @@
       </p:grpSpPr>
       <p:sp>
         <p:nvSpPr>
-          <p:cNvPr id="117" name="Google Shape;117;p25:notes"/>
+          <p:cNvPr id="128" name="Google Shape;128;g112d2ec7936_0_14:notes"/>
           <p:cNvSpPr/>
           <p:nvPr>
             <p:ph idx="2" type="sldImg"/>
@@ -2085,7 +3200,7 @@
       </p:sp>
       <p:sp>
         <p:nvSpPr>
-          <p:cNvPr id="118" name="Google Shape;118;p25:notes"/>
+          <p:cNvPr id="129" name="Google Shape;129;g112d2ec7936_0_14:notes"/>
           <p:cNvSpPr txBox="1"/>
           <p:nvPr>
             <p:ph idx="1" type="body"/>
@@ -2143,7 +3258,7 @@
   <p:cSld>
     <p:spTree>
       <p:nvGrpSpPr>
-        <p:cNvPr id="124" name="Shape 124"/>
+        <p:cNvPr id="140" name="Shape 140"/>
         <p:cNvGrpSpPr/>
         <p:nvPr/>
       </p:nvGrpSpPr>
@@ -2157,7 +3272,7 @@
       </p:grpSpPr>
       <p:sp>
         <p:nvSpPr>
-          <p:cNvPr id="125" name="Google Shape;125;p52:notes"/>
+          <p:cNvPr id="141" name="Google Shape;141;g112d2ec7936_0_30:notes"/>
           <p:cNvSpPr/>
           <p:nvPr>
             <p:ph idx="2" type="sldImg"/>
@@ -2202,7 +3317,7 @@
       </p:sp>
       <p:sp>
         <p:nvSpPr>
-          <p:cNvPr id="126" name="Google Shape;126;p52:notes"/>
+          <p:cNvPr id="142" name="Google Shape;142;g112d2ec7936_0_30:notes"/>
           <p:cNvSpPr txBox="1"/>
           <p:nvPr>
             <p:ph idx="1" type="body"/>
@@ -2260,7 +3375,7 @@
   <p:cSld>
     <p:spTree>
       <p:nvGrpSpPr>
-        <p:cNvPr id="132" name="Shape 132"/>
+        <p:cNvPr id="152" name="Shape 152"/>
         <p:cNvGrpSpPr/>
         <p:nvPr/>
       </p:nvGrpSpPr>
@@ -2274,7 +3389,7 @@
       </p:grpSpPr>
       <p:sp>
         <p:nvSpPr>
-          <p:cNvPr id="133" name="Google Shape;133;p53:notes"/>
+          <p:cNvPr id="153" name="Google Shape;153;g112d2ec7936_0_52:notes"/>
           <p:cNvSpPr/>
           <p:nvPr>
             <p:ph idx="2" type="sldImg"/>
@@ -2319,7 +3434,7 @@
       </p:sp>
       <p:sp>
         <p:nvSpPr>
-          <p:cNvPr id="134" name="Google Shape;134;p53:notes"/>
+          <p:cNvPr id="154" name="Google Shape;154;g112d2ec7936_0_52:notes"/>
           <p:cNvSpPr txBox="1"/>
           <p:nvPr>
             <p:ph idx="1" type="body"/>
@@ -10534,7 +11649,7 @@
                   <a:srgbClr val="C3996C"/>
                 </a:solidFill>
               </a:rPr>
-              <a:t>1. Hafta</a:t>
+              <a:t>3. Hafta</a:t>
             </a:r>
             <a:endParaRPr>
               <a:solidFill>
@@ -10629,7 +11744,7 @@
             </a:br>
             <a:r>
               <a:rPr lang="en-GB"/>
-              <a:t>@ Meysam Asgari-Chenaghlu &amp; Hasan Kemik</a:t>
+              <a:t>@ Mehmet Ali Özer</a:t>
             </a:r>
             <a:endParaRPr/>
           </a:p>
@@ -10702,7 +11817,7 @@
   <p:cSld>
     <p:spTree>
       <p:nvGrpSpPr>
-        <p:cNvPr id="142" name="Shape 142"/>
+        <p:cNvPr id="167" name="Shape 167"/>
         <p:cNvGrpSpPr/>
         <p:nvPr/>
       </p:nvGrpSpPr>
@@ -10716,7 +11831,542 @@
       </p:grpSpPr>
       <p:sp>
         <p:nvSpPr>
-          <p:cNvPr id="143" name="Google Shape;143;p20"/>
+          <p:cNvPr id="168" name="Google Shape;168;p20"/>
+          <p:cNvSpPr txBox="1"/>
+          <p:nvPr/>
+        </p:nvSpPr>
+        <p:spPr>
+          <a:xfrm flipH="1">
+            <a:off x="-10861" y="4854532"/>
+            <a:ext cx="422700" cy="288900"/>
+          </a:xfrm>
+          <a:prstGeom prst="rect">
+            <a:avLst/>
+          </a:prstGeom>
+          <a:noFill/>
+          <a:ln>
+            <a:noFill/>
+          </a:ln>
+        </p:spPr>
+        <p:txBody>
+          <a:bodyPr anchorCtr="0" anchor="ctr" bIns="91425" lIns="91425" spcFirstLastPara="1" rIns="91425" wrap="square" tIns="91425">
+            <a:noAutofit/>
+          </a:bodyPr>
+          <a:lstStyle/>
+          <a:p>
+            <a:pPr indent="0" lvl="0" marL="0" marR="0" rtl="0" algn="l">
+              <a:lnSpc>
+                <a:spcPct val="100000"/>
+              </a:lnSpc>
+              <a:spcBef>
+                <a:spcPts val="0"/>
+              </a:spcBef>
+              <a:spcAft>
+                <a:spcPts val="0"/>
+              </a:spcAft>
+              <a:buClr>
+                <a:srgbClr val="000000"/>
+              </a:buClr>
+              <a:buSzPts val="1400"/>
+              <a:buFont typeface="Arial"/>
+              <a:buNone/>
+            </a:pPr>
+            <a:r>
+              <a:rPr b="0" i="0" lang="en-GB" sz="1400" u="none" cap="none" strike="noStrike">
+                <a:solidFill>
+                  <a:schemeClr val="dk2"/>
+                </a:solidFill>
+                <a:latin typeface="Arial"/>
+                <a:ea typeface="Arial"/>
+                <a:cs typeface="Arial"/>
+                <a:sym typeface="Arial"/>
+              </a:rPr>
+              <a:t>06</a:t>
+            </a:r>
+            <a:endParaRPr b="0" i="0" sz="1400" u="none" cap="none" strike="noStrike">
+              <a:solidFill>
+                <a:srgbClr val="000000"/>
+              </a:solidFill>
+              <a:latin typeface="Arial"/>
+              <a:ea typeface="Arial"/>
+              <a:cs typeface="Arial"/>
+              <a:sym typeface="Arial"/>
+            </a:endParaRPr>
+          </a:p>
+        </p:txBody>
+      </p:sp>
+      <p:pic>
+        <p:nvPicPr>
+          <p:cNvPr descr="Logo&#10;&#10;Description automatically generated" id="169" name="Google Shape;169;p20"/>
+          <p:cNvPicPr preferRelativeResize="0"/>
+          <p:nvPr/>
+        </p:nvPicPr>
+        <p:blipFill rotWithShape="1">
+          <a:blip r:embed="rId3">
+            <a:alphaModFix/>
+          </a:blip>
+          <a:srcRect b="0" l="0" r="0" t="0"/>
+          <a:stretch/>
+        </p:blipFill>
+        <p:spPr>
+          <a:xfrm>
+            <a:off x="7374993" y="-12481"/>
+            <a:ext cx="1769862" cy="408430"/>
+          </a:xfrm>
+          <a:prstGeom prst="rect">
+            <a:avLst/>
+          </a:prstGeom>
+          <a:noFill/>
+          <a:ln>
+            <a:noFill/>
+          </a:ln>
+        </p:spPr>
+      </p:pic>
+      <p:grpSp>
+        <p:nvGrpSpPr>
+          <p:cNvPr id="170" name="Google Shape;170;p20"/>
+          <p:cNvGrpSpPr/>
+          <p:nvPr/>
+        </p:nvGrpSpPr>
+        <p:grpSpPr>
+          <a:xfrm>
+            <a:off x="13201" y="-12481"/>
+            <a:ext cx="422700" cy="428246"/>
+            <a:chOff x="13201" y="-12481"/>
+            <a:chExt cx="422700" cy="428246"/>
+          </a:xfrm>
+        </p:grpSpPr>
+        <p:pic>
+          <p:nvPicPr>
+            <p:cNvPr descr="Icon&#10;&#10;Description automatically generated" id="171" name="Google Shape;171;p20"/>
+            <p:cNvPicPr preferRelativeResize="0"/>
+            <p:nvPr/>
+          </p:nvPicPr>
+          <p:blipFill rotWithShape="1">
+            <a:blip r:embed="rId4">
+              <a:alphaModFix/>
+            </a:blip>
+            <a:srcRect b="0" l="0" r="0" t="0"/>
+            <a:stretch/>
+          </p:blipFill>
+          <p:spPr>
+            <a:xfrm>
+              <a:off x="80101" y="-12481"/>
+              <a:ext cx="288900" cy="288900"/>
+            </a:xfrm>
+            <a:prstGeom prst="rect">
+              <a:avLst/>
+            </a:prstGeom>
+            <a:noFill/>
+            <a:ln>
+              <a:noFill/>
+            </a:ln>
+          </p:spPr>
+        </p:pic>
+        <p:pic>
+          <p:nvPicPr>
+            <p:cNvPr descr="A picture containing text, sign&#10;&#10;Description automatically generated" id="172" name="Google Shape;172;p20"/>
+            <p:cNvPicPr preferRelativeResize="0"/>
+            <p:nvPr/>
+          </p:nvPicPr>
+          <p:blipFill rotWithShape="1">
+            <a:blip r:embed="rId5">
+              <a:alphaModFix/>
+            </a:blip>
+            <a:srcRect b="0" l="0" r="0" t="0"/>
+            <a:stretch/>
+          </p:blipFill>
+          <p:spPr>
+            <a:xfrm>
+              <a:off x="13201" y="191734"/>
+              <a:ext cx="422700" cy="224031"/>
+            </a:xfrm>
+            <a:prstGeom prst="rect">
+              <a:avLst/>
+            </a:prstGeom>
+            <a:noFill/>
+            <a:ln>
+              <a:noFill/>
+            </a:ln>
+          </p:spPr>
+        </p:pic>
+      </p:grpSp>
+      <p:sp>
+        <p:nvSpPr>
+          <p:cNvPr id="173" name="Google Shape;173;p20"/>
+          <p:cNvSpPr txBox="1"/>
+          <p:nvPr>
+            <p:ph type="ctrTitle"/>
+          </p:nvPr>
+        </p:nvSpPr>
+        <p:spPr>
+          <a:xfrm>
+            <a:off x="526200" y="244325"/>
+            <a:ext cx="7503000" cy="497100"/>
+          </a:xfrm>
+          <a:prstGeom prst="rect">
+            <a:avLst/>
+          </a:prstGeom>
+          <a:noFill/>
+          <a:ln>
+            <a:noFill/>
+          </a:ln>
+        </p:spPr>
+        <p:txBody>
+          <a:bodyPr anchorCtr="0" anchor="t" bIns="91425" lIns="91425" spcFirstLastPara="1" rIns="91425" wrap="square" tIns="91425">
+            <a:noAutofit/>
+          </a:bodyPr>
+          <a:lstStyle/>
+          <a:p>
+            <a:pPr indent="0" lvl="0" marL="0" rtl="0" algn="l">
+              <a:lnSpc>
+                <a:spcPct val="100000"/>
+              </a:lnSpc>
+              <a:spcBef>
+                <a:spcPts val="0"/>
+              </a:spcBef>
+              <a:spcAft>
+                <a:spcPts val="0"/>
+              </a:spcAft>
+              <a:buSzPts val="3600"/>
+              <a:buNone/>
+            </a:pPr>
+            <a:r>
+              <a:rPr lang="en-GB"/>
+              <a:t>Loss (Residual Sum of Squares - RSS)</a:t>
+            </a:r>
+            <a:endParaRPr>
+              <a:solidFill>
+                <a:schemeClr val="dk2"/>
+              </a:solidFill>
+            </a:endParaRPr>
+          </a:p>
+        </p:txBody>
+      </p:sp>
+      <p:sp>
+        <p:nvSpPr>
+          <p:cNvPr id="174" name="Google Shape;174;p20"/>
+          <p:cNvSpPr txBox="1"/>
+          <p:nvPr/>
+        </p:nvSpPr>
+        <p:spPr>
+          <a:xfrm>
+            <a:off x="-10850" y="1320325"/>
+            <a:ext cx="4372500" cy="2955300"/>
+          </a:xfrm>
+          <a:prstGeom prst="rect">
+            <a:avLst/>
+          </a:prstGeom>
+          <a:noFill/>
+          <a:ln>
+            <a:noFill/>
+          </a:ln>
+        </p:spPr>
+        <p:txBody>
+          <a:bodyPr anchorCtr="0" anchor="t" bIns="91425" lIns="91425" spcFirstLastPara="1" rIns="91425" wrap="square" tIns="91425">
+            <a:spAutoFit/>
+          </a:bodyPr>
+          <a:lstStyle/>
+          <a:p>
+            <a:pPr indent="0" lvl="0" marL="0" rtl="0" algn="l">
+              <a:spcBef>
+                <a:spcPts val="0"/>
+              </a:spcBef>
+              <a:spcAft>
+                <a:spcPts val="0"/>
+              </a:spcAft>
+              <a:buNone/>
+            </a:pPr>
+            <a:r>
+              <a:rPr lang="en-GB" sz="1200"/>
+              <a:t>Kalıntıların karesini alıyoruz, magnitude hesaplamayı amaçlıyoruz.</a:t>
+            </a:r>
+            <a:endParaRPr sz="1200"/>
+          </a:p>
+          <a:p>
+            <a:pPr indent="0" lvl="0" marL="0" rtl="0" algn="l">
+              <a:spcBef>
+                <a:spcPts val="0"/>
+              </a:spcBef>
+              <a:spcAft>
+                <a:spcPts val="0"/>
+              </a:spcAft>
+              <a:buNone/>
+            </a:pPr>
+            <a:r>
+              <a:t/>
+            </a:r>
+            <a:endParaRPr sz="1200"/>
+          </a:p>
+          <a:p>
+            <a:pPr indent="0" lvl="0" marL="0" rtl="0" algn="l">
+              <a:spcBef>
+                <a:spcPts val="0"/>
+              </a:spcBef>
+              <a:spcAft>
+                <a:spcPts val="0"/>
+              </a:spcAft>
+              <a:buNone/>
+            </a:pPr>
+            <a:r>
+              <a:rPr lang="en-GB" sz="1200"/>
+              <a:t>Bu kalıntı karelerden kurtulmak istiyoruz en ideal durumda bütün noktalar bir doğru üzerinde olsaydı bizim beklentimiz olan doğrusal bir ilişkiyi tamamen karşılardı ve modelimiz çok doğru olurdu.</a:t>
+            </a:r>
+            <a:endParaRPr sz="1200"/>
+          </a:p>
+          <a:p>
+            <a:pPr indent="0" lvl="0" marL="0" rtl="0" algn="l">
+              <a:spcBef>
+                <a:spcPts val="0"/>
+              </a:spcBef>
+              <a:spcAft>
+                <a:spcPts val="0"/>
+              </a:spcAft>
+              <a:buNone/>
+            </a:pPr>
+            <a:r>
+              <a:t/>
+            </a:r>
+            <a:endParaRPr sz="1200"/>
+          </a:p>
+          <a:p>
+            <a:pPr indent="0" lvl="0" marL="0" rtl="0" algn="l">
+              <a:spcBef>
+                <a:spcPts val="0"/>
+              </a:spcBef>
+              <a:spcAft>
+                <a:spcPts val="0"/>
+              </a:spcAft>
+              <a:buNone/>
+            </a:pPr>
+            <a:r>
+              <a:rPr lang="en-GB" sz="1200"/>
+              <a:t>Kalıntı kareleri mümkün olduğunca küçük tutmayı isteyebiliriz.</a:t>
+            </a:r>
+            <a:endParaRPr sz="1200"/>
+          </a:p>
+          <a:p>
+            <a:pPr indent="0" lvl="0" marL="0" rtl="0" algn="l">
+              <a:spcBef>
+                <a:spcPts val="0"/>
+              </a:spcBef>
+              <a:spcAft>
+                <a:spcPts val="0"/>
+              </a:spcAft>
+              <a:buNone/>
+            </a:pPr>
+            <a:r>
+              <a:rPr lang="en-GB" sz="1200"/>
+              <a:t>Yani bu eğitim verisine oturtabileceğimiz (fit) sonsuz sayıda doğru var ancak bir sadece bir tanesini seçmek istiyoruz.</a:t>
+            </a:r>
+            <a:endParaRPr sz="1200"/>
+          </a:p>
+          <a:p>
+            <a:pPr indent="0" lvl="0" marL="0" rtl="0" algn="l">
+              <a:spcBef>
+                <a:spcPts val="0"/>
+              </a:spcBef>
+              <a:spcAft>
+                <a:spcPts val="0"/>
+              </a:spcAft>
+              <a:buNone/>
+            </a:pPr>
+            <a:r>
+              <a:t/>
+            </a:r>
+            <a:endParaRPr sz="1200"/>
+          </a:p>
+          <a:p>
+            <a:pPr indent="0" lvl="0" marL="0" rtl="0" algn="l">
+              <a:spcBef>
+                <a:spcPts val="0"/>
+              </a:spcBef>
+              <a:spcAft>
+                <a:spcPts val="0"/>
+              </a:spcAft>
+              <a:buNone/>
+            </a:pPr>
+            <a:r>
+              <a:rPr lang="en-GB" sz="1200"/>
+              <a:t>Temel mantık - mümkün olduğunca bütün bu eğitim verisindeki noktalara yakın geçecek, hata paylarını az tutacak bir doğru bulmak.</a:t>
+            </a:r>
+            <a:endParaRPr sz="1200"/>
+          </a:p>
+        </p:txBody>
+      </p:sp>
+      <p:pic>
+        <p:nvPicPr>
+          <p:cNvPr id="175" name="Google Shape;175;p20"/>
+          <p:cNvPicPr preferRelativeResize="0"/>
+          <p:nvPr/>
+        </p:nvPicPr>
+        <p:blipFill>
+          <a:blip r:embed="rId6">
+            <a:alphaModFix/>
+          </a:blip>
+          <a:stretch>
+            <a:fillRect/>
+          </a:stretch>
+        </p:blipFill>
+        <p:spPr>
+          <a:xfrm>
+            <a:off x="4361650" y="1258698"/>
+            <a:ext cx="4783201" cy="2775752"/>
+          </a:xfrm>
+          <a:prstGeom prst="rect">
+            <a:avLst/>
+          </a:prstGeom>
+          <a:noFill/>
+          <a:ln>
+            <a:noFill/>
+          </a:ln>
+        </p:spPr>
+      </p:pic>
+    </p:spTree>
+  </p:cSld>
+  <p:clrMapOvr>
+    <a:masterClrMapping/>
+  </p:clrMapOvr>
+</p:sld>
+</file>
+
+<file path=ppt/slides/slide11.xml><?xml version="1.0" encoding="utf-8"?>
+<p:sld xmlns:a="http://schemas.openxmlformats.org/drawingml/2006/main" xmlns:r="http://schemas.openxmlformats.org/officeDocument/2006/relationships" xmlns:mc="http://schemas.openxmlformats.org/markup-compatibility/2006" xmlns:mv="urn:schemas-microsoft-com:mac:vml" xmlns:p="http://schemas.openxmlformats.org/presentationml/2006/main" xmlns:c="http://schemas.openxmlformats.org/drawingml/2006/chart" xmlns:dgm="http://schemas.openxmlformats.org/drawingml/2006/diagram" xmlns:o="urn:schemas-microsoft-com:office:office" xmlns:v="urn:schemas-microsoft-com:vml" xmlns:pvml="urn:schemas-microsoft-com:office:powerpoint" xmlns:com="http://schemas.openxmlformats.org/drawingml/2006/compatibility" xmlns:p14="http://schemas.microsoft.com/office/powerpoint/2010/main" xmlns:p15="http://schemas.microsoft.com/office/powerpoint/2012/main" xmlns:ahyp="http://schemas.microsoft.com/office/drawing/2018/hyperlinkcolor">
+  <p:cSld>
+    <p:spTree>
+      <p:nvGrpSpPr>
+        <p:cNvPr id="179" name="Shape 179"/>
+        <p:cNvGrpSpPr/>
+        <p:nvPr/>
+      </p:nvGrpSpPr>
+      <p:grpSpPr>
+        <a:xfrm>
+          <a:off x="0" y="0"/>
+          <a:ext cx="0" cy="0"/>
+          <a:chOff x="0" y="0"/>
+          <a:chExt cx="0" cy="0"/>
+        </a:xfrm>
+      </p:grpSpPr>
+      <p:sp>
+        <p:nvSpPr>
+          <p:cNvPr id="180" name="Google Shape;180;p21"/>
+          <p:cNvSpPr txBox="1"/>
+          <p:nvPr>
+            <p:ph type="ctrTitle"/>
+          </p:nvPr>
+        </p:nvSpPr>
+        <p:spPr>
+          <a:xfrm>
+            <a:off x="1964850" y="2054150"/>
+            <a:ext cx="5214300" cy="577500"/>
+          </a:xfrm>
+          <a:prstGeom prst="rect">
+            <a:avLst/>
+          </a:prstGeom>
+        </p:spPr>
+        <p:txBody>
+          <a:bodyPr anchorCtr="0" anchor="t" bIns="91425" lIns="91425" spcFirstLastPara="1" rIns="91425" wrap="square" tIns="91425">
+            <a:noAutofit/>
+          </a:bodyPr>
+          <a:lstStyle/>
+          <a:p>
+            <a:pPr indent="0" lvl="0" marL="0" rtl="0" algn="ctr">
+              <a:spcBef>
+                <a:spcPts val="0"/>
+              </a:spcBef>
+              <a:spcAft>
+                <a:spcPts val="0"/>
+              </a:spcAft>
+              <a:buNone/>
+            </a:pPr>
+            <a:r>
+              <a:rPr lang="en-GB"/>
+              <a:t>LINEAR REGRESSION NOTEBOOK</a:t>
+            </a:r>
+            <a:endParaRPr/>
+          </a:p>
+        </p:txBody>
+      </p:sp>
+    </p:spTree>
+  </p:cSld>
+  <p:clrMapOvr>
+    <a:masterClrMapping/>
+  </p:clrMapOvr>
+</p:sld>
+</file>
+
+<file path=ppt/slides/slide12.xml><?xml version="1.0" encoding="utf-8"?>
+<p:sld xmlns:a="http://schemas.openxmlformats.org/drawingml/2006/main" xmlns:r="http://schemas.openxmlformats.org/officeDocument/2006/relationships" xmlns:mc="http://schemas.openxmlformats.org/markup-compatibility/2006" xmlns:mv="urn:schemas-microsoft-com:mac:vml" xmlns:p="http://schemas.openxmlformats.org/presentationml/2006/main" xmlns:c="http://schemas.openxmlformats.org/drawingml/2006/chart" xmlns:dgm="http://schemas.openxmlformats.org/drawingml/2006/diagram" xmlns:o="urn:schemas-microsoft-com:office:office" xmlns:v="urn:schemas-microsoft-com:vml" xmlns:pvml="urn:schemas-microsoft-com:office:powerpoint" xmlns:com="http://schemas.openxmlformats.org/drawingml/2006/compatibility" xmlns:p14="http://schemas.microsoft.com/office/powerpoint/2010/main" xmlns:p15="http://schemas.microsoft.com/office/powerpoint/2012/main" xmlns:ahyp="http://schemas.microsoft.com/office/drawing/2018/hyperlinkcolor">
+  <p:cSld>
+    <p:spTree>
+      <p:nvGrpSpPr>
+        <p:cNvPr id="184" name="Shape 184"/>
+        <p:cNvGrpSpPr/>
+        <p:nvPr/>
+      </p:nvGrpSpPr>
+      <p:grpSpPr>
+        <a:xfrm>
+          <a:off x="0" y="0"/>
+          <a:ext cx="0" cy="0"/>
+          <a:chOff x="0" y="0"/>
+          <a:chExt cx="0" cy="0"/>
+        </a:xfrm>
+      </p:grpSpPr>
+      <p:sp>
+        <p:nvSpPr>
+          <p:cNvPr id="185" name="Google Shape;185;p22"/>
+          <p:cNvSpPr txBox="1"/>
+          <p:nvPr>
+            <p:ph idx="1" type="subTitle"/>
+          </p:nvPr>
+        </p:nvSpPr>
+        <p:spPr>
+          <a:xfrm>
+            <a:off x="2152500" y="3028254"/>
+            <a:ext cx="4839000" cy="1003200"/>
+          </a:xfrm>
+          <a:prstGeom prst="rect">
+            <a:avLst/>
+          </a:prstGeom>
+          <a:noFill/>
+          <a:ln>
+            <a:noFill/>
+          </a:ln>
+        </p:spPr>
+        <p:txBody>
+          <a:bodyPr anchorCtr="0" anchor="t" bIns="91425" lIns="91425" spcFirstLastPara="1" rIns="91425" wrap="square" tIns="91425">
+            <a:noAutofit/>
+          </a:bodyPr>
+          <a:lstStyle/>
+          <a:p>
+            <a:pPr indent="0" lvl="0" marL="0" rtl="0" algn="ctr">
+              <a:lnSpc>
+                <a:spcPct val="100000"/>
+              </a:lnSpc>
+              <a:spcBef>
+                <a:spcPts val="0"/>
+              </a:spcBef>
+              <a:spcAft>
+                <a:spcPts val="0"/>
+              </a:spcAft>
+              <a:buClr>
+                <a:schemeClr val="dk1"/>
+              </a:buClr>
+              <a:buSzPts val="1100"/>
+              <a:buFont typeface="Arial"/>
+              <a:buNone/>
+            </a:pPr>
+            <a:r>
+              <a:rPr lang="en-GB"/>
+              <a:t>45 Dakika</a:t>
+            </a:r>
+            <a:endParaRPr/>
+          </a:p>
+        </p:txBody>
+      </p:sp>
+      <p:sp>
+        <p:nvSpPr>
+          <p:cNvPr id="186" name="Google Shape;186;p22"/>
           <p:cNvSpPr txBox="1"/>
           <p:nvPr>
             <p:ph type="ctrTitle"/>
@@ -10724,8 +12374,8 @@
         </p:nvSpPr>
         <p:spPr>
           <a:xfrm flipH="1">
-            <a:off x="1287820" y="1694404"/>
-            <a:ext cx="6520485" cy="1365300"/>
+            <a:off x="1632611" y="1694404"/>
+            <a:ext cx="5677800" cy="1365300"/>
           </a:xfrm>
           <a:prstGeom prst="rect">
             <a:avLst/>
@@ -10756,7 +12406,7 @@
             </a:pPr>
             <a:r>
               <a:rPr lang="en-GB"/>
-              <a:t>Birlikte #Kodluyoruz</a:t>
+              <a:t>Öğle Arası</a:t>
             </a:r>
             <a:endParaRPr/>
           </a:p>
@@ -10764,7 +12414,7 @@
       </p:sp>
       <p:cxnSp>
         <p:nvCxnSpPr>
-          <p:cNvPr id="144" name="Google Shape;144;p20"/>
+          <p:cNvPr id="187" name="Google Shape;187;p22"/>
           <p:cNvCxnSpPr/>
           <p:nvPr/>
         </p:nvCxnSpPr>
@@ -10790,365 +12440,7 @@
       </p:cxnSp>
       <p:cxnSp>
         <p:nvCxnSpPr>
-          <p:cNvPr id="145" name="Google Shape;145;p20"/>
-          <p:cNvCxnSpPr/>
-          <p:nvPr/>
-        </p:nvCxnSpPr>
-        <p:spPr>
-          <a:xfrm rot="10800000">
-            <a:off x="-125" y="4765850"/>
-            <a:ext cx="958500" cy="0"/>
-          </a:xfrm>
-          <a:prstGeom prst="straightConnector1">
-            <a:avLst/>
-          </a:prstGeom>
-          <a:noFill/>
-          <a:ln cap="flat" cmpd="sng" w="9525">
-            <a:solidFill>
-              <a:schemeClr val="dk2"/>
-            </a:solidFill>
-            <a:prstDash val="solid"/>
-            <a:round/>
-            <a:headEnd len="sm" w="sm" type="none"/>
-            <a:tailEnd len="sm" w="sm" type="none"/>
-          </a:ln>
-        </p:spPr>
-      </p:cxnSp>
-      <p:pic>
-        <p:nvPicPr>
-          <p:cNvPr descr="A picture containing icon&#10;&#10;Description automatically generated" id="146" name="Google Shape;146;p20"/>
-          <p:cNvPicPr preferRelativeResize="0"/>
-          <p:nvPr/>
-        </p:nvPicPr>
-        <p:blipFill rotWithShape="1">
-          <a:blip r:embed="rId3">
-            <a:alphaModFix/>
-          </a:blip>
-          <a:srcRect b="0" l="0" r="0" t="0"/>
-          <a:stretch/>
-        </p:blipFill>
-        <p:spPr>
-          <a:xfrm rot="1301062">
-            <a:off x="7258681" y="1844285"/>
-            <a:ext cx="740556" cy="740556"/>
-          </a:xfrm>
-          <a:prstGeom prst="rect">
-            <a:avLst/>
-          </a:prstGeom>
-          <a:noFill/>
-          <a:ln>
-            <a:noFill/>
-          </a:ln>
-        </p:spPr>
-      </p:pic>
-    </p:spTree>
-  </p:cSld>
-  <p:clrMapOvr>
-    <a:masterClrMapping/>
-  </p:clrMapOvr>
-</p:sld>
-</file>
-
-<file path=ppt/slides/slide11.xml><?xml version="1.0" encoding="utf-8"?>
-<p:sld xmlns:a="http://schemas.openxmlformats.org/drawingml/2006/main" xmlns:r="http://schemas.openxmlformats.org/officeDocument/2006/relationships" xmlns:mc="http://schemas.openxmlformats.org/markup-compatibility/2006" xmlns:mv="urn:schemas-microsoft-com:mac:vml" xmlns:p="http://schemas.openxmlformats.org/presentationml/2006/main" xmlns:c="http://schemas.openxmlformats.org/drawingml/2006/chart" xmlns:dgm="http://schemas.openxmlformats.org/drawingml/2006/diagram" xmlns:o="urn:schemas-microsoft-com:office:office" xmlns:v="urn:schemas-microsoft-com:vml" xmlns:pvml="urn:schemas-microsoft-com:office:powerpoint" xmlns:com="http://schemas.openxmlformats.org/drawingml/2006/compatibility" xmlns:p14="http://schemas.microsoft.com/office/powerpoint/2010/main" xmlns:p15="http://schemas.microsoft.com/office/powerpoint/2012/main" xmlns:ahyp="http://schemas.microsoft.com/office/drawing/2018/hyperlinkcolor">
-  <p:cSld>
-    <p:spTree>
-      <p:nvGrpSpPr>
-        <p:cNvPr id="150" name="Shape 150"/>
-        <p:cNvGrpSpPr/>
-        <p:nvPr/>
-      </p:nvGrpSpPr>
-      <p:grpSpPr>
-        <a:xfrm>
-          <a:off x="0" y="0"/>
-          <a:ext cx="0" cy="0"/>
-          <a:chOff x="0" y="0"/>
-          <a:chExt cx="0" cy="0"/>
-        </a:xfrm>
-      </p:grpSpPr>
-      <p:sp>
-        <p:nvSpPr>
-          <p:cNvPr id="151" name="Google Shape;151;p21"/>
-          <p:cNvSpPr txBox="1"/>
-          <p:nvPr>
-            <p:ph type="ctrTitle"/>
-          </p:nvPr>
-        </p:nvSpPr>
-        <p:spPr>
-          <a:xfrm flipH="1">
-            <a:off x="1180002" y="1347038"/>
-            <a:ext cx="7172145" cy="1921200"/>
-          </a:xfrm>
-          <a:prstGeom prst="rect">
-            <a:avLst/>
-          </a:prstGeom>
-          <a:noFill/>
-          <a:ln>
-            <a:noFill/>
-          </a:ln>
-        </p:spPr>
-        <p:txBody>
-          <a:bodyPr anchorCtr="0" anchor="ctr" bIns="91425" lIns="91425" spcFirstLastPara="1" rIns="91425" wrap="square" tIns="91425">
-            <a:noAutofit/>
-          </a:bodyPr>
-          <a:lstStyle/>
-          <a:p>
-            <a:pPr indent="0" lvl="0" marL="0" rtl="0" algn="l">
-              <a:lnSpc>
-                <a:spcPct val="100000"/>
-              </a:lnSpc>
-              <a:spcBef>
-                <a:spcPts val="0"/>
-              </a:spcBef>
-              <a:spcAft>
-                <a:spcPts val="0"/>
-              </a:spcAft>
-              <a:buSzPts val="1400"/>
-              <a:buNone/>
-            </a:pPr>
-            <a:r>
-              <a:rPr lang="en-GB"/>
-              <a:t>Random Forest</a:t>
-            </a:r>
-            <a:endParaRPr/>
-          </a:p>
-        </p:txBody>
-      </p:sp>
-      <p:sp>
-        <p:nvSpPr>
-          <p:cNvPr id="152" name="Google Shape;152;p21"/>
-          <p:cNvSpPr txBox="1"/>
-          <p:nvPr>
-            <p:ph idx="2" type="title"/>
-          </p:nvPr>
-        </p:nvSpPr>
-        <p:spPr>
-          <a:xfrm flipH="1">
-            <a:off x="1180003" y="1035213"/>
-            <a:ext cx="2979300" cy="754500"/>
-          </a:xfrm>
-          <a:prstGeom prst="rect">
-            <a:avLst/>
-          </a:prstGeom>
-          <a:noFill/>
-          <a:ln>
-            <a:noFill/>
-          </a:ln>
-        </p:spPr>
-        <p:txBody>
-          <a:bodyPr anchorCtr="0" anchor="ctr" bIns="91425" lIns="91425" spcFirstLastPara="1" rIns="91425" wrap="square" tIns="91425">
-            <a:noAutofit/>
-          </a:bodyPr>
-          <a:lstStyle/>
-          <a:p>
-            <a:pPr indent="0" lvl="0" marL="0" rtl="0" algn="l">
-              <a:lnSpc>
-                <a:spcPct val="100000"/>
-              </a:lnSpc>
-              <a:spcBef>
-                <a:spcPts val="0"/>
-              </a:spcBef>
-              <a:spcAft>
-                <a:spcPts val="0"/>
-              </a:spcAft>
-              <a:buSzPts val="9600"/>
-              <a:buNone/>
-            </a:pPr>
-            <a:r>
-              <a:rPr lang="en-GB">
-                <a:solidFill>
-                  <a:srgbClr val="C3996C"/>
-                </a:solidFill>
-              </a:rPr>
-              <a:t>04</a:t>
-            </a:r>
-            <a:endParaRPr>
-              <a:solidFill>
-                <a:srgbClr val="C3996C"/>
-              </a:solidFill>
-            </a:endParaRPr>
-          </a:p>
-        </p:txBody>
-      </p:sp>
-      <p:cxnSp>
-        <p:nvCxnSpPr>
-          <p:cNvPr id="153" name="Google Shape;153;p21"/>
-          <p:cNvCxnSpPr/>
-          <p:nvPr/>
-        </p:nvCxnSpPr>
-        <p:spPr>
-          <a:xfrm>
-            <a:off x="0" y="2737950"/>
-            <a:ext cx="1676700" cy="0"/>
-          </a:xfrm>
-          <a:prstGeom prst="straightConnector1">
-            <a:avLst/>
-          </a:prstGeom>
-          <a:noFill/>
-          <a:ln cap="flat" cmpd="sng" w="9525">
-            <a:solidFill>
-              <a:schemeClr val="dk1"/>
-            </a:solidFill>
-            <a:prstDash val="solid"/>
-            <a:round/>
-            <a:headEnd len="sm" w="sm" type="none"/>
-            <a:tailEnd len="sm" w="sm" type="none"/>
-          </a:ln>
-        </p:spPr>
-      </p:cxnSp>
-    </p:spTree>
-  </p:cSld>
-  <p:clrMapOvr>
-    <a:masterClrMapping/>
-  </p:clrMapOvr>
-</p:sld>
-</file>
-
-<file path=ppt/slides/slide12.xml><?xml version="1.0" encoding="utf-8"?>
-<p:sld xmlns:a="http://schemas.openxmlformats.org/drawingml/2006/main" xmlns:r="http://schemas.openxmlformats.org/officeDocument/2006/relationships" xmlns:mc="http://schemas.openxmlformats.org/markup-compatibility/2006" xmlns:mv="urn:schemas-microsoft-com:mac:vml" xmlns:p="http://schemas.openxmlformats.org/presentationml/2006/main" xmlns:c="http://schemas.openxmlformats.org/drawingml/2006/chart" xmlns:dgm="http://schemas.openxmlformats.org/drawingml/2006/diagram" xmlns:o="urn:schemas-microsoft-com:office:office" xmlns:v="urn:schemas-microsoft-com:vml" xmlns:pvml="urn:schemas-microsoft-com:office:powerpoint" xmlns:com="http://schemas.openxmlformats.org/drawingml/2006/compatibility" xmlns:p14="http://schemas.microsoft.com/office/powerpoint/2010/main" xmlns:p15="http://schemas.microsoft.com/office/powerpoint/2012/main" xmlns:ahyp="http://schemas.microsoft.com/office/drawing/2018/hyperlinkcolor">
-  <p:cSld>
-    <p:spTree>
-      <p:nvGrpSpPr>
-        <p:cNvPr id="157" name="Shape 157"/>
-        <p:cNvGrpSpPr/>
-        <p:nvPr/>
-      </p:nvGrpSpPr>
-      <p:grpSpPr>
-        <a:xfrm>
-          <a:off x="0" y="0"/>
-          <a:ext cx="0" cy="0"/>
-          <a:chOff x="0" y="0"/>
-          <a:chExt cx="0" cy="0"/>
-        </a:xfrm>
-      </p:grpSpPr>
-      <p:sp>
-        <p:nvSpPr>
-          <p:cNvPr id="158" name="Google Shape;158;p22"/>
-          <p:cNvSpPr txBox="1"/>
-          <p:nvPr>
-            <p:ph idx="1" type="subTitle"/>
-          </p:nvPr>
-        </p:nvSpPr>
-        <p:spPr>
-          <a:xfrm>
-            <a:off x="2152500" y="2494850"/>
-            <a:ext cx="4839000" cy="1003200"/>
-          </a:xfrm>
-          <a:prstGeom prst="rect">
-            <a:avLst/>
-          </a:prstGeom>
-          <a:noFill/>
-          <a:ln>
-            <a:noFill/>
-          </a:ln>
-        </p:spPr>
-        <p:txBody>
-          <a:bodyPr anchorCtr="0" anchor="t" bIns="91425" lIns="91425" spcFirstLastPara="1" rIns="91425" wrap="square" tIns="91425">
-            <a:noAutofit/>
-          </a:bodyPr>
-          <a:lstStyle/>
-          <a:p>
-            <a:pPr indent="0" lvl="0" marL="0" rtl="0" algn="ctr">
-              <a:lnSpc>
-                <a:spcPct val="100000"/>
-              </a:lnSpc>
-              <a:spcBef>
-                <a:spcPts val="0"/>
-              </a:spcBef>
-              <a:spcAft>
-                <a:spcPts val="0"/>
-              </a:spcAft>
-              <a:buClr>
-                <a:schemeClr val="dk1"/>
-              </a:buClr>
-              <a:buSzPts val="1100"/>
-              <a:buFont typeface="Arial"/>
-              <a:buNone/>
-            </a:pPr>
-            <a:r>
-              <a:t/>
-            </a:r>
-            <a:endParaRPr/>
-          </a:p>
-        </p:txBody>
-      </p:sp>
-      <p:sp>
-        <p:nvSpPr>
-          <p:cNvPr id="159" name="Google Shape;159;p22"/>
-          <p:cNvSpPr txBox="1"/>
-          <p:nvPr>
-            <p:ph type="ctrTitle"/>
-          </p:nvPr>
-        </p:nvSpPr>
-        <p:spPr>
-          <a:xfrm flipH="1">
-            <a:off x="3919950" y="1536300"/>
-            <a:ext cx="1304100" cy="790500"/>
-          </a:xfrm>
-          <a:prstGeom prst="rect">
-            <a:avLst/>
-          </a:prstGeom>
-          <a:noFill/>
-          <a:ln>
-            <a:noFill/>
-          </a:ln>
-        </p:spPr>
-        <p:txBody>
-          <a:bodyPr anchorCtr="0" anchor="b" bIns="91425" lIns="91425" spcFirstLastPara="1" rIns="91425" wrap="square" tIns="91425">
-            <a:noAutofit/>
-          </a:bodyPr>
-          <a:lstStyle/>
-          <a:p>
-            <a:pPr indent="0" lvl="0" marL="0" rtl="0" algn="l">
-              <a:lnSpc>
-                <a:spcPct val="100000"/>
-              </a:lnSpc>
-              <a:spcBef>
-                <a:spcPts val="0"/>
-              </a:spcBef>
-              <a:spcAft>
-                <a:spcPts val="0"/>
-              </a:spcAft>
-              <a:buSzPts val="4800"/>
-              <a:buNone/>
-            </a:pPr>
-            <a:r>
-              <a:rPr lang="en-GB"/>
-              <a:t>Q/A</a:t>
-            </a:r>
-            <a:endParaRPr/>
-          </a:p>
-        </p:txBody>
-      </p:sp>
-      <p:cxnSp>
-        <p:nvCxnSpPr>
-          <p:cNvPr id="160" name="Google Shape;160;p22"/>
-          <p:cNvCxnSpPr/>
-          <p:nvPr/>
-        </p:nvCxnSpPr>
-        <p:spPr>
-          <a:xfrm rot="10800000">
-            <a:off x="8156400" y="630088"/>
-            <a:ext cx="1236300" cy="0"/>
-          </a:xfrm>
-          <a:prstGeom prst="straightConnector1">
-            <a:avLst/>
-          </a:prstGeom>
-          <a:noFill/>
-          <a:ln cap="flat" cmpd="sng" w="9525">
-            <a:solidFill>
-              <a:schemeClr val="dk2"/>
-            </a:solidFill>
-            <a:prstDash val="solid"/>
-            <a:round/>
-            <a:headEnd len="sm" w="sm" type="none"/>
-            <a:tailEnd len="sm" w="sm" type="none"/>
-          </a:ln>
-        </p:spPr>
-      </p:cxnSp>
-      <p:cxnSp>
-        <p:nvCxnSpPr>
-          <p:cNvPr id="161" name="Google Shape;161;p22"/>
+          <p:cNvPr id="188" name="Google Shape;188;p22"/>
           <p:cNvCxnSpPr/>
           <p:nvPr/>
         </p:nvCxnSpPr>
@@ -11185,7 +12477,7 @@
   <p:cSld>
     <p:spTree>
       <p:nvGrpSpPr>
-        <p:cNvPr id="165" name="Shape 165"/>
+        <p:cNvPr id="192" name="Shape 192"/>
         <p:cNvGrpSpPr/>
         <p:nvPr/>
       </p:nvGrpSpPr>
@@ -11199,7 +12491,1053 @@
       </p:grpSpPr>
       <p:sp>
         <p:nvSpPr>
-          <p:cNvPr id="166" name="Google Shape;166;p23"/>
+          <p:cNvPr id="193" name="Google Shape;193;p23"/>
+          <p:cNvSpPr txBox="1"/>
+          <p:nvPr>
+            <p:ph type="ctrTitle"/>
+          </p:nvPr>
+        </p:nvSpPr>
+        <p:spPr>
+          <a:xfrm flipH="1">
+            <a:off x="1112363" y="2635675"/>
+            <a:ext cx="6831116" cy="1921200"/>
+          </a:xfrm>
+          <a:prstGeom prst="rect">
+            <a:avLst/>
+          </a:prstGeom>
+          <a:noFill/>
+          <a:ln>
+            <a:noFill/>
+          </a:ln>
+        </p:spPr>
+        <p:txBody>
+          <a:bodyPr anchorCtr="0" anchor="ctr" bIns="91425" lIns="91425" spcFirstLastPara="1" rIns="91425" wrap="square" tIns="91425">
+            <a:noAutofit/>
+          </a:bodyPr>
+          <a:lstStyle/>
+          <a:p>
+            <a:pPr indent="0" lvl="0" marL="0" rtl="0" algn="r">
+              <a:lnSpc>
+                <a:spcPct val="100000"/>
+              </a:lnSpc>
+              <a:spcBef>
+                <a:spcPts val="0"/>
+              </a:spcBef>
+              <a:spcAft>
+                <a:spcPts val="0"/>
+              </a:spcAft>
+              <a:buSzPts val="1400"/>
+              <a:buNone/>
+            </a:pPr>
+            <a:r>
+              <a:rPr lang="en-GB"/>
+              <a:t>Logistic Regression</a:t>
+            </a:r>
+            <a:endParaRPr/>
+          </a:p>
+        </p:txBody>
+      </p:sp>
+      <p:sp>
+        <p:nvSpPr>
+          <p:cNvPr id="194" name="Google Shape;194;p23"/>
+          <p:cNvSpPr txBox="1"/>
+          <p:nvPr>
+            <p:ph idx="2" type="title"/>
+          </p:nvPr>
+        </p:nvSpPr>
+        <p:spPr>
+          <a:xfrm flipH="1">
+            <a:off x="4964179" y="2323850"/>
+            <a:ext cx="2979300" cy="754500"/>
+          </a:xfrm>
+          <a:prstGeom prst="rect">
+            <a:avLst/>
+          </a:prstGeom>
+          <a:noFill/>
+          <a:ln>
+            <a:noFill/>
+          </a:ln>
+        </p:spPr>
+        <p:txBody>
+          <a:bodyPr anchorCtr="0" anchor="ctr" bIns="91425" lIns="91425" spcFirstLastPara="1" rIns="91425" wrap="square" tIns="91425">
+            <a:noAutofit/>
+          </a:bodyPr>
+          <a:lstStyle/>
+          <a:p>
+            <a:pPr indent="0" lvl="0" marL="0" rtl="0" algn="r">
+              <a:lnSpc>
+                <a:spcPct val="100000"/>
+              </a:lnSpc>
+              <a:spcBef>
+                <a:spcPts val="0"/>
+              </a:spcBef>
+              <a:spcAft>
+                <a:spcPts val="0"/>
+              </a:spcAft>
+              <a:buSzPts val="9600"/>
+              <a:buNone/>
+            </a:pPr>
+            <a:r>
+              <a:rPr lang="en-GB">
+                <a:solidFill>
+                  <a:srgbClr val="C3996C"/>
+                </a:solidFill>
+              </a:rPr>
+              <a:t>02</a:t>
+            </a:r>
+            <a:endParaRPr>
+              <a:solidFill>
+                <a:srgbClr val="C3996C"/>
+              </a:solidFill>
+            </a:endParaRPr>
+          </a:p>
+        </p:txBody>
+      </p:sp>
+      <p:cxnSp>
+        <p:nvCxnSpPr>
+          <p:cNvPr id="195" name="Google Shape;195;p23"/>
+          <p:cNvCxnSpPr/>
+          <p:nvPr/>
+        </p:nvCxnSpPr>
+        <p:spPr>
+          <a:xfrm>
+            <a:off x="7578325" y="4028400"/>
+            <a:ext cx="1565700" cy="0"/>
+          </a:xfrm>
+          <a:prstGeom prst="straightConnector1">
+            <a:avLst/>
+          </a:prstGeom>
+          <a:noFill/>
+          <a:ln cap="flat" cmpd="sng" w="9525">
+            <a:solidFill>
+              <a:schemeClr val="dk1"/>
+            </a:solidFill>
+            <a:prstDash val="solid"/>
+            <a:round/>
+            <a:headEnd len="sm" w="sm" type="none"/>
+            <a:tailEnd len="sm" w="sm" type="none"/>
+          </a:ln>
+        </p:spPr>
+      </p:cxnSp>
+    </p:spTree>
+  </p:cSld>
+  <p:clrMapOvr>
+    <a:masterClrMapping/>
+  </p:clrMapOvr>
+</p:sld>
+</file>
+
+<file path=ppt/slides/slide14.xml><?xml version="1.0" encoding="utf-8"?>
+<p:sld xmlns:a="http://schemas.openxmlformats.org/drawingml/2006/main" xmlns:r="http://schemas.openxmlformats.org/officeDocument/2006/relationships" xmlns:mc="http://schemas.openxmlformats.org/markup-compatibility/2006" xmlns:mv="urn:schemas-microsoft-com:mac:vml" xmlns:p="http://schemas.openxmlformats.org/presentationml/2006/main" xmlns:c="http://schemas.openxmlformats.org/drawingml/2006/chart" xmlns:dgm="http://schemas.openxmlformats.org/drawingml/2006/diagram" xmlns:o="urn:schemas-microsoft-com:office:office" xmlns:v="urn:schemas-microsoft-com:vml" xmlns:pvml="urn:schemas-microsoft-com:office:powerpoint" xmlns:com="http://schemas.openxmlformats.org/drawingml/2006/compatibility" xmlns:p14="http://schemas.microsoft.com/office/powerpoint/2010/main" xmlns:p15="http://schemas.microsoft.com/office/powerpoint/2012/main" xmlns:ahyp="http://schemas.microsoft.com/office/drawing/2018/hyperlinkcolor">
+  <p:cSld>
+    <p:spTree>
+      <p:nvGrpSpPr>
+        <p:cNvPr id="199" name="Shape 199"/>
+        <p:cNvGrpSpPr/>
+        <p:nvPr/>
+      </p:nvGrpSpPr>
+      <p:grpSpPr>
+        <a:xfrm>
+          <a:off x="0" y="0"/>
+          <a:ext cx="0" cy="0"/>
+          <a:chOff x="0" y="0"/>
+          <a:chExt cx="0" cy="0"/>
+        </a:xfrm>
+      </p:grpSpPr>
+      <p:sp>
+        <p:nvSpPr>
+          <p:cNvPr id="200" name="Google Shape;200;p24"/>
+          <p:cNvSpPr txBox="1"/>
+          <p:nvPr/>
+        </p:nvSpPr>
+        <p:spPr>
+          <a:xfrm flipH="1">
+            <a:off x="-10861" y="4854532"/>
+            <a:ext cx="422700" cy="288900"/>
+          </a:xfrm>
+          <a:prstGeom prst="rect">
+            <a:avLst/>
+          </a:prstGeom>
+          <a:noFill/>
+          <a:ln>
+            <a:noFill/>
+          </a:ln>
+        </p:spPr>
+        <p:txBody>
+          <a:bodyPr anchorCtr="0" anchor="ctr" bIns="91425" lIns="91425" spcFirstLastPara="1" rIns="91425" wrap="square" tIns="91425">
+            <a:noAutofit/>
+          </a:bodyPr>
+          <a:lstStyle/>
+          <a:p>
+            <a:pPr indent="0" lvl="0" marL="0" marR="0" rtl="0" algn="l">
+              <a:lnSpc>
+                <a:spcPct val="100000"/>
+              </a:lnSpc>
+              <a:spcBef>
+                <a:spcPts val="0"/>
+              </a:spcBef>
+              <a:spcAft>
+                <a:spcPts val="0"/>
+              </a:spcAft>
+              <a:buClr>
+                <a:srgbClr val="000000"/>
+              </a:buClr>
+              <a:buSzPts val="1400"/>
+              <a:buFont typeface="Arial"/>
+              <a:buNone/>
+            </a:pPr>
+            <a:r>
+              <a:rPr b="0" i="0" lang="en-GB" sz="1400" u="none" cap="none" strike="noStrike">
+                <a:solidFill>
+                  <a:schemeClr val="dk2"/>
+                </a:solidFill>
+                <a:latin typeface="Arial"/>
+                <a:ea typeface="Arial"/>
+                <a:cs typeface="Arial"/>
+                <a:sym typeface="Arial"/>
+              </a:rPr>
+              <a:t>04</a:t>
+            </a:r>
+            <a:endParaRPr b="0" i="0" sz="1400" u="none" cap="none" strike="noStrike">
+              <a:solidFill>
+                <a:srgbClr val="000000"/>
+              </a:solidFill>
+              <a:latin typeface="Arial"/>
+              <a:ea typeface="Arial"/>
+              <a:cs typeface="Arial"/>
+              <a:sym typeface="Arial"/>
+            </a:endParaRPr>
+          </a:p>
+        </p:txBody>
+      </p:sp>
+      <p:pic>
+        <p:nvPicPr>
+          <p:cNvPr descr="Logo&#10;&#10;Description automatically generated" id="201" name="Google Shape;201;p24"/>
+          <p:cNvPicPr preferRelativeResize="0"/>
+          <p:nvPr/>
+        </p:nvPicPr>
+        <p:blipFill rotWithShape="1">
+          <a:blip r:embed="rId3">
+            <a:alphaModFix/>
+          </a:blip>
+          <a:srcRect b="0" l="0" r="0" t="0"/>
+          <a:stretch/>
+        </p:blipFill>
+        <p:spPr>
+          <a:xfrm>
+            <a:off x="7374993" y="-12481"/>
+            <a:ext cx="1769862" cy="408430"/>
+          </a:xfrm>
+          <a:prstGeom prst="rect">
+            <a:avLst/>
+          </a:prstGeom>
+          <a:noFill/>
+          <a:ln>
+            <a:noFill/>
+          </a:ln>
+        </p:spPr>
+      </p:pic>
+      <p:grpSp>
+        <p:nvGrpSpPr>
+          <p:cNvPr id="202" name="Google Shape;202;p24"/>
+          <p:cNvGrpSpPr/>
+          <p:nvPr/>
+        </p:nvGrpSpPr>
+        <p:grpSpPr>
+          <a:xfrm>
+            <a:off x="13201" y="-12481"/>
+            <a:ext cx="422700" cy="428246"/>
+            <a:chOff x="13201" y="-12481"/>
+            <a:chExt cx="422700" cy="428246"/>
+          </a:xfrm>
+        </p:grpSpPr>
+        <p:pic>
+          <p:nvPicPr>
+            <p:cNvPr descr="Icon&#10;&#10;Description automatically generated" id="203" name="Google Shape;203;p24"/>
+            <p:cNvPicPr preferRelativeResize="0"/>
+            <p:nvPr/>
+          </p:nvPicPr>
+          <p:blipFill rotWithShape="1">
+            <a:blip r:embed="rId4">
+              <a:alphaModFix/>
+            </a:blip>
+            <a:srcRect b="0" l="0" r="0" t="0"/>
+            <a:stretch/>
+          </p:blipFill>
+          <p:spPr>
+            <a:xfrm>
+              <a:off x="80101" y="-12481"/>
+              <a:ext cx="288900" cy="288900"/>
+            </a:xfrm>
+            <a:prstGeom prst="rect">
+              <a:avLst/>
+            </a:prstGeom>
+            <a:noFill/>
+            <a:ln>
+              <a:noFill/>
+            </a:ln>
+          </p:spPr>
+        </p:pic>
+        <p:pic>
+          <p:nvPicPr>
+            <p:cNvPr descr="A picture containing text, sign&#10;&#10;Description automatically generated" id="204" name="Google Shape;204;p24"/>
+            <p:cNvPicPr preferRelativeResize="0"/>
+            <p:nvPr/>
+          </p:nvPicPr>
+          <p:blipFill rotWithShape="1">
+            <a:blip r:embed="rId5">
+              <a:alphaModFix/>
+            </a:blip>
+            <a:srcRect b="0" l="0" r="0" t="0"/>
+            <a:stretch/>
+          </p:blipFill>
+          <p:spPr>
+            <a:xfrm>
+              <a:off x="13201" y="191734"/>
+              <a:ext cx="422700" cy="224031"/>
+            </a:xfrm>
+            <a:prstGeom prst="rect">
+              <a:avLst/>
+            </a:prstGeom>
+            <a:noFill/>
+            <a:ln>
+              <a:noFill/>
+            </a:ln>
+          </p:spPr>
+        </p:pic>
+      </p:grpSp>
+      <p:sp>
+        <p:nvSpPr>
+          <p:cNvPr id="205" name="Google Shape;205;p24"/>
+          <p:cNvSpPr txBox="1"/>
+          <p:nvPr/>
+        </p:nvSpPr>
+        <p:spPr>
+          <a:xfrm>
+            <a:off x="391650" y="415775"/>
+            <a:ext cx="8360700" cy="3848100"/>
+          </a:xfrm>
+          <a:prstGeom prst="rect">
+            <a:avLst/>
+          </a:prstGeom>
+          <a:noFill/>
+          <a:ln>
+            <a:noFill/>
+          </a:ln>
+        </p:spPr>
+        <p:txBody>
+          <a:bodyPr anchorCtr="0" anchor="t" bIns="91425" lIns="91425" spcFirstLastPara="1" rIns="91425" wrap="square" tIns="91425">
+            <a:spAutoFit/>
+          </a:bodyPr>
+          <a:lstStyle/>
+          <a:p>
+            <a:pPr indent="0" lvl="0" marL="0" rtl="0" algn="l">
+              <a:spcBef>
+                <a:spcPts val="0"/>
+              </a:spcBef>
+              <a:spcAft>
+                <a:spcPts val="0"/>
+              </a:spcAft>
+              <a:buNone/>
+            </a:pPr>
+            <a:r>
+              <a:rPr lang="en-GB">
+                <a:latin typeface="Roboto Condensed Light"/>
+                <a:ea typeface="Roboto Condensed Light"/>
+                <a:cs typeface="Roboto Condensed Light"/>
+                <a:sym typeface="Roboto Condensed Light"/>
+              </a:rPr>
+              <a:t>In multiple regression, a mathematical model of a set of explanatory variables is used to predict the </a:t>
+            </a:r>
+            <a:r>
+              <a:rPr b="1" lang="en-GB">
+                <a:latin typeface="Roboto Condensed"/>
+                <a:ea typeface="Roboto Condensed"/>
+                <a:cs typeface="Roboto Condensed"/>
+                <a:sym typeface="Roboto Condensed"/>
+              </a:rPr>
+              <a:t>mean of a continuous dependent variable</a:t>
+            </a:r>
+            <a:r>
+              <a:rPr lang="en-GB">
+                <a:latin typeface="Roboto Condensed Light"/>
+                <a:ea typeface="Roboto Condensed Light"/>
+                <a:cs typeface="Roboto Condensed Light"/>
+                <a:sym typeface="Roboto Condensed Light"/>
+              </a:rPr>
+              <a:t>. </a:t>
+            </a:r>
+            <a:br>
+              <a:rPr lang="en-GB">
+                <a:latin typeface="Roboto Condensed Light"/>
+                <a:ea typeface="Roboto Condensed Light"/>
+                <a:cs typeface="Roboto Condensed Light"/>
+                <a:sym typeface="Roboto Condensed Light"/>
+              </a:rPr>
+            </a:br>
+            <a:br>
+              <a:rPr lang="en-GB">
+                <a:latin typeface="Roboto Condensed Light"/>
+                <a:ea typeface="Roboto Condensed Light"/>
+                <a:cs typeface="Roboto Condensed Light"/>
+                <a:sym typeface="Roboto Condensed Light"/>
+              </a:rPr>
+            </a:br>
+            <a:r>
+              <a:rPr lang="en-GB">
+                <a:latin typeface="Roboto Condensed Light"/>
+                <a:ea typeface="Roboto Condensed Light"/>
+                <a:cs typeface="Roboto Condensed Light"/>
+                <a:sym typeface="Roboto Condensed Light"/>
+              </a:rPr>
+              <a:t>In logistic regression, a mathematical model of a set of explanatory variables is used to predict a </a:t>
+            </a:r>
+            <a:r>
+              <a:rPr b="1" lang="en-GB">
+                <a:latin typeface="Roboto Condensed"/>
+                <a:ea typeface="Roboto Condensed"/>
+                <a:cs typeface="Roboto Condensed"/>
+                <a:sym typeface="Roboto Condensed"/>
+              </a:rPr>
+              <a:t>logit transformation of the dependent variable</a:t>
+            </a:r>
+            <a:r>
+              <a:rPr lang="en-GB">
+                <a:latin typeface="Roboto Condensed Light"/>
+                <a:ea typeface="Roboto Condensed Light"/>
+                <a:cs typeface="Roboto Condensed Light"/>
+                <a:sym typeface="Roboto Condensed Light"/>
+              </a:rPr>
+              <a:t>.</a:t>
+            </a:r>
+            <a:br>
+              <a:rPr lang="en-GB">
+                <a:latin typeface="Roboto Condensed Light"/>
+                <a:ea typeface="Roboto Condensed Light"/>
+                <a:cs typeface="Roboto Condensed Light"/>
+                <a:sym typeface="Roboto Condensed Light"/>
+              </a:rPr>
+            </a:br>
+            <a:endParaRPr>
+              <a:latin typeface="Roboto Condensed Light"/>
+              <a:ea typeface="Roboto Condensed Light"/>
+              <a:cs typeface="Roboto Condensed Light"/>
+              <a:sym typeface="Roboto Condensed Light"/>
+            </a:endParaRPr>
+          </a:p>
+          <a:p>
+            <a:pPr indent="0" lvl="0" marL="0" rtl="0" algn="l">
+              <a:spcBef>
+                <a:spcPts val="0"/>
+              </a:spcBef>
+              <a:spcAft>
+                <a:spcPts val="0"/>
+              </a:spcAft>
+              <a:buNone/>
+            </a:pPr>
+            <a:r>
+              <a:t/>
+            </a:r>
+            <a:endParaRPr>
+              <a:latin typeface="Roboto Condensed Light"/>
+              <a:ea typeface="Roboto Condensed Light"/>
+              <a:cs typeface="Roboto Condensed Light"/>
+              <a:sym typeface="Roboto Condensed Light"/>
+            </a:endParaRPr>
+          </a:p>
+          <a:p>
+            <a:pPr indent="0" lvl="0" marL="0" rtl="0" algn="l">
+              <a:spcBef>
+                <a:spcPts val="0"/>
+              </a:spcBef>
+              <a:spcAft>
+                <a:spcPts val="0"/>
+              </a:spcAft>
+              <a:buNone/>
+            </a:pPr>
+            <a:r>
+              <a:rPr lang="en-GB">
+                <a:latin typeface="Roboto Condensed Light"/>
+                <a:ea typeface="Roboto Condensed Light"/>
+                <a:cs typeface="Roboto Condensed Light"/>
+                <a:sym typeface="Roboto Condensed Light"/>
+              </a:rPr>
+              <a:t>Suppose the numerical values of 0 and 1 are assigned to the two outcomes of a binary variable. </a:t>
+            </a:r>
+            <a:br>
+              <a:rPr lang="en-GB">
+                <a:latin typeface="Roboto Condensed Light"/>
+                <a:ea typeface="Roboto Condensed Light"/>
+                <a:cs typeface="Roboto Condensed Light"/>
+                <a:sym typeface="Roboto Condensed Light"/>
+              </a:rPr>
+            </a:br>
+            <a:br>
+              <a:rPr lang="en-GB">
+                <a:latin typeface="Roboto Condensed Light"/>
+                <a:ea typeface="Roboto Condensed Light"/>
+                <a:cs typeface="Roboto Condensed Light"/>
+                <a:sym typeface="Roboto Condensed Light"/>
+              </a:rPr>
+            </a:br>
+            <a:r>
+              <a:rPr lang="en-GB">
+                <a:latin typeface="Roboto Condensed Light"/>
+                <a:ea typeface="Roboto Condensed Light"/>
+                <a:cs typeface="Roboto Condensed Light"/>
+                <a:sym typeface="Roboto Condensed Light"/>
+              </a:rPr>
+              <a:t>Often, the 0 represents a negative response and the 1 represents a positive response. </a:t>
+            </a:r>
+            <a:endParaRPr>
+              <a:latin typeface="Roboto Condensed Light"/>
+              <a:ea typeface="Roboto Condensed Light"/>
+              <a:cs typeface="Roboto Condensed Light"/>
+              <a:sym typeface="Roboto Condensed Light"/>
+            </a:endParaRPr>
+          </a:p>
+          <a:p>
+            <a:pPr indent="0" lvl="0" marL="0" rtl="0" algn="l">
+              <a:spcBef>
+                <a:spcPts val="0"/>
+              </a:spcBef>
+              <a:spcAft>
+                <a:spcPts val="0"/>
+              </a:spcAft>
+              <a:buNone/>
+            </a:pPr>
+            <a:r>
+              <a:rPr lang="en-GB">
+                <a:latin typeface="Roboto Condensed Light"/>
+                <a:ea typeface="Roboto Condensed Light"/>
+                <a:cs typeface="Roboto Condensed Light"/>
+                <a:sym typeface="Roboto Condensed Light"/>
+              </a:rPr>
+              <a:t>The mean of this variable will be the proportion of positive responses. </a:t>
+            </a:r>
+            <a:endParaRPr>
+              <a:latin typeface="Roboto Condensed Light"/>
+              <a:ea typeface="Roboto Condensed Light"/>
+              <a:cs typeface="Roboto Condensed Light"/>
+              <a:sym typeface="Roboto Condensed Light"/>
+            </a:endParaRPr>
+          </a:p>
+          <a:p>
+            <a:pPr indent="0" lvl="0" marL="0" rtl="0" algn="l">
+              <a:spcBef>
+                <a:spcPts val="0"/>
+              </a:spcBef>
+              <a:spcAft>
+                <a:spcPts val="0"/>
+              </a:spcAft>
+              <a:buNone/>
+            </a:pPr>
+            <a:r>
+              <a:t/>
+            </a:r>
+            <a:endParaRPr>
+              <a:latin typeface="Roboto Condensed Light"/>
+              <a:ea typeface="Roboto Condensed Light"/>
+              <a:cs typeface="Roboto Condensed Light"/>
+              <a:sym typeface="Roboto Condensed Light"/>
+            </a:endParaRPr>
+          </a:p>
+          <a:p>
+            <a:pPr indent="0" lvl="0" marL="0" rtl="0" algn="l">
+              <a:spcBef>
+                <a:spcPts val="0"/>
+              </a:spcBef>
+              <a:spcAft>
+                <a:spcPts val="0"/>
+              </a:spcAft>
+              <a:buNone/>
+            </a:pPr>
+            <a:r>
+              <a:rPr lang="en-GB">
+                <a:latin typeface="Roboto Condensed Light"/>
+                <a:ea typeface="Roboto Condensed Light"/>
+                <a:cs typeface="Roboto Condensed Light"/>
+                <a:sym typeface="Roboto Condensed Light"/>
+              </a:rPr>
+              <a:t>If p is the proportion of observations with an outcome of 1, then 1-p is the probability of a outcome of 0. </a:t>
+            </a:r>
+            <a:endParaRPr>
+              <a:latin typeface="Roboto Condensed Light"/>
+              <a:ea typeface="Roboto Condensed Light"/>
+              <a:cs typeface="Roboto Condensed Light"/>
+              <a:sym typeface="Roboto Condensed Light"/>
+            </a:endParaRPr>
+          </a:p>
+          <a:p>
+            <a:pPr indent="0" lvl="0" marL="0" rtl="0" algn="l">
+              <a:spcBef>
+                <a:spcPts val="0"/>
+              </a:spcBef>
+              <a:spcAft>
+                <a:spcPts val="0"/>
+              </a:spcAft>
+              <a:buNone/>
+            </a:pPr>
+            <a:r>
+              <a:t/>
+            </a:r>
+            <a:endParaRPr>
+              <a:latin typeface="Roboto Condensed Light"/>
+              <a:ea typeface="Roboto Condensed Light"/>
+              <a:cs typeface="Roboto Condensed Light"/>
+              <a:sym typeface="Roboto Condensed Light"/>
+            </a:endParaRPr>
+          </a:p>
+          <a:p>
+            <a:pPr indent="0" lvl="0" marL="0" rtl="0" algn="l">
+              <a:spcBef>
+                <a:spcPts val="0"/>
+              </a:spcBef>
+              <a:spcAft>
+                <a:spcPts val="0"/>
+              </a:spcAft>
+              <a:buNone/>
+            </a:pPr>
+            <a:r>
+              <a:rPr lang="en-GB">
+                <a:latin typeface="Roboto Condensed Light"/>
+                <a:ea typeface="Roboto Condensed Light"/>
+                <a:cs typeface="Roboto Condensed Light"/>
+                <a:sym typeface="Roboto Condensed Light"/>
+              </a:rPr>
+              <a:t>The ratio p/(1-p) is called the odds and the logit is the logarithm of the odds, or just log odds. </a:t>
+            </a:r>
+            <a:endParaRPr>
+              <a:latin typeface="Roboto Condensed Light"/>
+              <a:ea typeface="Roboto Condensed Light"/>
+              <a:cs typeface="Roboto Condensed Light"/>
+              <a:sym typeface="Roboto Condensed Light"/>
+            </a:endParaRPr>
+          </a:p>
+          <a:p>
+            <a:pPr indent="0" lvl="0" marL="0" rtl="0" algn="l">
+              <a:spcBef>
+                <a:spcPts val="0"/>
+              </a:spcBef>
+              <a:spcAft>
+                <a:spcPts val="0"/>
+              </a:spcAft>
+              <a:buNone/>
+            </a:pPr>
+            <a:br>
+              <a:rPr lang="en-GB">
+                <a:latin typeface="Roboto Condensed Light"/>
+                <a:ea typeface="Roboto Condensed Light"/>
+                <a:cs typeface="Roboto Condensed Light"/>
+                <a:sym typeface="Roboto Condensed Light"/>
+              </a:rPr>
+            </a:br>
+            <a:r>
+              <a:rPr lang="en-GB">
+                <a:latin typeface="Roboto Condensed Light"/>
+                <a:ea typeface="Roboto Condensed Light"/>
+                <a:cs typeface="Roboto Condensed Light"/>
+                <a:sym typeface="Roboto Condensed Light"/>
+              </a:rPr>
+              <a:t>the logit transformation equation is written as;</a:t>
+            </a:r>
+            <a:endParaRPr>
+              <a:latin typeface="Roboto Condensed Light"/>
+              <a:ea typeface="Roboto Condensed Light"/>
+              <a:cs typeface="Roboto Condensed Light"/>
+              <a:sym typeface="Roboto Condensed Light"/>
+            </a:endParaRPr>
+          </a:p>
+        </p:txBody>
+      </p:sp>
+      <p:pic>
+        <p:nvPicPr>
+          <p:cNvPr id="206" name="Google Shape;206;p24"/>
+          <p:cNvPicPr preferRelativeResize="0"/>
+          <p:nvPr/>
+        </p:nvPicPr>
+        <p:blipFill>
+          <a:blip r:embed="rId6">
+            <a:alphaModFix/>
+          </a:blip>
+          <a:stretch>
+            <a:fillRect/>
+          </a:stretch>
+        </p:blipFill>
+        <p:spPr>
+          <a:xfrm>
+            <a:off x="4062600" y="3928450"/>
+            <a:ext cx="3265900" cy="1025175"/>
+          </a:xfrm>
+          <a:prstGeom prst="rect">
+            <a:avLst/>
+          </a:prstGeom>
+          <a:noFill/>
+          <a:ln>
+            <a:noFill/>
+          </a:ln>
+        </p:spPr>
+      </p:pic>
+    </p:spTree>
+  </p:cSld>
+  <p:clrMapOvr>
+    <a:masterClrMapping/>
+  </p:clrMapOvr>
+</p:sld>
+</file>
+
+<file path=ppt/slides/slide15.xml><?xml version="1.0" encoding="utf-8"?>
+<p:sld xmlns:a="http://schemas.openxmlformats.org/drawingml/2006/main" xmlns:r="http://schemas.openxmlformats.org/officeDocument/2006/relationships" xmlns:mc="http://schemas.openxmlformats.org/markup-compatibility/2006" xmlns:mv="urn:schemas-microsoft-com:mac:vml" xmlns:p="http://schemas.openxmlformats.org/presentationml/2006/main" xmlns:c="http://schemas.openxmlformats.org/drawingml/2006/chart" xmlns:dgm="http://schemas.openxmlformats.org/drawingml/2006/diagram" xmlns:o="urn:schemas-microsoft-com:office:office" xmlns:v="urn:schemas-microsoft-com:vml" xmlns:pvml="urn:schemas-microsoft-com:office:powerpoint" xmlns:com="http://schemas.openxmlformats.org/drawingml/2006/compatibility" xmlns:p14="http://schemas.microsoft.com/office/powerpoint/2010/main" xmlns:p15="http://schemas.microsoft.com/office/powerpoint/2012/main" xmlns:ahyp="http://schemas.microsoft.com/office/drawing/2018/hyperlinkcolor">
+  <p:cSld>
+    <p:spTree>
+      <p:nvGrpSpPr>
+        <p:cNvPr id="210" name="Shape 210"/>
+        <p:cNvGrpSpPr/>
+        <p:nvPr/>
+      </p:nvGrpSpPr>
+      <p:grpSpPr>
+        <a:xfrm>
+          <a:off x="0" y="0"/>
+          <a:ext cx="0" cy="0"/>
+          <a:chOff x="0" y="0"/>
+          <a:chExt cx="0" cy="0"/>
+        </a:xfrm>
+      </p:grpSpPr>
+      <p:pic>
+        <p:nvPicPr>
+          <p:cNvPr id="211" name="Google Shape;211;p25"/>
+          <p:cNvPicPr preferRelativeResize="0"/>
+          <p:nvPr/>
+        </p:nvPicPr>
+        <p:blipFill>
+          <a:blip r:embed="rId3">
+            <a:alphaModFix/>
+          </a:blip>
+          <a:stretch>
+            <a:fillRect/>
+          </a:stretch>
+        </p:blipFill>
+        <p:spPr>
+          <a:xfrm>
+            <a:off x="1290350" y="279375"/>
+            <a:ext cx="6276975" cy="3076575"/>
+          </a:xfrm>
+          <a:prstGeom prst="rect">
+            <a:avLst/>
+          </a:prstGeom>
+          <a:noFill/>
+          <a:ln>
+            <a:noFill/>
+          </a:ln>
+        </p:spPr>
+      </p:pic>
+      <p:sp>
+        <p:nvSpPr>
+          <p:cNvPr id="212" name="Google Shape;212;p25"/>
+          <p:cNvSpPr txBox="1"/>
+          <p:nvPr/>
+        </p:nvSpPr>
+        <p:spPr>
+          <a:xfrm>
+            <a:off x="580500" y="3664775"/>
+            <a:ext cx="7669800" cy="1262100"/>
+          </a:xfrm>
+          <a:prstGeom prst="rect">
+            <a:avLst/>
+          </a:prstGeom>
+          <a:noFill/>
+          <a:ln>
+            <a:noFill/>
+          </a:ln>
+        </p:spPr>
+        <p:txBody>
+          <a:bodyPr anchorCtr="0" anchor="t" bIns="91425" lIns="91425" spcFirstLastPara="1" rIns="91425" wrap="square" tIns="91425">
+            <a:spAutoFit/>
+          </a:bodyPr>
+          <a:lstStyle/>
+          <a:p>
+            <a:pPr indent="0" lvl="0" marL="0" rtl="0" algn="l">
+              <a:spcBef>
+                <a:spcPts val="0"/>
+              </a:spcBef>
+              <a:spcAft>
+                <a:spcPts val="0"/>
+              </a:spcAft>
+              <a:buNone/>
+            </a:pPr>
+            <a:r>
+              <a:rPr lang="en-GB">
+                <a:latin typeface="Roboto Condensed Light"/>
+                <a:ea typeface="Roboto Condensed Light"/>
+                <a:cs typeface="Roboto Condensed Light"/>
+                <a:sym typeface="Roboto Condensed Light"/>
+              </a:rPr>
+              <a:t>Note that while p ranges between zero and one, the logit ranges between minus and plus infinity. </a:t>
+            </a:r>
+            <a:br>
+              <a:rPr lang="en-GB">
+                <a:latin typeface="Roboto Condensed Light"/>
+                <a:ea typeface="Roboto Condensed Light"/>
+                <a:cs typeface="Roboto Condensed Light"/>
+                <a:sym typeface="Roboto Condensed Light"/>
+              </a:rPr>
+            </a:br>
+            <a:br>
+              <a:rPr lang="en-GB">
+                <a:latin typeface="Roboto Condensed Light"/>
+                <a:ea typeface="Roboto Condensed Light"/>
+                <a:cs typeface="Roboto Condensed Light"/>
+                <a:sym typeface="Roboto Condensed Light"/>
+              </a:rPr>
+            </a:br>
+            <a:r>
+              <a:rPr lang="en-GB">
+                <a:latin typeface="Roboto Condensed Light"/>
+                <a:ea typeface="Roboto Condensed Light"/>
+                <a:cs typeface="Roboto Condensed Light"/>
+                <a:sym typeface="Roboto Condensed Light"/>
+              </a:rPr>
+              <a:t>Also note that the zero logit occurs when p is 0.50. </a:t>
+            </a:r>
+            <a:br>
+              <a:rPr lang="en-GB">
+                <a:latin typeface="Roboto Condensed Light"/>
+                <a:ea typeface="Roboto Condensed Light"/>
+                <a:cs typeface="Roboto Condensed Light"/>
+                <a:sym typeface="Roboto Condensed Light"/>
+              </a:rPr>
+            </a:br>
+            <a:br>
+              <a:rPr lang="en-GB">
+                <a:latin typeface="Roboto Condensed Light"/>
+                <a:ea typeface="Roboto Condensed Light"/>
+                <a:cs typeface="Roboto Condensed Light"/>
+                <a:sym typeface="Roboto Condensed Light"/>
+              </a:rPr>
+            </a:br>
+            <a:r>
+              <a:rPr lang="en-GB">
+                <a:latin typeface="Roboto Condensed Light"/>
+                <a:ea typeface="Roboto Condensed Light"/>
+                <a:cs typeface="Roboto Condensed Light"/>
+                <a:sym typeface="Roboto Condensed Light"/>
+              </a:rPr>
+              <a:t>The logistic transformation is the inverse of the logit transformation.</a:t>
+            </a:r>
+            <a:endParaRPr>
+              <a:latin typeface="Roboto Condensed Light"/>
+              <a:ea typeface="Roboto Condensed Light"/>
+              <a:cs typeface="Roboto Condensed Light"/>
+              <a:sym typeface="Roboto Condensed Light"/>
+            </a:endParaRPr>
+          </a:p>
+        </p:txBody>
+      </p:sp>
+    </p:spTree>
+  </p:cSld>
+  <p:clrMapOvr>
+    <a:masterClrMapping/>
+  </p:clrMapOvr>
+</p:sld>
+</file>
+
+<file path=ppt/slides/slide16.xml><?xml version="1.0" encoding="utf-8"?>
+<p:sld xmlns:a="http://schemas.openxmlformats.org/drawingml/2006/main" xmlns:r="http://schemas.openxmlformats.org/officeDocument/2006/relationships" xmlns:mc="http://schemas.openxmlformats.org/markup-compatibility/2006" xmlns:mv="urn:schemas-microsoft-com:mac:vml" xmlns:p="http://schemas.openxmlformats.org/presentationml/2006/main" xmlns:c="http://schemas.openxmlformats.org/drawingml/2006/chart" xmlns:dgm="http://schemas.openxmlformats.org/drawingml/2006/diagram" xmlns:o="urn:schemas-microsoft-com:office:office" xmlns:v="urn:schemas-microsoft-com:vml" xmlns:pvml="urn:schemas-microsoft-com:office:powerpoint" xmlns:com="http://schemas.openxmlformats.org/drawingml/2006/compatibility" xmlns:p14="http://schemas.microsoft.com/office/powerpoint/2010/main" xmlns:p15="http://schemas.microsoft.com/office/powerpoint/2012/main" xmlns:ahyp="http://schemas.microsoft.com/office/drawing/2018/hyperlinkcolor">
+  <p:cSld>
+    <p:spTree>
+      <p:nvGrpSpPr>
+        <p:cNvPr id="216" name="Shape 216"/>
+        <p:cNvGrpSpPr/>
+        <p:nvPr/>
+      </p:nvGrpSpPr>
+      <p:grpSpPr>
+        <a:xfrm>
+          <a:off x="0" y="0"/>
+          <a:ext cx="0" cy="0"/>
+          <a:chOff x="0" y="0"/>
+          <a:chExt cx="0" cy="0"/>
+        </a:xfrm>
+      </p:grpSpPr>
+      <p:sp>
+        <p:nvSpPr>
+          <p:cNvPr id="217" name="Google Shape;217;p26"/>
+          <p:cNvSpPr txBox="1"/>
+          <p:nvPr>
+            <p:ph type="ctrTitle"/>
+          </p:nvPr>
+        </p:nvSpPr>
+        <p:spPr>
+          <a:xfrm>
+            <a:off x="1964851" y="352850"/>
+            <a:ext cx="5214300" cy="946200"/>
+          </a:xfrm>
+          <a:prstGeom prst="rect">
+            <a:avLst/>
+          </a:prstGeom>
+        </p:spPr>
+        <p:txBody>
+          <a:bodyPr anchorCtr="0" anchor="t" bIns="91425" lIns="91425" spcFirstLastPara="1" rIns="91425" wrap="square" tIns="91425">
+            <a:noAutofit/>
+          </a:bodyPr>
+          <a:lstStyle/>
+          <a:p>
+            <a:pPr indent="0" lvl="0" marL="0" rtl="0" algn="ctr">
+              <a:spcBef>
+                <a:spcPts val="0"/>
+              </a:spcBef>
+              <a:spcAft>
+                <a:spcPts val="0"/>
+              </a:spcAft>
+              <a:buNone/>
+            </a:pPr>
+            <a:r>
+              <a:rPr lang="en-GB"/>
+              <a:t>Desmos Logistic Regression Demo</a:t>
+            </a:r>
+            <a:endParaRPr/>
+          </a:p>
+        </p:txBody>
+      </p:sp>
+      <p:sp>
+        <p:nvSpPr>
+          <p:cNvPr id="218" name="Google Shape;218;p26"/>
+          <p:cNvSpPr txBox="1"/>
+          <p:nvPr/>
+        </p:nvSpPr>
+        <p:spPr>
+          <a:xfrm>
+            <a:off x="1964850" y="1832075"/>
+            <a:ext cx="4109700" cy="400200"/>
+          </a:xfrm>
+          <a:prstGeom prst="rect">
+            <a:avLst/>
+          </a:prstGeom>
+          <a:noFill/>
+          <a:ln>
+            <a:noFill/>
+          </a:ln>
+        </p:spPr>
+        <p:txBody>
+          <a:bodyPr anchorCtr="0" anchor="t" bIns="91425" lIns="91425" spcFirstLastPara="1" rIns="91425" wrap="square" tIns="91425">
+            <a:spAutoFit/>
+          </a:bodyPr>
+          <a:lstStyle/>
+          <a:p>
+            <a:pPr indent="0" lvl="0" marL="0" rtl="0" algn="l">
+              <a:spcBef>
+                <a:spcPts val="0"/>
+              </a:spcBef>
+              <a:spcAft>
+                <a:spcPts val="0"/>
+              </a:spcAft>
+              <a:buNone/>
+            </a:pPr>
+            <a:r>
+              <a:rPr lang="en-GB" u="sng">
+                <a:solidFill>
+                  <a:schemeClr val="hlink"/>
+                </a:solidFill>
+                <a:hlinkClick r:id="rId3"/>
+              </a:rPr>
+              <a:t>https://www.desmos.com/calculator/nfsnzv6m2i</a:t>
+            </a:r>
+            <a:endParaRPr/>
+          </a:p>
+        </p:txBody>
+      </p:sp>
+    </p:spTree>
+  </p:cSld>
+  <p:clrMapOvr>
+    <a:masterClrMapping/>
+  </p:clrMapOvr>
+</p:sld>
+</file>
+
+<file path=ppt/slides/slide17.xml><?xml version="1.0" encoding="utf-8"?>
+<p:sld xmlns:a="http://schemas.openxmlformats.org/drawingml/2006/main" xmlns:r="http://schemas.openxmlformats.org/officeDocument/2006/relationships" xmlns:mc="http://schemas.openxmlformats.org/markup-compatibility/2006" xmlns:mv="urn:schemas-microsoft-com:mac:vml" xmlns:p="http://schemas.openxmlformats.org/presentationml/2006/main" xmlns:c="http://schemas.openxmlformats.org/drawingml/2006/chart" xmlns:dgm="http://schemas.openxmlformats.org/drawingml/2006/diagram" xmlns:o="urn:schemas-microsoft-com:office:office" xmlns:v="urn:schemas-microsoft-com:vml" xmlns:pvml="urn:schemas-microsoft-com:office:powerpoint" xmlns:com="http://schemas.openxmlformats.org/drawingml/2006/compatibility" xmlns:p14="http://schemas.microsoft.com/office/powerpoint/2010/main" xmlns:p15="http://schemas.microsoft.com/office/powerpoint/2012/main" xmlns:ahyp="http://schemas.microsoft.com/office/drawing/2018/hyperlinkcolor">
+  <p:cSld>
+    <p:spTree>
+      <p:nvGrpSpPr>
+        <p:cNvPr id="222" name="Shape 222"/>
+        <p:cNvGrpSpPr/>
+        <p:nvPr/>
+      </p:nvGrpSpPr>
+      <p:grpSpPr>
+        <a:xfrm>
+          <a:off x="0" y="0"/>
+          <a:ext cx="0" cy="0"/>
+          <a:chOff x="0" y="0"/>
+          <a:chExt cx="0" cy="0"/>
+        </a:xfrm>
+      </p:grpSpPr>
+      <p:sp>
+        <p:nvSpPr>
+          <p:cNvPr id="223" name="Google Shape;223;p27"/>
+          <p:cNvSpPr txBox="1"/>
+          <p:nvPr>
+            <p:ph type="ctrTitle"/>
+          </p:nvPr>
+        </p:nvSpPr>
+        <p:spPr>
+          <a:xfrm>
+            <a:off x="1912901" y="2098650"/>
+            <a:ext cx="5214300" cy="946200"/>
+          </a:xfrm>
+          <a:prstGeom prst="rect">
+            <a:avLst/>
+          </a:prstGeom>
+        </p:spPr>
+        <p:txBody>
+          <a:bodyPr anchorCtr="0" anchor="t" bIns="91425" lIns="91425" spcFirstLastPara="1" rIns="91425" wrap="square" tIns="91425">
+            <a:noAutofit/>
+          </a:bodyPr>
+          <a:lstStyle/>
+          <a:p>
+            <a:pPr indent="0" lvl="0" marL="0" rtl="0" algn="ctr">
+              <a:spcBef>
+                <a:spcPts val="0"/>
+              </a:spcBef>
+              <a:spcAft>
+                <a:spcPts val="0"/>
+              </a:spcAft>
+              <a:buNone/>
+            </a:pPr>
+            <a:r>
+              <a:rPr lang="en-GB"/>
+              <a:t>Logistic Regression Notebooks</a:t>
+            </a:r>
+            <a:endParaRPr/>
+          </a:p>
+        </p:txBody>
+      </p:sp>
+    </p:spTree>
+  </p:cSld>
+  <p:clrMapOvr>
+    <a:masterClrMapping/>
+  </p:clrMapOvr>
+</p:sld>
+</file>
+
+<file path=ppt/slides/slide18.xml><?xml version="1.0" encoding="utf-8"?>
+<p:sld xmlns:a="http://schemas.openxmlformats.org/drawingml/2006/main" xmlns:r="http://schemas.openxmlformats.org/officeDocument/2006/relationships" xmlns:mc="http://schemas.openxmlformats.org/markup-compatibility/2006" xmlns:mv="urn:schemas-microsoft-com:mac:vml" xmlns:p="http://schemas.openxmlformats.org/presentationml/2006/main" xmlns:c="http://schemas.openxmlformats.org/drawingml/2006/chart" xmlns:dgm="http://schemas.openxmlformats.org/drawingml/2006/diagram" xmlns:o="urn:schemas-microsoft-com:office:office" xmlns:v="urn:schemas-microsoft-com:vml" xmlns:pvml="urn:schemas-microsoft-com:office:powerpoint" xmlns:com="http://schemas.openxmlformats.org/drawingml/2006/compatibility" xmlns:p14="http://schemas.microsoft.com/office/powerpoint/2010/main" xmlns:p15="http://schemas.microsoft.com/office/powerpoint/2012/main" xmlns:ahyp="http://schemas.microsoft.com/office/drawing/2018/hyperlinkcolor">
+  <p:cSld>
+    <p:spTree>
+      <p:nvGrpSpPr>
+        <p:cNvPr id="227" name="Shape 227"/>
+        <p:cNvGrpSpPr/>
+        <p:nvPr/>
+      </p:nvGrpSpPr>
+      <p:grpSpPr>
+        <a:xfrm>
+          <a:off x="0" y="0"/>
+          <a:ext cx="0" cy="0"/>
+          <a:chOff x="0" y="0"/>
+          <a:chExt cx="0" cy="0"/>
+        </a:xfrm>
+      </p:grpSpPr>
+      <p:sp>
+        <p:nvSpPr>
+          <p:cNvPr id="228" name="Google Shape;228;p28"/>
           <p:cNvSpPr txBox="1"/>
           <p:nvPr>
             <p:ph idx="1" type="subTitle"/>
@@ -11207,7 +13545,7 @@
         </p:nvSpPr>
         <p:spPr>
           <a:xfrm>
-            <a:off x="2152500" y="2494850"/>
+            <a:off x="2152500" y="3028254"/>
             <a:ext cx="4839000" cy="1003200"/>
           </a:xfrm>
           <a:prstGeom prst="rect">
@@ -11243,54 +13581,7 @@
             </a:pPr>
             <a:r>
               <a:rPr lang="en-GB"/>
-              <a:t>Does anyone have any questions?</a:t>
-            </a:r>
-            <a:endParaRPr/>
-          </a:p>
-          <a:p>
-            <a:pPr indent="0" lvl="0" marL="0" rtl="0" algn="ctr">
-              <a:lnSpc>
-                <a:spcPct val="100000"/>
-              </a:lnSpc>
-              <a:spcBef>
-                <a:spcPts val="0"/>
-              </a:spcBef>
-              <a:spcAft>
-                <a:spcPts val="0"/>
-              </a:spcAft>
-              <a:buClr>
-                <a:schemeClr val="dk1"/>
-              </a:buClr>
-              <a:buSzPts val="1100"/>
-              <a:buFont typeface="Arial"/>
-              <a:buNone/>
-            </a:pPr>
-            <a:r>
-              <a:t/>
-            </a:r>
-            <a:endParaRPr/>
-          </a:p>
-          <a:p>
-            <a:pPr indent="0" lvl="0" marL="0" rtl="0" algn="ctr">
-              <a:lnSpc>
-                <a:spcPct val="100000"/>
-              </a:lnSpc>
-              <a:spcBef>
-                <a:spcPts val="0"/>
-              </a:spcBef>
-              <a:spcAft>
-                <a:spcPts val="0"/>
-              </a:spcAft>
-              <a:buClr>
-                <a:schemeClr val="dk1"/>
-              </a:buClr>
-              <a:buSzPts val="1100"/>
-              <a:buFont typeface="Arial"/>
-              <a:buNone/>
-            </a:pPr>
-            <a:r>
-              <a:rPr lang="en-GB"/>
-              <a:t>carbonconsulting.com</a:t>
+              <a:t>See you tomorrow</a:t>
             </a:r>
             <a:endParaRPr/>
           </a:p>
@@ -11298,7 +13589,7 @@
       </p:sp>
       <p:sp>
         <p:nvSpPr>
-          <p:cNvPr id="167" name="Google Shape;167;p23"/>
+          <p:cNvPr id="229" name="Google Shape;229;p28"/>
           <p:cNvSpPr txBox="1"/>
           <p:nvPr>
             <p:ph type="ctrTitle"/>
@@ -11306,8 +13597,8 @@
         </p:nvSpPr>
         <p:spPr>
           <a:xfrm flipH="1">
-            <a:off x="1974150" y="1161000"/>
-            <a:ext cx="5195700" cy="1365300"/>
+            <a:off x="1183758" y="1694404"/>
+            <a:ext cx="6556743" cy="1365300"/>
           </a:xfrm>
           <a:prstGeom prst="rect">
             <a:avLst/>
@@ -11338,7 +13629,7 @@
             </a:pPr>
             <a:r>
               <a:rPr lang="en-GB"/>
-              <a:t>THANKS</a:t>
+              <a:t>Sunday</a:t>
             </a:r>
             <a:endParaRPr/>
           </a:p>
@@ -11346,7 +13637,7 @@
       </p:sp>
       <p:cxnSp>
         <p:nvCxnSpPr>
-          <p:cNvPr id="168" name="Google Shape;168;p23"/>
+          <p:cNvPr id="230" name="Google Shape;230;p28"/>
           <p:cNvCxnSpPr/>
           <p:nvPr/>
         </p:nvCxnSpPr>
@@ -11372,7 +13663,7 @@
       </p:cxnSp>
       <p:cxnSp>
         <p:nvCxnSpPr>
-          <p:cNvPr id="169" name="Google Shape;169;p23"/>
+          <p:cNvPr id="231" name="Google Shape;231;p28"/>
           <p:cNvCxnSpPr/>
           <p:nvPr/>
         </p:nvCxnSpPr>
@@ -11388,6 +13679,161 @@
           <a:ln cap="flat" cmpd="sng" w="9525">
             <a:solidFill>
               <a:schemeClr val="dk2"/>
+            </a:solidFill>
+            <a:prstDash val="solid"/>
+            <a:round/>
+            <a:headEnd len="sm" w="sm" type="none"/>
+            <a:tailEnd len="sm" w="sm" type="none"/>
+          </a:ln>
+        </p:spPr>
+      </p:cxnSp>
+    </p:spTree>
+  </p:cSld>
+  <p:clrMapOvr>
+    <a:masterClrMapping/>
+  </p:clrMapOvr>
+</p:sld>
+</file>
+
+<file path=ppt/slides/slide19.xml><?xml version="1.0" encoding="utf-8"?>
+<p:sld xmlns:a="http://schemas.openxmlformats.org/drawingml/2006/main" xmlns:r="http://schemas.openxmlformats.org/officeDocument/2006/relationships" xmlns:mc="http://schemas.openxmlformats.org/markup-compatibility/2006" xmlns:mv="urn:schemas-microsoft-com:mac:vml" xmlns:p="http://schemas.openxmlformats.org/presentationml/2006/main" xmlns:c="http://schemas.openxmlformats.org/drawingml/2006/chart" xmlns:dgm="http://schemas.openxmlformats.org/drawingml/2006/diagram" xmlns:o="urn:schemas-microsoft-com:office:office" xmlns:v="urn:schemas-microsoft-com:vml" xmlns:pvml="urn:schemas-microsoft-com:office:powerpoint" xmlns:com="http://schemas.openxmlformats.org/drawingml/2006/compatibility" xmlns:p14="http://schemas.microsoft.com/office/powerpoint/2010/main" xmlns:p15="http://schemas.microsoft.com/office/powerpoint/2012/main" xmlns:ahyp="http://schemas.microsoft.com/office/drawing/2018/hyperlinkcolor">
+  <p:cSld>
+    <p:spTree>
+      <p:nvGrpSpPr>
+        <p:cNvPr id="235" name="Shape 235"/>
+        <p:cNvGrpSpPr/>
+        <p:nvPr/>
+      </p:nvGrpSpPr>
+      <p:grpSpPr>
+        <a:xfrm>
+          <a:off x="0" y="0"/>
+          <a:ext cx="0" cy="0"/>
+          <a:chOff x="0" y="0"/>
+          <a:chExt cx="0" cy="0"/>
+        </a:xfrm>
+      </p:grpSpPr>
+      <p:sp>
+        <p:nvSpPr>
+          <p:cNvPr id="236" name="Google Shape;236;p29"/>
+          <p:cNvSpPr txBox="1"/>
+          <p:nvPr>
+            <p:ph type="ctrTitle"/>
+          </p:nvPr>
+        </p:nvSpPr>
+        <p:spPr>
+          <a:xfrm flipH="1">
+            <a:off x="2754543" y="1347038"/>
+            <a:ext cx="5195700" cy="1921200"/>
+          </a:xfrm>
+          <a:prstGeom prst="rect">
+            <a:avLst/>
+          </a:prstGeom>
+          <a:noFill/>
+          <a:ln>
+            <a:noFill/>
+          </a:ln>
+        </p:spPr>
+        <p:txBody>
+          <a:bodyPr anchorCtr="0" anchor="ctr" bIns="91425" lIns="91425" spcFirstLastPara="1" rIns="91425" wrap="square" tIns="91425">
+            <a:noAutofit/>
+          </a:bodyPr>
+          <a:lstStyle/>
+          <a:p>
+            <a:pPr indent="0" lvl="0" marL="0" rtl="0" algn="r">
+              <a:lnSpc>
+                <a:spcPct val="100000"/>
+              </a:lnSpc>
+              <a:spcBef>
+                <a:spcPts val="0"/>
+              </a:spcBef>
+              <a:spcAft>
+                <a:spcPts val="0"/>
+              </a:spcAft>
+              <a:buSzPts val="1400"/>
+              <a:buNone/>
+            </a:pPr>
+            <a:r>
+              <a:rPr lang="en-GB"/>
+              <a:t>Decision Trees</a:t>
+            </a:r>
+            <a:endParaRPr/>
+          </a:p>
+        </p:txBody>
+      </p:sp>
+      <p:sp>
+        <p:nvSpPr>
+          <p:cNvPr id="237" name="Google Shape;237;p29"/>
+          <p:cNvSpPr txBox="1"/>
+          <p:nvPr>
+            <p:ph idx="2" type="title"/>
+          </p:nvPr>
+        </p:nvSpPr>
+        <p:spPr>
+          <a:xfrm flipH="1">
+            <a:off x="4970943" y="1035213"/>
+            <a:ext cx="2979300" cy="754500"/>
+          </a:xfrm>
+          <a:prstGeom prst="rect">
+            <a:avLst/>
+          </a:prstGeom>
+          <a:noFill/>
+          <a:ln>
+            <a:noFill/>
+          </a:ln>
+        </p:spPr>
+        <p:txBody>
+          <a:bodyPr anchorCtr="0" anchor="ctr" bIns="91425" lIns="91425" spcFirstLastPara="1" rIns="91425" wrap="square" tIns="91425">
+            <a:noAutofit/>
+          </a:bodyPr>
+          <a:lstStyle/>
+          <a:p>
+            <a:pPr indent="0" lvl="0" marL="0" rtl="0" algn="r">
+              <a:lnSpc>
+                <a:spcPct val="100000"/>
+              </a:lnSpc>
+              <a:spcBef>
+                <a:spcPts val="0"/>
+              </a:spcBef>
+              <a:spcAft>
+                <a:spcPts val="0"/>
+              </a:spcAft>
+              <a:buSzPts val="9600"/>
+              <a:buNone/>
+            </a:pPr>
+            <a:r>
+              <a:rPr lang="en-GB">
+                <a:solidFill>
+                  <a:srgbClr val="C3996C"/>
+                </a:solidFill>
+              </a:rPr>
+              <a:t>03</a:t>
+            </a:r>
+            <a:endParaRPr>
+              <a:solidFill>
+                <a:srgbClr val="C3996C"/>
+              </a:solidFill>
+            </a:endParaRPr>
+          </a:p>
+        </p:txBody>
+      </p:sp>
+      <p:cxnSp>
+        <p:nvCxnSpPr>
+          <p:cNvPr id="238" name="Google Shape;238;p29"/>
+          <p:cNvCxnSpPr/>
+          <p:nvPr/>
+        </p:nvCxnSpPr>
+        <p:spPr>
+          <a:xfrm>
+            <a:off x="7626825" y="2744700"/>
+            <a:ext cx="1560600" cy="0"/>
+          </a:xfrm>
+          <a:prstGeom prst="straightConnector1">
+            <a:avLst/>
+          </a:prstGeom>
+          <a:noFill/>
+          <a:ln cap="flat" cmpd="sng" w="9525">
+            <a:solidFill>
+              <a:schemeClr val="dk1"/>
             </a:solidFill>
             <a:prstDash val="solid"/>
             <a:round/>
@@ -12152,7 +14598,7 @@
             <a:tbl>
               <a:tblPr>
                 <a:noFill/>
-                <a:tableStyleId>{52DB007E-DB67-4E6E-A6C3-305A5A1FE441}</a:tableStyleId>
+                <a:tableStyleId>{26FBD333-0708-42DE-92EE-683403417A79}</a:tableStyleId>
               </a:tblPr>
               <a:tblGrid>
                 <a:gridCol w="1410150"/>
@@ -13054,6 +15500,713 @@
 </p:sld>
 </file>
 
+<file path=ppt/slides/slide20.xml><?xml version="1.0" encoding="utf-8"?>
+<p:sld xmlns:a="http://schemas.openxmlformats.org/drawingml/2006/main" xmlns:r="http://schemas.openxmlformats.org/officeDocument/2006/relationships" xmlns:mc="http://schemas.openxmlformats.org/markup-compatibility/2006" xmlns:mv="urn:schemas-microsoft-com:mac:vml" xmlns:p="http://schemas.openxmlformats.org/presentationml/2006/main" xmlns:c="http://schemas.openxmlformats.org/drawingml/2006/chart" xmlns:dgm="http://schemas.openxmlformats.org/drawingml/2006/diagram" xmlns:o="urn:schemas-microsoft-com:office:office" xmlns:v="urn:schemas-microsoft-com:vml" xmlns:pvml="urn:schemas-microsoft-com:office:powerpoint" xmlns:com="http://schemas.openxmlformats.org/drawingml/2006/compatibility" xmlns:p14="http://schemas.microsoft.com/office/powerpoint/2010/main" xmlns:p15="http://schemas.microsoft.com/office/powerpoint/2012/main" xmlns:ahyp="http://schemas.microsoft.com/office/drawing/2018/hyperlinkcolor">
+  <p:cSld>
+    <p:spTree>
+      <p:nvGrpSpPr>
+        <p:cNvPr id="242" name="Shape 242"/>
+        <p:cNvGrpSpPr/>
+        <p:nvPr/>
+      </p:nvGrpSpPr>
+      <p:grpSpPr>
+        <a:xfrm>
+          <a:off x="0" y="0"/>
+          <a:ext cx="0" cy="0"/>
+          <a:chOff x="0" y="0"/>
+          <a:chExt cx="0" cy="0"/>
+        </a:xfrm>
+      </p:grpSpPr>
+      <p:sp>
+        <p:nvSpPr>
+          <p:cNvPr id="243" name="Google Shape;243;p30"/>
+          <p:cNvSpPr txBox="1"/>
+          <p:nvPr>
+            <p:ph type="ctrTitle"/>
+          </p:nvPr>
+        </p:nvSpPr>
+        <p:spPr>
+          <a:xfrm flipH="1">
+            <a:off x="1287820" y="1694404"/>
+            <a:ext cx="6520485" cy="1365300"/>
+          </a:xfrm>
+          <a:prstGeom prst="rect">
+            <a:avLst/>
+          </a:prstGeom>
+          <a:noFill/>
+          <a:ln>
+            <a:noFill/>
+          </a:ln>
+        </p:spPr>
+        <p:txBody>
+          <a:bodyPr anchorCtr="0" anchor="b" bIns="91425" lIns="91425" spcFirstLastPara="1" rIns="91425" wrap="square" tIns="91425">
+            <a:noAutofit/>
+          </a:bodyPr>
+          <a:lstStyle/>
+          <a:p>
+            <a:pPr indent="0" lvl="0" marL="0" rtl="0" algn="ctr">
+              <a:lnSpc>
+                <a:spcPct val="100000"/>
+              </a:lnSpc>
+              <a:spcBef>
+                <a:spcPts val="0"/>
+              </a:spcBef>
+              <a:spcAft>
+                <a:spcPts val="0"/>
+              </a:spcAft>
+              <a:buSzPts val="4800"/>
+              <a:buNone/>
+            </a:pPr>
+            <a:r>
+              <a:rPr lang="en-GB"/>
+              <a:t>Birlikte #Kodluyoruz</a:t>
+            </a:r>
+            <a:endParaRPr/>
+          </a:p>
+        </p:txBody>
+      </p:sp>
+      <p:cxnSp>
+        <p:nvCxnSpPr>
+          <p:cNvPr id="244" name="Google Shape;244;p30"/>
+          <p:cNvCxnSpPr/>
+          <p:nvPr/>
+        </p:nvCxnSpPr>
+        <p:spPr>
+          <a:xfrm rot="10800000">
+            <a:off x="8156400" y="630088"/>
+            <a:ext cx="1236300" cy="0"/>
+          </a:xfrm>
+          <a:prstGeom prst="straightConnector1">
+            <a:avLst/>
+          </a:prstGeom>
+          <a:noFill/>
+          <a:ln cap="flat" cmpd="sng" w="9525">
+            <a:solidFill>
+              <a:schemeClr val="dk2"/>
+            </a:solidFill>
+            <a:prstDash val="solid"/>
+            <a:round/>
+            <a:headEnd len="sm" w="sm" type="none"/>
+            <a:tailEnd len="sm" w="sm" type="none"/>
+          </a:ln>
+        </p:spPr>
+      </p:cxnSp>
+      <p:cxnSp>
+        <p:nvCxnSpPr>
+          <p:cNvPr id="245" name="Google Shape;245;p30"/>
+          <p:cNvCxnSpPr/>
+          <p:nvPr/>
+        </p:nvCxnSpPr>
+        <p:spPr>
+          <a:xfrm rot="10800000">
+            <a:off x="-125" y="4765850"/>
+            <a:ext cx="958500" cy="0"/>
+          </a:xfrm>
+          <a:prstGeom prst="straightConnector1">
+            <a:avLst/>
+          </a:prstGeom>
+          <a:noFill/>
+          <a:ln cap="flat" cmpd="sng" w="9525">
+            <a:solidFill>
+              <a:schemeClr val="dk2"/>
+            </a:solidFill>
+            <a:prstDash val="solid"/>
+            <a:round/>
+            <a:headEnd len="sm" w="sm" type="none"/>
+            <a:tailEnd len="sm" w="sm" type="none"/>
+          </a:ln>
+        </p:spPr>
+      </p:cxnSp>
+      <p:pic>
+        <p:nvPicPr>
+          <p:cNvPr descr="A picture containing icon&#10;&#10;Description automatically generated" id="246" name="Google Shape;246;p30"/>
+          <p:cNvPicPr preferRelativeResize="0"/>
+          <p:nvPr/>
+        </p:nvPicPr>
+        <p:blipFill rotWithShape="1">
+          <a:blip r:embed="rId3">
+            <a:alphaModFix/>
+          </a:blip>
+          <a:srcRect b="0" l="0" r="0" t="0"/>
+          <a:stretch/>
+        </p:blipFill>
+        <p:spPr>
+          <a:xfrm rot="1301062">
+            <a:off x="7258681" y="1844285"/>
+            <a:ext cx="740556" cy="740556"/>
+          </a:xfrm>
+          <a:prstGeom prst="rect">
+            <a:avLst/>
+          </a:prstGeom>
+          <a:noFill/>
+          <a:ln>
+            <a:noFill/>
+          </a:ln>
+        </p:spPr>
+      </p:pic>
+    </p:spTree>
+  </p:cSld>
+  <p:clrMapOvr>
+    <a:masterClrMapping/>
+  </p:clrMapOvr>
+</p:sld>
+</file>
+
+<file path=ppt/slides/slide21.xml><?xml version="1.0" encoding="utf-8"?>
+<p:sld xmlns:a="http://schemas.openxmlformats.org/drawingml/2006/main" xmlns:r="http://schemas.openxmlformats.org/officeDocument/2006/relationships" xmlns:mc="http://schemas.openxmlformats.org/markup-compatibility/2006" xmlns:mv="urn:schemas-microsoft-com:mac:vml" xmlns:p="http://schemas.openxmlformats.org/presentationml/2006/main" xmlns:c="http://schemas.openxmlformats.org/drawingml/2006/chart" xmlns:dgm="http://schemas.openxmlformats.org/drawingml/2006/diagram" xmlns:o="urn:schemas-microsoft-com:office:office" xmlns:v="urn:schemas-microsoft-com:vml" xmlns:pvml="urn:schemas-microsoft-com:office:powerpoint" xmlns:com="http://schemas.openxmlformats.org/drawingml/2006/compatibility" xmlns:p14="http://schemas.microsoft.com/office/powerpoint/2010/main" xmlns:p15="http://schemas.microsoft.com/office/powerpoint/2012/main" xmlns:ahyp="http://schemas.microsoft.com/office/drawing/2018/hyperlinkcolor">
+  <p:cSld>
+    <p:spTree>
+      <p:nvGrpSpPr>
+        <p:cNvPr id="250" name="Shape 250"/>
+        <p:cNvGrpSpPr/>
+        <p:nvPr/>
+      </p:nvGrpSpPr>
+      <p:grpSpPr>
+        <a:xfrm>
+          <a:off x="0" y="0"/>
+          <a:ext cx="0" cy="0"/>
+          <a:chOff x="0" y="0"/>
+          <a:chExt cx="0" cy="0"/>
+        </a:xfrm>
+      </p:grpSpPr>
+      <p:sp>
+        <p:nvSpPr>
+          <p:cNvPr id="251" name="Google Shape;251;p31"/>
+          <p:cNvSpPr txBox="1"/>
+          <p:nvPr>
+            <p:ph type="ctrTitle"/>
+          </p:nvPr>
+        </p:nvSpPr>
+        <p:spPr>
+          <a:xfrm flipH="1">
+            <a:off x="1180002" y="1347038"/>
+            <a:ext cx="7172145" cy="1921200"/>
+          </a:xfrm>
+          <a:prstGeom prst="rect">
+            <a:avLst/>
+          </a:prstGeom>
+          <a:noFill/>
+          <a:ln>
+            <a:noFill/>
+          </a:ln>
+        </p:spPr>
+        <p:txBody>
+          <a:bodyPr anchorCtr="0" anchor="ctr" bIns="91425" lIns="91425" spcFirstLastPara="1" rIns="91425" wrap="square" tIns="91425">
+            <a:noAutofit/>
+          </a:bodyPr>
+          <a:lstStyle/>
+          <a:p>
+            <a:pPr indent="0" lvl="0" marL="0" rtl="0" algn="l">
+              <a:lnSpc>
+                <a:spcPct val="100000"/>
+              </a:lnSpc>
+              <a:spcBef>
+                <a:spcPts val="0"/>
+              </a:spcBef>
+              <a:spcAft>
+                <a:spcPts val="0"/>
+              </a:spcAft>
+              <a:buSzPts val="1400"/>
+              <a:buNone/>
+            </a:pPr>
+            <a:r>
+              <a:rPr lang="en-GB"/>
+              <a:t>Random Forest</a:t>
+            </a:r>
+            <a:endParaRPr/>
+          </a:p>
+        </p:txBody>
+      </p:sp>
+      <p:sp>
+        <p:nvSpPr>
+          <p:cNvPr id="252" name="Google Shape;252;p31"/>
+          <p:cNvSpPr txBox="1"/>
+          <p:nvPr>
+            <p:ph idx="2" type="title"/>
+          </p:nvPr>
+        </p:nvSpPr>
+        <p:spPr>
+          <a:xfrm flipH="1">
+            <a:off x="1180003" y="1035213"/>
+            <a:ext cx="2979300" cy="754500"/>
+          </a:xfrm>
+          <a:prstGeom prst="rect">
+            <a:avLst/>
+          </a:prstGeom>
+          <a:noFill/>
+          <a:ln>
+            <a:noFill/>
+          </a:ln>
+        </p:spPr>
+        <p:txBody>
+          <a:bodyPr anchorCtr="0" anchor="ctr" bIns="91425" lIns="91425" spcFirstLastPara="1" rIns="91425" wrap="square" tIns="91425">
+            <a:noAutofit/>
+          </a:bodyPr>
+          <a:lstStyle/>
+          <a:p>
+            <a:pPr indent="0" lvl="0" marL="0" rtl="0" algn="l">
+              <a:lnSpc>
+                <a:spcPct val="100000"/>
+              </a:lnSpc>
+              <a:spcBef>
+                <a:spcPts val="0"/>
+              </a:spcBef>
+              <a:spcAft>
+                <a:spcPts val="0"/>
+              </a:spcAft>
+              <a:buSzPts val="9600"/>
+              <a:buNone/>
+            </a:pPr>
+            <a:r>
+              <a:rPr lang="en-GB">
+                <a:solidFill>
+                  <a:srgbClr val="C3996C"/>
+                </a:solidFill>
+              </a:rPr>
+              <a:t>04</a:t>
+            </a:r>
+            <a:endParaRPr>
+              <a:solidFill>
+                <a:srgbClr val="C3996C"/>
+              </a:solidFill>
+            </a:endParaRPr>
+          </a:p>
+        </p:txBody>
+      </p:sp>
+      <p:cxnSp>
+        <p:nvCxnSpPr>
+          <p:cNvPr id="253" name="Google Shape;253;p31"/>
+          <p:cNvCxnSpPr/>
+          <p:nvPr/>
+        </p:nvCxnSpPr>
+        <p:spPr>
+          <a:xfrm>
+            <a:off x="0" y="2737950"/>
+            <a:ext cx="1676700" cy="0"/>
+          </a:xfrm>
+          <a:prstGeom prst="straightConnector1">
+            <a:avLst/>
+          </a:prstGeom>
+          <a:noFill/>
+          <a:ln cap="flat" cmpd="sng" w="9525">
+            <a:solidFill>
+              <a:schemeClr val="dk1"/>
+            </a:solidFill>
+            <a:prstDash val="solid"/>
+            <a:round/>
+            <a:headEnd len="sm" w="sm" type="none"/>
+            <a:tailEnd len="sm" w="sm" type="none"/>
+          </a:ln>
+        </p:spPr>
+      </p:cxnSp>
+    </p:spTree>
+  </p:cSld>
+  <p:clrMapOvr>
+    <a:masterClrMapping/>
+  </p:clrMapOvr>
+</p:sld>
+</file>
+
+<file path=ppt/slides/slide22.xml><?xml version="1.0" encoding="utf-8"?>
+<p:sld xmlns:a="http://schemas.openxmlformats.org/drawingml/2006/main" xmlns:r="http://schemas.openxmlformats.org/officeDocument/2006/relationships" xmlns:mc="http://schemas.openxmlformats.org/markup-compatibility/2006" xmlns:mv="urn:schemas-microsoft-com:mac:vml" xmlns:p="http://schemas.openxmlformats.org/presentationml/2006/main" xmlns:c="http://schemas.openxmlformats.org/drawingml/2006/chart" xmlns:dgm="http://schemas.openxmlformats.org/drawingml/2006/diagram" xmlns:o="urn:schemas-microsoft-com:office:office" xmlns:v="urn:schemas-microsoft-com:vml" xmlns:pvml="urn:schemas-microsoft-com:office:powerpoint" xmlns:com="http://schemas.openxmlformats.org/drawingml/2006/compatibility" xmlns:p14="http://schemas.microsoft.com/office/powerpoint/2010/main" xmlns:p15="http://schemas.microsoft.com/office/powerpoint/2012/main" xmlns:ahyp="http://schemas.microsoft.com/office/drawing/2018/hyperlinkcolor">
+  <p:cSld>
+    <p:spTree>
+      <p:nvGrpSpPr>
+        <p:cNvPr id="257" name="Shape 257"/>
+        <p:cNvGrpSpPr/>
+        <p:nvPr/>
+      </p:nvGrpSpPr>
+      <p:grpSpPr>
+        <a:xfrm>
+          <a:off x="0" y="0"/>
+          <a:ext cx="0" cy="0"/>
+          <a:chOff x="0" y="0"/>
+          <a:chExt cx="0" cy="0"/>
+        </a:xfrm>
+      </p:grpSpPr>
+      <p:sp>
+        <p:nvSpPr>
+          <p:cNvPr id="258" name="Google Shape;258;p32"/>
+          <p:cNvSpPr txBox="1"/>
+          <p:nvPr>
+            <p:ph idx="1" type="subTitle"/>
+          </p:nvPr>
+        </p:nvSpPr>
+        <p:spPr>
+          <a:xfrm>
+            <a:off x="2152500" y="2494850"/>
+            <a:ext cx="4839000" cy="1003200"/>
+          </a:xfrm>
+          <a:prstGeom prst="rect">
+            <a:avLst/>
+          </a:prstGeom>
+          <a:noFill/>
+          <a:ln>
+            <a:noFill/>
+          </a:ln>
+        </p:spPr>
+        <p:txBody>
+          <a:bodyPr anchorCtr="0" anchor="t" bIns="91425" lIns="91425" spcFirstLastPara="1" rIns="91425" wrap="square" tIns="91425">
+            <a:noAutofit/>
+          </a:bodyPr>
+          <a:lstStyle/>
+          <a:p>
+            <a:pPr indent="0" lvl="0" marL="0" rtl="0" algn="ctr">
+              <a:lnSpc>
+                <a:spcPct val="100000"/>
+              </a:lnSpc>
+              <a:spcBef>
+                <a:spcPts val="0"/>
+              </a:spcBef>
+              <a:spcAft>
+                <a:spcPts val="0"/>
+              </a:spcAft>
+              <a:buClr>
+                <a:schemeClr val="dk1"/>
+              </a:buClr>
+              <a:buSzPts val="1100"/>
+              <a:buFont typeface="Arial"/>
+              <a:buNone/>
+            </a:pPr>
+            <a:r>
+              <a:t/>
+            </a:r>
+            <a:endParaRPr/>
+          </a:p>
+        </p:txBody>
+      </p:sp>
+      <p:sp>
+        <p:nvSpPr>
+          <p:cNvPr id="259" name="Google Shape;259;p32"/>
+          <p:cNvSpPr txBox="1"/>
+          <p:nvPr>
+            <p:ph type="ctrTitle"/>
+          </p:nvPr>
+        </p:nvSpPr>
+        <p:spPr>
+          <a:xfrm flipH="1">
+            <a:off x="3919950" y="1536300"/>
+            <a:ext cx="1304100" cy="790500"/>
+          </a:xfrm>
+          <a:prstGeom prst="rect">
+            <a:avLst/>
+          </a:prstGeom>
+          <a:noFill/>
+          <a:ln>
+            <a:noFill/>
+          </a:ln>
+        </p:spPr>
+        <p:txBody>
+          <a:bodyPr anchorCtr="0" anchor="b" bIns="91425" lIns="91425" spcFirstLastPara="1" rIns="91425" wrap="square" tIns="91425">
+            <a:noAutofit/>
+          </a:bodyPr>
+          <a:lstStyle/>
+          <a:p>
+            <a:pPr indent="0" lvl="0" marL="0" rtl="0" algn="l">
+              <a:lnSpc>
+                <a:spcPct val="100000"/>
+              </a:lnSpc>
+              <a:spcBef>
+                <a:spcPts val="0"/>
+              </a:spcBef>
+              <a:spcAft>
+                <a:spcPts val="0"/>
+              </a:spcAft>
+              <a:buSzPts val="4800"/>
+              <a:buNone/>
+            </a:pPr>
+            <a:r>
+              <a:rPr lang="en-GB"/>
+              <a:t>Q/A</a:t>
+            </a:r>
+            <a:endParaRPr/>
+          </a:p>
+        </p:txBody>
+      </p:sp>
+      <p:cxnSp>
+        <p:nvCxnSpPr>
+          <p:cNvPr id="260" name="Google Shape;260;p32"/>
+          <p:cNvCxnSpPr/>
+          <p:nvPr/>
+        </p:nvCxnSpPr>
+        <p:spPr>
+          <a:xfrm rot="10800000">
+            <a:off x="8156400" y="630088"/>
+            <a:ext cx="1236300" cy="0"/>
+          </a:xfrm>
+          <a:prstGeom prst="straightConnector1">
+            <a:avLst/>
+          </a:prstGeom>
+          <a:noFill/>
+          <a:ln cap="flat" cmpd="sng" w="9525">
+            <a:solidFill>
+              <a:schemeClr val="dk2"/>
+            </a:solidFill>
+            <a:prstDash val="solid"/>
+            <a:round/>
+            <a:headEnd len="sm" w="sm" type="none"/>
+            <a:tailEnd len="sm" w="sm" type="none"/>
+          </a:ln>
+        </p:spPr>
+      </p:cxnSp>
+      <p:cxnSp>
+        <p:nvCxnSpPr>
+          <p:cNvPr id="261" name="Google Shape;261;p32"/>
+          <p:cNvCxnSpPr/>
+          <p:nvPr/>
+        </p:nvCxnSpPr>
+        <p:spPr>
+          <a:xfrm rot="10800000">
+            <a:off x="-125" y="4765850"/>
+            <a:ext cx="958500" cy="0"/>
+          </a:xfrm>
+          <a:prstGeom prst="straightConnector1">
+            <a:avLst/>
+          </a:prstGeom>
+          <a:noFill/>
+          <a:ln cap="flat" cmpd="sng" w="9525">
+            <a:solidFill>
+              <a:schemeClr val="dk2"/>
+            </a:solidFill>
+            <a:prstDash val="solid"/>
+            <a:round/>
+            <a:headEnd len="sm" w="sm" type="none"/>
+            <a:tailEnd len="sm" w="sm" type="none"/>
+          </a:ln>
+        </p:spPr>
+      </p:cxnSp>
+    </p:spTree>
+  </p:cSld>
+  <p:clrMapOvr>
+    <a:masterClrMapping/>
+  </p:clrMapOvr>
+</p:sld>
+</file>
+
+<file path=ppt/slides/slide23.xml><?xml version="1.0" encoding="utf-8"?>
+<p:sld xmlns:a="http://schemas.openxmlformats.org/drawingml/2006/main" xmlns:r="http://schemas.openxmlformats.org/officeDocument/2006/relationships" xmlns:mc="http://schemas.openxmlformats.org/markup-compatibility/2006" xmlns:mv="urn:schemas-microsoft-com:mac:vml" xmlns:p="http://schemas.openxmlformats.org/presentationml/2006/main" xmlns:c="http://schemas.openxmlformats.org/drawingml/2006/chart" xmlns:dgm="http://schemas.openxmlformats.org/drawingml/2006/diagram" xmlns:o="urn:schemas-microsoft-com:office:office" xmlns:v="urn:schemas-microsoft-com:vml" xmlns:pvml="urn:schemas-microsoft-com:office:powerpoint" xmlns:com="http://schemas.openxmlformats.org/drawingml/2006/compatibility" xmlns:p14="http://schemas.microsoft.com/office/powerpoint/2010/main" xmlns:p15="http://schemas.microsoft.com/office/powerpoint/2012/main" xmlns:ahyp="http://schemas.microsoft.com/office/drawing/2018/hyperlinkcolor">
+  <p:cSld>
+    <p:spTree>
+      <p:nvGrpSpPr>
+        <p:cNvPr id="265" name="Shape 265"/>
+        <p:cNvGrpSpPr/>
+        <p:nvPr/>
+      </p:nvGrpSpPr>
+      <p:grpSpPr>
+        <a:xfrm>
+          <a:off x="0" y="0"/>
+          <a:ext cx="0" cy="0"/>
+          <a:chOff x="0" y="0"/>
+          <a:chExt cx="0" cy="0"/>
+        </a:xfrm>
+      </p:grpSpPr>
+      <p:sp>
+        <p:nvSpPr>
+          <p:cNvPr id="266" name="Google Shape;266;p33"/>
+          <p:cNvSpPr txBox="1"/>
+          <p:nvPr>
+            <p:ph idx="1" type="subTitle"/>
+          </p:nvPr>
+        </p:nvSpPr>
+        <p:spPr>
+          <a:xfrm>
+            <a:off x="2152500" y="2494850"/>
+            <a:ext cx="4839000" cy="1003200"/>
+          </a:xfrm>
+          <a:prstGeom prst="rect">
+            <a:avLst/>
+          </a:prstGeom>
+          <a:noFill/>
+          <a:ln>
+            <a:noFill/>
+          </a:ln>
+        </p:spPr>
+        <p:txBody>
+          <a:bodyPr anchorCtr="0" anchor="t" bIns="91425" lIns="91425" spcFirstLastPara="1" rIns="91425" wrap="square" tIns="91425">
+            <a:noAutofit/>
+          </a:bodyPr>
+          <a:lstStyle/>
+          <a:p>
+            <a:pPr indent="0" lvl="0" marL="0" rtl="0" algn="ctr">
+              <a:lnSpc>
+                <a:spcPct val="100000"/>
+              </a:lnSpc>
+              <a:spcBef>
+                <a:spcPts val="0"/>
+              </a:spcBef>
+              <a:spcAft>
+                <a:spcPts val="0"/>
+              </a:spcAft>
+              <a:buClr>
+                <a:schemeClr val="dk1"/>
+              </a:buClr>
+              <a:buSzPts val="1100"/>
+              <a:buFont typeface="Arial"/>
+              <a:buNone/>
+            </a:pPr>
+            <a:r>
+              <a:rPr lang="en-GB"/>
+              <a:t>Does anyone have any questions?</a:t>
+            </a:r>
+            <a:endParaRPr/>
+          </a:p>
+          <a:p>
+            <a:pPr indent="0" lvl="0" marL="0" rtl="0" algn="ctr">
+              <a:lnSpc>
+                <a:spcPct val="100000"/>
+              </a:lnSpc>
+              <a:spcBef>
+                <a:spcPts val="0"/>
+              </a:spcBef>
+              <a:spcAft>
+                <a:spcPts val="0"/>
+              </a:spcAft>
+              <a:buClr>
+                <a:schemeClr val="dk1"/>
+              </a:buClr>
+              <a:buSzPts val="1100"/>
+              <a:buFont typeface="Arial"/>
+              <a:buNone/>
+            </a:pPr>
+            <a:r>
+              <a:t/>
+            </a:r>
+            <a:endParaRPr/>
+          </a:p>
+          <a:p>
+            <a:pPr indent="0" lvl="0" marL="0" rtl="0" algn="ctr">
+              <a:lnSpc>
+                <a:spcPct val="100000"/>
+              </a:lnSpc>
+              <a:spcBef>
+                <a:spcPts val="0"/>
+              </a:spcBef>
+              <a:spcAft>
+                <a:spcPts val="0"/>
+              </a:spcAft>
+              <a:buClr>
+                <a:schemeClr val="dk1"/>
+              </a:buClr>
+              <a:buSzPts val="1100"/>
+              <a:buFont typeface="Arial"/>
+              <a:buNone/>
+            </a:pPr>
+            <a:r>
+              <a:rPr lang="en-GB"/>
+              <a:t>carbonconsulting.com</a:t>
+            </a:r>
+            <a:endParaRPr/>
+          </a:p>
+        </p:txBody>
+      </p:sp>
+      <p:sp>
+        <p:nvSpPr>
+          <p:cNvPr id="267" name="Google Shape;267;p33"/>
+          <p:cNvSpPr txBox="1"/>
+          <p:nvPr>
+            <p:ph type="ctrTitle"/>
+          </p:nvPr>
+        </p:nvSpPr>
+        <p:spPr>
+          <a:xfrm flipH="1">
+            <a:off x="1974150" y="1161000"/>
+            <a:ext cx="5195700" cy="1365300"/>
+          </a:xfrm>
+          <a:prstGeom prst="rect">
+            <a:avLst/>
+          </a:prstGeom>
+          <a:noFill/>
+          <a:ln>
+            <a:noFill/>
+          </a:ln>
+        </p:spPr>
+        <p:txBody>
+          <a:bodyPr anchorCtr="0" anchor="b" bIns="91425" lIns="91425" spcFirstLastPara="1" rIns="91425" wrap="square" tIns="91425">
+            <a:noAutofit/>
+          </a:bodyPr>
+          <a:lstStyle/>
+          <a:p>
+            <a:pPr indent="0" lvl="0" marL="0" rtl="0" algn="ctr">
+              <a:lnSpc>
+                <a:spcPct val="100000"/>
+              </a:lnSpc>
+              <a:spcBef>
+                <a:spcPts val="0"/>
+              </a:spcBef>
+              <a:spcAft>
+                <a:spcPts val="0"/>
+              </a:spcAft>
+              <a:buSzPts val="4800"/>
+              <a:buNone/>
+            </a:pPr>
+            <a:r>
+              <a:rPr lang="en-GB"/>
+              <a:t>THANKS</a:t>
+            </a:r>
+            <a:endParaRPr/>
+          </a:p>
+        </p:txBody>
+      </p:sp>
+      <p:cxnSp>
+        <p:nvCxnSpPr>
+          <p:cNvPr id="268" name="Google Shape;268;p33"/>
+          <p:cNvCxnSpPr/>
+          <p:nvPr/>
+        </p:nvCxnSpPr>
+        <p:spPr>
+          <a:xfrm rot="10800000">
+            <a:off x="8156400" y="630088"/>
+            <a:ext cx="1236300" cy="0"/>
+          </a:xfrm>
+          <a:prstGeom prst="straightConnector1">
+            <a:avLst/>
+          </a:prstGeom>
+          <a:noFill/>
+          <a:ln cap="flat" cmpd="sng" w="9525">
+            <a:solidFill>
+              <a:schemeClr val="dk2"/>
+            </a:solidFill>
+            <a:prstDash val="solid"/>
+            <a:round/>
+            <a:headEnd len="sm" w="sm" type="none"/>
+            <a:tailEnd len="sm" w="sm" type="none"/>
+          </a:ln>
+        </p:spPr>
+      </p:cxnSp>
+      <p:cxnSp>
+        <p:nvCxnSpPr>
+          <p:cNvPr id="269" name="Google Shape;269;p33"/>
+          <p:cNvCxnSpPr/>
+          <p:nvPr/>
+        </p:nvCxnSpPr>
+        <p:spPr>
+          <a:xfrm rot="10800000">
+            <a:off x="-125" y="4765850"/>
+            <a:ext cx="958500" cy="0"/>
+          </a:xfrm>
+          <a:prstGeom prst="straightConnector1">
+            <a:avLst/>
+          </a:prstGeom>
+          <a:noFill/>
+          <a:ln cap="flat" cmpd="sng" w="9525">
+            <a:solidFill>
+              <a:schemeClr val="dk2"/>
+            </a:solidFill>
+            <a:prstDash val="solid"/>
+            <a:round/>
+            <a:headEnd len="sm" w="sm" type="none"/>
+            <a:tailEnd len="sm" w="sm" type="none"/>
+          </a:ln>
+        </p:spPr>
+      </p:cxnSp>
+    </p:spTree>
+  </p:cSld>
+  <p:clrMapOvr>
+    <a:masterClrMapping/>
+  </p:clrMapOvr>
+</p:sld>
+</file>
+
 <file path=ppt/slides/slide3.xml><?xml version="1.0" encoding="utf-8"?>
 <p:sld xmlns:a="http://schemas.openxmlformats.org/drawingml/2006/main" xmlns:r="http://schemas.openxmlformats.org/officeDocument/2006/relationships" xmlns:mc="http://schemas.openxmlformats.org/markup-compatibility/2006" xmlns:mv="urn:schemas-microsoft-com:mac:vml" xmlns:p="http://schemas.openxmlformats.org/presentationml/2006/main" xmlns:c="http://schemas.openxmlformats.org/drawingml/2006/chart" xmlns:dgm="http://schemas.openxmlformats.org/drawingml/2006/diagram" xmlns:o="urn:schemas-microsoft-com:office:office" xmlns:v="urn:schemas-microsoft-com:vml" xmlns:pvml="urn:schemas-microsoft-com:office:powerpoint" xmlns:com="http://schemas.openxmlformats.org/drawingml/2006/compatibility" xmlns:p14="http://schemas.microsoft.com/office/powerpoint/2010/main" xmlns:p15="http://schemas.microsoft.com/office/powerpoint/2012/main" xmlns:ahyp="http://schemas.microsoft.com/office/drawing/2018/hyperlinkcolor">
   <p:cSld>
@@ -13240,8 +16393,8 @@
         </p:nvSpPr>
         <p:spPr>
           <a:xfrm>
-            <a:off x="1966450" y="352900"/>
-            <a:ext cx="5214300" cy="497100"/>
+            <a:off x="507625" y="415775"/>
+            <a:ext cx="7503000" cy="497100"/>
           </a:xfrm>
           <a:prstGeom prst="rect">
             <a:avLst/>
@@ -13257,7 +16410,7 @@
           </a:bodyPr>
           <a:lstStyle/>
           <a:p>
-            <a:pPr indent="0" lvl="0" marL="0" rtl="0" algn="ctr">
+            <a:pPr indent="0" lvl="0" marL="0" rtl="0" algn="l">
               <a:lnSpc>
                 <a:spcPct val="100000"/>
               </a:lnSpc>
@@ -13272,7 +16425,7 @@
             </a:pPr>
             <a:r>
               <a:rPr lang="en-GB"/>
-              <a:t>title</a:t>
+              <a:t>Linear Regression ( Simple Regression)</a:t>
             </a:r>
             <a:endParaRPr>
               <a:solidFill>
@@ -13444,6 +16597,463 @@
           </p:spPr>
         </p:pic>
       </p:grpSp>
+      <p:sp>
+        <p:nvSpPr>
+          <p:cNvPr id="99" name="Google Shape;99;p14"/>
+          <p:cNvSpPr txBox="1"/>
+          <p:nvPr>
+            <p:ph idx="4294967295" type="subTitle"/>
+          </p:nvPr>
+        </p:nvSpPr>
+        <p:spPr>
+          <a:xfrm>
+            <a:off x="507625" y="1302375"/>
+            <a:ext cx="8091600" cy="1416000"/>
+          </a:xfrm>
+          <a:prstGeom prst="rect">
+            <a:avLst/>
+          </a:prstGeom>
+          <a:noFill/>
+          <a:ln>
+            <a:noFill/>
+          </a:ln>
+        </p:spPr>
+        <p:txBody>
+          <a:bodyPr anchorCtr="0" anchor="t" bIns="91425" lIns="91425" spcFirstLastPara="1" rIns="91425" wrap="square" tIns="91425">
+            <a:spAutoFit/>
+          </a:bodyPr>
+          <a:lstStyle/>
+          <a:p>
+            <a:pPr indent="0" lvl="0" marL="0" rtl="0" algn="l">
+              <a:lnSpc>
+                <a:spcPct val="100000"/>
+              </a:lnSpc>
+              <a:spcBef>
+                <a:spcPts val="0"/>
+              </a:spcBef>
+              <a:spcAft>
+                <a:spcPts val="0"/>
+              </a:spcAft>
+              <a:buSzPts val="900"/>
+              <a:buNone/>
+            </a:pPr>
+            <a:r>
+              <a:rPr b="1" lang="en-GB" sz="1600">
+                <a:solidFill>
+                  <a:schemeClr val="accent6"/>
+                </a:solidFill>
+                <a:latin typeface="Times New Roman"/>
+                <a:ea typeface="Times New Roman"/>
+                <a:cs typeface="Times New Roman"/>
+                <a:sym typeface="Times New Roman"/>
+              </a:rPr>
+              <a:t>Linear Regression</a:t>
+            </a:r>
+            <a:r>
+              <a:rPr lang="en-GB" sz="1600">
+                <a:solidFill>
+                  <a:schemeClr val="accent6"/>
+                </a:solidFill>
+                <a:latin typeface="Times New Roman"/>
+                <a:ea typeface="Times New Roman"/>
+                <a:cs typeface="Times New Roman"/>
+                <a:sym typeface="Times New Roman"/>
+              </a:rPr>
+              <a:t>: </a:t>
+            </a:r>
+            <a:r>
+              <a:rPr lang="en-GB" sz="1600">
+                <a:solidFill>
+                  <a:schemeClr val="accent6"/>
+                </a:solidFill>
+                <a:latin typeface="Times New Roman"/>
+                <a:ea typeface="Times New Roman"/>
+                <a:cs typeface="Times New Roman"/>
+                <a:sym typeface="Times New Roman"/>
+              </a:rPr>
+              <a:t>İki veya daha fazla değişken arasındaki ilişkinin bir doğru ile gösterilmesi</a:t>
+            </a:r>
+            <a:br>
+              <a:rPr lang="en-GB" sz="1600">
+                <a:solidFill>
+                  <a:schemeClr val="accent6"/>
+                </a:solidFill>
+                <a:latin typeface="Times New Roman"/>
+                <a:ea typeface="Times New Roman"/>
+                <a:cs typeface="Times New Roman"/>
+                <a:sym typeface="Times New Roman"/>
+              </a:rPr>
+            </a:br>
+            <a:br>
+              <a:rPr lang="en-GB" sz="1600">
+                <a:solidFill>
+                  <a:schemeClr val="accent6"/>
+                </a:solidFill>
+                <a:latin typeface="Times New Roman"/>
+                <a:ea typeface="Times New Roman"/>
+                <a:cs typeface="Times New Roman"/>
+                <a:sym typeface="Times New Roman"/>
+              </a:rPr>
+            </a:br>
+            <a:r>
+              <a:rPr b="1" lang="en-GB" sz="1600">
+                <a:solidFill>
+                  <a:schemeClr val="accent6"/>
+                </a:solidFill>
+                <a:latin typeface="Times New Roman"/>
+                <a:ea typeface="Times New Roman"/>
+                <a:cs typeface="Times New Roman"/>
+                <a:sym typeface="Times New Roman"/>
+              </a:rPr>
+              <a:t>Varsayım</a:t>
+            </a:r>
+            <a:r>
+              <a:rPr lang="en-GB" sz="1600">
+                <a:solidFill>
+                  <a:schemeClr val="accent6"/>
+                </a:solidFill>
+                <a:latin typeface="Times New Roman"/>
+                <a:ea typeface="Times New Roman"/>
+                <a:cs typeface="Times New Roman"/>
+                <a:sym typeface="Times New Roman"/>
+              </a:rPr>
+              <a:t>: Aradığımız </a:t>
+            </a:r>
+            <a:r>
+              <a:rPr b="1" i="1" lang="en-GB" sz="1600">
+                <a:solidFill>
+                  <a:schemeClr val="accent6"/>
+                </a:solidFill>
+                <a:latin typeface="Times New Roman"/>
+                <a:ea typeface="Times New Roman"/>
+                <a:cs typeface="Times New Roman"/>
+                <a:sym typeface="Times New Roman"/>
+              </a:rPr>
+              <a:t>f</a:t>
+            </a:r>
+            <a:r>
+              <a:rPr lang="en-GB" sz="1600">
+                <a:solidFill>
+                  <a:schemeClr val="accent6"/>
+                </a:solidFill>
+                <a:latin typeface="Times New Roman"/>
+                <a:ea typeface="Times New Roman"/>
+                <a:cs typeface="Times New Roman"/>
+                <a:sym typeface="Times New Roman"/>
+              </a:rPr>
+              <a:t> doğrusal bir fonksiyondur.</a:t>
+            </a:r>
+            <a:endParaRPr sz="1600">
+              <a:solidFill>
+                <a:schemeClr val="accent6"/>
+              </a:solidFill>
+              <a:latin typeface="Times New Roman"/>
+              <a:ea typeface="Times New Roman"/>
+              <a:cs typeface="Times New Roman"/>
+              <a:sym typeface="Times New Roman"/>
+            </a:endParaRPr>
+          </a:p>
+          <a:p>
+            <a:pPr indent="0" lvl="0" marL="0" rtl="0" algn="l">
+              <a:lnSpc>
+                <a:spcPct val="100000"/>
+              </a:lnSpc>
+              <a:spcBef>
+                <a:spcPts val="0"/>
+              </a:spcBef>
+              <a:spcAft>
+                <a:spcPts val="0"/>
+              </a:spcAft>
+              <a:buSzPts val="900"/>
+              <a:buNone/>
+            </a:pPr>
+            <a:br>
+              <a:rPr lang="en-GB" sz="1600">
+                <a:solidFill>
+                  <a:schemeClr val="accent6"/>
+                </a:solidFill>
+                <a:latin typeface="Times New Roman"/>
+                <a:ea typeface="Times New Roman"/>
+                <a:cs typeface="Times New Roman"/>
+                <a:sym typeface="Times New Roman"/>
+              </a:rPr>
+            </a:br>
+            <a:r>
+              <a:rPr lang="en-GB" sz="1600">
+                <a:solidFill>
+                  <a:schemeClr val="accent6"/>
+                </a:solidFill>
+                <a:latin typeface="Times New Roman"/>
+                <a:ea typeface="Times New Roman"/>
+                <a:cs typeface="Times New Roman"/>
+                <a:sym typeface="Times New Roman"/>
+              </a:rPr>
+              <a:t>Çıktımız (Y) ve girdimiz (X) bunların arasındaki ilişkinin doğrusal olduğunu düşünüyoruz.</a:t>
+            </a:r>
+            <a:endParaRPr sz="1600">
+              <a:solidFill>
+                <a:schemeClr val="accent6"/>
+              </a:solidFill>
+              <a:latin typeface="Times New Roman"/>
+              <a:ea typeface="Times New Roman"/>
+              <a:cs typeface="Times New Roman"/>
+              <a:sym typeface="Times New Roman"/>
+            </a:endParaRPr>
+          </a:p>
+        </p:txBody>
+      </p:sp>
+      <p:sp>
+        <p:nvSpPr>
+          <p:cNvPr id="100" name="Google Shape;100;p14"/>
+          <p:cNvSpPr txBox="1"/>
+          <p:nvPr>
+            <p:ph idx="4294967295" type="subTitle"/>
+          </p:nvPr>
+        </p:nvSpPr>
+        <p:spPr>
+          <a:xfrm>
+            <a:off x="2454375" y="2793925"/>
+            <a:ext cx="3333300" cy="431100"/>
+          </a:xfrm>
+          <a:prstGeom prst="rect">
+            <a:avLst/>
+          </a:prstGeom>
+          <a:noFill/>
+          <a:ln>
+            <a:noFill/>
+          </a:ln>
+        </p:spPr>
+        <p:txBody>
+          <a:bodyPr anchorCtr="0" anchor="t" bIns="91425" lIns="91425" spcFirstLastPara="1" rIns="91425" wrap="square" tIns="91425">
+            <a:spAutoFit/>
+          </a:bodyPr>
+          <a:lstStyle/>
+          <a:p>
+            <a:pPr indent="0" lvl="0" marL="0" rtl="0" algn="ctr">
+              <a:lnSpc>
+                <a:spcPct val="120000"/>
+              </a:lnSpc>
+              <a:spcBef>
+                <a:spcPts val="1100"/>
+              </a:spcBef>
+              <a:spcAft>
+                <a:spcPts val="1100"/>
+              </a:spcAft>
+              <a:buSzPts val="1100"/>
+              <a:buNone/>
+            </a:pPr>
+            <a:r>
+              <a:rPr b="1" i="1" lang="en-GB" sz="1600">
+                <a:solidFill>
+                  <a:schemeClr val="accent6"/>
+                </a:solidFill>
+                <a:latin typeface="Times New Roman"/>
+                <a:ea typeface="Times New Roman"/>
+                <a:cs typeface="Times New Roman"/>
+                <a:sym typeface="Times New Roman"/>
+              </a:rPr>
+              <a:t>Y </a:t>
+            </a:r>
+            <a:r>
+              <a:rPr b="1" lang="en-GB" sz="1600">
+                <a:solidFill>
+                  <a:schemeClr val="accent6"/>
+                </a:solidFill>
+                <a:latin typeface="Times New Roman"/>
+                <a:ea typeface="Times New Roman"/>
+                <a:cs typeface="Times New Roman"/>
+                <a:sym typeface="Times New Roman"/>
+              </a:rPr>
+              <a:t>= </a:t>
+            </a:r>
+            <a:r>
+              <a:rPr b="1" i="1" lang="en-GB" sz="1600">
+                <a:solidFill>
+                  <a:schemeClr val="accent6"/>
+                </a:solidFill>
+                <a:latin typeface="Times New Roman"/>
+                <a:ea typeface="Times New Roman"/>
+                <a:cs typeface="Times New Roman"/>
+                <a:sym typeface="Times New Roman"/>
+              </a:rPr>
+              <a:t>f</a:t>
+            </a:r>
+            <a:r>
+              <a:rPr b="1" lang="en-GB" sz="1600">
+                <a:solidFill>
+                  <a:schemeClr val="accent6"/>
+                </a:solidFill>
+                <a:latin typeface="Times New Roman"/>
+                <a:ea typeface="Times New Roman"/>
+                <a:cs typeface="Times New Roman"/>
+                <a:sym typeface="Times New Roman"/>
+              </a:rPr>
+              <a:t>(</a:t>
+            </a:r>
+            <a:r>
+              <a:rPr b="1" i="1" lang="en-GB" sz="1600">
+                <a:solidFill>
+                  <a:schemeClr val="accent6"/>
+                </a:solidFill>
+                <a:latin typeface="Times New Roman"/>
+                <a:ea typeface="Times New Roman"/>
+                <a:cs typeface="Times New Roman"/>
+                <a:sym typeface="Times New Roman"/>
+              </a:rPr>
+              <a:t>X</a:t>
+            </a:r>
+            <a:r>
+              <a:rPr b="1" lang="en-GB" sz="1600">
+                <a:solidFill>
+                  <a:schemeClr val="accent6"/>
+                </a:solidFill>
+                <a:latin typeface="Times New Roman"/>
+                <a:ea typeface="Times New Roman"/>
+                <a:cs typeface="Times New Roman"/>
+                <a:sym typeface="Times New Roman"/>
+              </a:rPr>
+              <a:t>) + </a:t>
+            </a:r>
+            <a:r>
+              <a:rPr b="1" i="1" lang="en-GB" sz="1600">
+                <a:solidFill>
+                  <a:schemeClr val="accent6"/>
+                </a:solidFill>
+                <a:latin typeface="Times New Roman"/>
+                <a:ea typeface="Times New Roman"/>
+                <a:cs typeface="Times New Roman"/>
+                <a:sym typeface="Times New Roman"/>
+              </a:rPr>
+              <a:t>e</a:t>
+            </a:r>
+            <a:endParaRPr sz="1600"/>
+          </a:p>
+        </p:txBody>
+      </p:sp>
+      <p:sp>
+        <p:nvSpPr>
+          <p:cNvPr id="101" name="Google Shape;101;p14"/>
+          <p:cNvSpPr txBox="1"/>
+          <p:nvPr/>
+        </p:nvSpPr>
+        <p:spPr>
+          <a:xfrm>
+            <a:off x="500925" y="3327475"/>
+            <a:ext cx="5286900" cy="831300"/>
+          </a:xfrm>
+          <a:prstGeom prst="rect">
+            <a:avLst/>
+          </a:prstGeom>
+          <a:noFill/>
+          <a:ln>
+            <a:noFill/>
+          </a:ln>
+        </p:spPr>
+        <p:txBody>
+          <a:bodyPr anchorCtr="0" anchor="t" bIns="91425" lIns="91425" spcFirstLastPara="1" rIns="91425" wrap="square" tIns="91425">
+            <a:spAutoFit/>
+          </a:bodyPr>
+          <a:lstStyle/>
+          <a:p>
+            <a:pPr indent="0" lvl="0" marL="0" rtl="0" algn="l">
+              <a:spcBef>
+                <a:spcPts val="0"/>
+              </a:spcBef>
+              <a:spcAft>
+                <a:spcPts val="0"/>
+              </a:spcAft>
+              <a:buNone/>
+            </a:pPr>
+            <a:r>
+              <a:rPr lang="en-GB">
+                <a:latin typeface="Roboto Condensed Light"/>
+                <a:ea typeface="Roboto Condensed Light"/>
+                <a:cs typeface="Roboto Condensed Light"/>
+                <a:sym typeface="Roboto Condensed Light"/>
+              </a:rPr>
+              <a:t>Girdimize ß1(coefficient gibi bir katsayı ile çarpıp ß0(intercept) ekliyoruz.</a:t>
+            </a:r>
+            <a:br>
+              <a:rPr lang="en-GB">
+                <a:latin typeface="Roboto Condensed Light"/>
+                <a:ea typeface="Roboto Condensed Light"/>
+                <a:cs typeface="Roboto Condensed Light"/>
+                <a:sym typeface="Roboto Condensed Light"/>
+              </a:rPr>
+            </a:br>
+            <a:br>
+              <a:rPr lang="en-GB">
+                <a:latin typeface="Roboto Condensed Light"/>
+                <a:ea typeface="Roboto Condensed Light"/>
+                <a:cs typeface="Roboto Condensed Light"/>
+                <a:sym typeface="Roboto Condensed Light"/>
+              </a:rPr>
+            </a:br>
+            <a:endParaRPr>
+              <a:latin typeface="Roboto Condensed Light"/>
+              <a:ea typeface="Roboto Condensed Light"/>
+              <a:cs typeface="Roboto Condensed Light"/>
+              <a:sym typeface="Roboto Condensed Light"/>
+            </a:endParaRPr>
+          </a:p>
+        </p:txBody>
+      </p:sp>
+      <p:pic>
+        <p:nvPicPr>
+          <p:cNvPr id="102" name="Google Shape;102;p14"/>
+          <p:cNvPicPr preferRelativeResize="0"/>
+          <p:nvPr/>
+        </p:nvPicPr>
+        <p:blipFill>
+          <a:blip r:embed="rId6">
+            <a:alphaModFix/>
+          </a:blip>
+          <a:stretch>
+            <a:fillRect/>
+          </a:stretch>
+        </p:blipFill>
+        <p:spPr>
+          <a:xfrm>
+            <a:off x="3477788" y="3869875"/>
+            <a:ext cx="1562682" cy="288900"/>
+          </a:xfrm>
+          <a:prstGeom prst="rect">
+            <a:avLst/>
+          </a:prstGeom>
+          <a:noFill/>
+          <a:ln>
+            <a:noFill/>
+          </a:ln>
+        </p:spPr>
+      </p:pic>
+      <p:pic>
+        <p:nvPicPr>
+          <p:cNvPr id="103" name="Google Shape;103;p14"/>
+          <p:cNvPicPr preferRelativeResize="0"/>
+          <p:nvPr/>
+        </p:nvPicPr>
+        <p:blipFill>
+          <a:blip r:embed="rId7">
+            <a:alphaModFix/>
+          </a:blip>
+          <a:stretch>
+            <a:fillRect/>
+          </a:stretch>
+        </p:blipFill>
+        <p:spPr>
+          <a:xfrm>
+            <a:off x="3477789" y="4511375"/>
+            <a:ext cx="1800225" cy="209550"/>
+          </a:xfrm>
+          <a:prstGeom prst="rect">
+            <a:avLst/>
+          </a:prstGeom>
+          <a:noFill/>
+          <a:ln>
+            <a:noFill/>
+          </a:ln>
+        </p:spPr>
+      </p:pic>
     </p:spTree>
   </p:cSld>
   <p:clrMapOvr>
@@ -13457,7 +17067,7 @@
   <p:cSld>
     <p:spTree>
       <p:nvGrpSpPr>
-        <p:cNvPr id="102" name="Shape 102"/>
+        <p:cNvPr id="107" name="Shape 107"/>
         <p:cNvGrpSpPr/>
         <p:nvPr/>
       </p:nvGrpSpPr>
@@ -13471,162 +17081,7 @@
       </p:grpSpPr>
       <p:sp>
         <p:nvSpPr>
-          <p:cNvPr id="103" name="Google Shape;103;p15"/>
-          <p:cNvSpPr txBox="1"/>
-          <p:nvPr>
-            <p:ph type="ctrTitle"/>
-          </p:nvPr>
-        </p:nvSpPr>
-        <p:spPr>
-          <a:xfrm flipH="1">
-            <a:off x="1112363" y="2635675"/>
-            <a:ext cx="6831116" cy="1921200"/>
-          </a:xfrm>
-          <a:prstGeom prst="rect">
-            <a:avLst/>
-          </a:prstGeom>
-          <a:noFill/>
-          <a:ln>
-            <a:noFill/>
-          </a:ln>
-        </p:spPr>
-        <p:txBody>
-          <a:bodyPr anchorCtr="0" anchor="ctr" bIns="91425" lIns="91425" spcFirstLastPara="1" rIns="91425" wrap="square" tIns="91425">
-            <a:noAutofit/>
-          </a:bodyPr>
-          <a:lstStyle/>
-          <a:p>
-            <a:pPr indent="0" lvl="0" marL="0" rtl="0" algn="r">
-              <a:lnSpc>
-                <a:spcPct val="100000"/>
-              </a:lnSpc>
-              <a:spcBef>
-                <a:spcPts val="0"/>
-              </a:spcBef>
-              <a:spcAft>
-                <a:spcPts val="0"/>
-              </a:spcAft>
-              <a:buSzPts val="1400"/>
-              <a:buNone/>
-            </a:pPr>
-            <a:r>
-              <a:rPr lang="en-GB"/>
-              <a:t>Logistic Regression</a:t>
-            </a:r>
-            <a:endParaRPr/>
-          </a:p>
-        </p:txBody>
-      </p:sp>
-      <p:sp>
-        <p:nvSpPr>
-          <p:cNvPr id="104" name="Google Shape;104;p15"/>
-          <p:cNvSpPr txBox="1"/>
-          <p:nvPr>
-            <p:ph idx="2" type="title"/>
-          </p:nvPr>
-        </p:nvSpPr>
-        <p:spPr>
-          <a:xfrm flipH="1">
-            <a:off x="4964179" y="2323850"/>
-            <a:ext cx="2979300" cy="754500"/>
-          </a:xfrm>
-          <a:prstGeom prst="rect">
-            <a:avLst/>
-          </a:prstGeom>
-          <a:noFill/>
-          <a:ln>
-            <a:noFill/>
-          </a:ln>
-        </p:spPr>
-        <p:txBody>
-          <a:bodyPr anchorCtr="0" anchor="ctr" bIns="91425" lIns="91425" spcFirstLastPara="1" rIns="91425" wrap="square" tIns="91425">
-            <a:noAutofit/>
-          </a:bodyPr>
-          <a:lstStyle/>
-          <a:p>
-            <a:pPr indent="0" lvl="0" marL="0" rtl="0" algn="r">
-              <a:lnSpc>
-                <a:spcPct val="100000"/>
-              </a:lnSpc>
-              <a:spcBef>
-                <a:spcPts val="0"/>
-              </a:spcBef>
-              <a:spcAft>
-                <a:spcPts val="0"/>
-              </a:spcAft>
-              <a:buSzPts val="9600"/>
-              <a:buNone/>
-            </a:pPr>
-            <a:r>
-              <a:rPr lang="en-GB">
-                <a:solidFill>
-                  <a:srgbClr val="C3996C"/>
-                </a:solidFill>
-              </a:rPr>
-              <a:t>02</a:t>
-            </a:r>
-            <a:endParaRPr>
-              <a:solidFill>
-                <a:srgbClr val="C3996C"/>
-              </a:solidFill>
-            </a:endParaRPr>
-          </a:p>
-        </p:txBody>
-      </p:sp>
-      <p:cxnSp>
-        <p:nvCxnSpPr>
-          <p:cNvPr id="105" name="Google Shape;105;p15"/>
-          <p:cNvCxnSpPr/>
-          <p:nvPr/>
-        </p:nvCxnSpPr>
-        <p:spPr>
-          <a:xfrm>
-            <a:off x="7578325" y="4028400"/>
-            <a:ext cx="1565700" cy="0"/>
-          </a:xfrm>
-          <a:prstGeom prst="straightConnector1">
-            <a:avLst/>
-          </a:prstGeom>
-          <a:noFill/>
-          <a:ln cap="flat" cmpd="sng" w="9525">
-            <a:solidFill>
-              <a:schemeClr val="dk1"/>
-            </a:solidFill>
-            <a:prstDash val="solid"/>
-            <a:round/>
-            <a:headEnd len="sm" w="sm" type="none"/>
-            <a:tailEnd len="sm" w="sm" type="none"/>
-          </a:ln>
-        </p:spPr>
-      </p:cxnSp>
-    </p:spTree>
-  </p:cSld>
-  <p:clrMapOvr>
-    <a:masterClrMapping/>
-  </p:clrMapOvr>
-</p:sld>
-</file>
-
-<file path=ppt/slides/slide6.xml><?xml version="1.0" encoding="utf-8"?>
-<p:sld xmlns:a="http://schemas.openxmlformats.org/drawingml/2006/main" xmlns:r="http://schemas.openxmlformats.org/officeDocument/2006/relationships" xmlns:mc="http://schemas.openxmlformats.org/markup-compatibility/2006" xmlns:mv="urn:schemas-microsoft-com:mac:vml" xmlns:p="http://schemas.openxmlformats.org/presentationml/2006/main" xmlns:c="http://schemas.openxmlformats.org/drawingml/2006/chart" xmlns:dgm="http://schemas.openxmlformats.org/drawingml/2006/diagram" xmlns:o="urn:schemas-microsoft-com:office:office" xmlns:v="urn:schemas-microsoft-com:vml" xmlns:pvml="urn:schemas-microsoft-com:office:powerpoint" xmlns:com="http://schemas.openxmlformats.org/drawingml/2006/compatibility" xmlns:p14="http://schemas.microsoft.com/office/powerpoint/2010/main" xmlns:p15="http://schemas.microsoft.com/office/powerpoint/2012/main" xmlns:ahyp="http://schemas.microsoft.com/office/drawing/2018/hyperlinkcolor">
-  <p:cSld>
-    <p:spTree>
-      <p:nvGrpSpPr>
-        <p:cNvPr id="109" name="Shape 109"/>
-        <p:cNvGrpSpPr/>
-        <p:nvPr/>
-      </p:nvGrpSpPr>
-      <p:grpSpPr>
-        <a:xfrm>
-          <a:off x="0" y="0"/>
-          <a:ext cx="0" cy="0"/>
-          <a:chOff x="0" y="0"/>
-          <a:chExt cx="0" cy="0"/>
-        </a:xfrm>
-      </p:grpSpPr>
-      <p:sp>
-        <p:nvSpPr>
-          <p:cNvPr id="110" name="Google Shape;110;p16"/>
+          <p:cNvPr id="108" name="Google Shape;108;p15"/>
           <p:cNvSpPr txBox="1"/>
           <p:nvPr>
             <p:ph type="ctrTitle"/>
@@ -13634,8 +17089,8 @@
         </p:nvSpPr>
         <p:spPr>
           <a:xfrm>
-            <a:off x="1966450" y="352900"/>
-            <a:ext cx="5214300" cy="497100"/>
+            <a:off x="507625" y="415775"/>
+            <a:ext cx="7503000" cy="497100"/>
           </a:xfrm>
           <a:prstGeom prst="rect">
             <a:avLst/>
@@ -13651,7 +17106,7 @@
           </a:bodyPr>
           <a:lstStyle/>
           <a:p>
-            <a:pPr indent="0" lvl="0" marL="0" rtl="0" algn="ctr">
+            <a:pPr indent="0" lvl="0" marL="0" rtl="0" algn="l">
               <a:lnSpc>
                 <a:spcPct val="100000"/>
               </a:lnSpc>
@@ -13666,7 +17121,15 @@
             </a:pPr>
             <a:r>
               <a:rPr lang="en-GB"/>
-              <a:t>Title</a:t>
+              <a:t>Linear Regression ( </a:t>
+            </a:r>
+            <a:r>
+              <a:rPr lang="en-GB"/>
+              <a:t>Multiple </a:t>
+            </a:r>
+            <a:r>
+              <a:rPr lang="en-GB"/>
+              <a:t>Regression)</a:t>
             </a:r>
             <a:endParaRPr>
               <a:solidFill>
@@ -13678,7 +17141,7 @@
       </p:sp>
       <p:sp>
         <p:nvSpPr>
-          <p:cNvPr id="111" name="Google Shape;111;p16"/>
+          <p:cNvPr id="109" name="Google Shape;109;p15"/>
           <p:cNvSpPr txBox="1"/>
           <p:nvPr/>
         </p:nvSpPr>
@@ -13728,7 +17191,7 @@
                 <a:cs typeface="Arial"/>
                 <a:sym typeface="Arial"/>
               </a:rPr>
-              <a:t>04</a:t>
+              <a:t>06</a:t>
             </a:r>
             <a:endParaRPr b="0" i="0" sz="1400" u="none" cap="none" strike="noStrike">
               <a:solidFill>
@@ -13744,7 +17207,7 @@
       </p:sp>
       <p:pic>
         <p:nvPicPr>
-          <p:cNvPr descr="Logo&#10;&#10;Description automatically generated" id="112" name="Google Shape;112;p16"/>
+          <p:cNvPr descr="Logo&#10;&#10;Description automatically generated" id="110" name="Google Shape;110;p15"/>
           <p:cNvPicPr preferRelativeResize="0"/>
           <p:nvPr/>
         </p:nvPicPr>
@@ -13771,7 +17234,7 @@
       </p:pic>
       <p:grpSp>
         <p:nvGrpSpPr>
-          <p:cNvPr id="113" name="Google Shape;113;p16"/>
+          <p:cNvPr id="111" name="Google Shape;111;p15"/>
           <p:cNvGrpSpPr/>
           <p:nvPr/>
         </p:nvGrpSpPr>
@@ -13785,7 +17248,7 @@
         </p:grpSpPr>
         <p:pic>
           <p:nvPicPr>
-            <p:cNvPr descr="Icon&#10;&#10;Description automatically generated" id="114" name="Google Shape;114;p16"/>
+            <p:cNvPr descr="Icon&#10;&#10;Description automatically generated" id="112" name="Google Shape;112;p15"/>
             <p:cNvPicPr preferRelativeResize="0"/>
             <p:nvPr/>
           </p:nvPicPr>
@@ -13812,7 +17275,7 @@
         </p:pic>
         <p:pic>
           <p:nvPicPr>
-            <p:cNvPr descr="A picture containing text, sign&#10;&#10;Description automatically generated" id="115" name="Google Shape;115;p16"/>
+            <p:cNvPr descr="A picture containing text, sign&#10;&#10;Description automatically generated" id="113" name="Google Shape;113;p15"/>
             <p:cNvPicPr preferRelativeResize="0"/>
             <p:nvPr/>
           </p:nvPicPr>
@@ -13838,6 +17301,217 @@
           </p:spPr>
         </p:pic>
       </p:grpSp>
+      <p:sp>
+        <p:nvSpPr>
+          <p:cNvPr id="114" name="Google Shape;114;p15"/>
+          <p:cNvSpPr txBox="1"/>
+          <p:nvPr>
+            <p:ph idx="4294967295" type="subTitle"/>
+          </p:nvPr>
+        </p:nvSpPr>
+        <p:spPr>
+          <a:xfrm>
+            <a:off x="507625" y="1302375"/>
+            <a:ext cx="8091600" cy="1139100"/>
+          </a:xfrm>
+          <a:prstGeom prst="rect">
+            <a:avLst/>
+          </a:prstGeom>
+          <a:noFill/>
+          <a:ln>
+            <a:noFill/>
+          </a:ln>
+        </p:spPr>
+        <p:txBody>
+          <a:bodyPr anchorCtr="0" anchor="t" bIns="91425" lIns="91425" spcFirstLastPara="1" rIns="91425" wrap="square" tIns="91425">
+            <a:spAutoFit/>
+          </a:bodyPr>
+          <a:lstStyle/>
+          <a:p>
+            <a:pPr indent="0" lvl="0" marL="0" rtl="0" algn="l">
+              <a:lnSpc>
+                <a:spcPct val="100000"/>
+              </a:lnSpc>
+              <a:spcBef>
+                <a:spcPts val="0"/>
+              </a:spcBef>
+              <a:spcAft>
+                <a:spcPts val="0"/>
+              </a:spcAft>
+              <a:buSzPts val="900"/>
+              <a:buNone/>
+            </a:pPr>
+            <a:r>
+              <a:rPr b="1" lang="en-GB" sz="1550">
+                <a:solidFill>
+                  <a:schemeClr val="accent6"/>
+                </a:solidFill>
+                <a:latin typeface="Times New Roman"/>
+                <a:ea typeface="Times New Roman"/>
+                <a:cs typeface="Times New Roman"/>
+                <a:sym typeface="Times New Roman"/>
+              </a:rPr>
+              <a:t>Fonksiyonumuzun</a:t>
+            </a:r>
+            <a:r>
+              <a:rPr b="1" lang="en-GB" sz="1550">
+                <a:solidFill>
+                  <a:schemeClr val="accent6"/>
+                </a:solidFill>
+                <a:latin typeface="Times New Roman"/>
+                <a:ea typeface="Times New Roman"/>
+                <a:cs typeface="Times New Roman"/>
+                <a:sym typeface="Times New Roman"/>
+              </a:rPr>
+              <a:t> çıktısı birden fazla değişkene bağlı olabilirdi.</a:t>
+            </a:r>
+            <a:br>
+              <a:rPr b="1" lang="en-GB" sz="1550">
+                <a:solidFill>
+                  <a:schemeClr val="accent6"/>
+                </a:solidFill>
+                <a:latin typeface="Times New Roman"/>
+                <a:ea typeface="Times New Roman"/>
+                <a:cs typeface="Times New Roman"/>
+                <a:sym typeface="Times New Roman"/>
+              </a:rPr>
+            </a:br>
+            <a:br>
+              <a:rPr lang="en-GB" sz="1550">
+                <a:solidFill>
+                  <a:schemeClr val="accent6"/>
+                </a:solidFill>
+                <a:latin typeface="Times New Roman"/>
+                <a:ea typeface="Times New Roman"/>
+                <a:cs typeface="Times New Roman"/>
+                <a:sym typeface="Times New Roman"/>
+              </a:rPr>
+            </a:br>
+            <a:endParaRPr b="1" sz="1550">
+              <a:solidFill>
+                <a:schemeClr val="accent6"/>
+              </a:solidFill>
+              <a:latin typeface="Times New Roman"/>
+              <a:ea typeface="Times New Roman"/>
+              <a:cs typeface="Times New Roman"/>
+              <a:sym typeface="Times New Roman"/>
+            </a:endParaRPr>
+          </a:p>
+          <a:p>
+            <a:pPr indent="0" lvl="0" marL="0" rtl="0" algn="l">
+              <a:lnSpc>
+                <a:spcPct val="100000"/>
+              </a:lnSpc>
+              <a:spcBef>
+                <a:spcPts val="0"/>
+              </a:spcBef>
+              <a:spcAft>
+                <a:spcPts val="0"/>
+              </a:spcAft>
+              <a:buSzPts val="900"/>
+              <a:buNone/>
+            </a:pPr>
+            <a:r>
+              <a:rPr b="1" lang="en-GB" sz="1550">
+                <a:solidFill>
+                  <a:schemeClr val="accent6"/>
+                </a:solidFill>
+                <a:latin typeface="Times New Roman"/>
+                <a:ea typeface="Times New Roman"/>
+                <a:cs typeface="Times New Roman"/>
+                <a:sym typeface="Times New Roman"/>
+              </a:rPr>
+              <a:t>Y ~= ß0 + ß1+ß1X1+ß2X2+.....+ßnXn</a:t>
+            </a:r>
+            <a:endParaRPr b="1" sz="1550">
+              <a:solidFill>
+                <a:schemeClr val="accent6"/>
+              </a:solidFill>
+              <a:latin typeface="Times New Roman"/>
+              <a:ea typeface="Times New Roman"/>
+              <a:cs typeface="Times New Roman"/>
+              <a:sym typeface="Times New Roman"/>
+            </a:endParaRPr>
+          </a:p>
+        </p:txBody>
+      </p:sp>
+      <p:sp>
+        <p:nvSpPr>
+          <p:cNvPr id="115" name="Google Shape;115;p15"/>
+          <p:cNvSpPr txBox="1"/>
+          <p:nvPr/>
+        </p:nvSpPr>
+        <p:spPr>
+          <a:xfrm>
+            <a:off x="507625" y="2871375"/>
+            <a:ext cx="8091600" cy="877200"/>
+          </a:xfrm>
+          <a:prstGeom prst="rect">
+            <a:avLst/>
+          </a:prstGeom>
+          <a:noFill/>
+          <a:ln>
+            <a:noFill/>
+          </a:ln>
+        </p:spPr>
+        <p:txBody>
+          <a:bodyPr anchorCtr="0" anchor="t" bIns="91425" lIns="91425" spcFirstLastPara="1" rIns="91425" wrap="square" tIns="91425">
+            <a:spAutoFit/>
+          </a:bodyPr>
+          <a:lstStyle/>
+          <a:p>
+            <a:pPr indent="0" lvl="0" marL="0" rtl="0" algn="l">
+              <a:spcBef>
+                <a:spcPts val="0"/>
+              </a:spcBef>
+              <a:spcAft>
+                <a:spcPts val="0"/>
+              </a:spcAft>
+              <a:buNone/>
+            </a:pPr>
+            <a:r>
+              <a:rPr b="1" lang="en-GB" sz="1500">
+                <a:latin typeface="Roboto Condensed"/>
+                <a:ea typeface="Roboto Condensed"/>
+                <a:cs typeface="Roboto Condensed"/>
+                <a:sym typeface="Roboto Condensed"/>
+              </a:rPr>
+              <a:t>house_price = ß0 + ß1*number_of_room + ß2 * location_id + ß3 * square_meters + .... + Bn * feature_n</a:t>
+            </a:r>
+            <a:br>
+              <a:rPr b="1" lang="en-GB" sz="1500">
+                <a:latin typeface="Roboto Condensed"/>
+                <a:ea typeface="Roboto Condensed"/>
+                <a:cs typeface="Roboto Condensed"/>
+                <a:sym typeface="Roboto Condensed"/>
+              </a:rPr>
+            </a:br>
+            <a:br>
+              <a:rPr b="1" lang="en-GB" sz="1500">
+                <a:latin typeface="Roboto Condensed"/>
+                <a:ea typeface="Roboto Condensed"/>
+                <a:cs typeface="Roboto Condensed"/>
+                <a:sym typeface="Roboto Condensed"/>
+              </a:rPr>
+            </a:br>
+            <a:r>
+              <a:rPr i="1" lang="en-GB" sz="1500">
+                <a:latin typeface="Roboto Condensed Light"/>
+                <a:ea typeface="Roboto Condensed Light"/>
+                <a:cs typeface="Roboto Condensed Light"/>
+                <a:sym typeface="Roboto Condensed Light"/>
+              </a:rPr>
+              <a:t>girdi ve çıktılar skaler.</a:t>
+            </a:r>
+            <a:endParaRPr i="1" sz="1500">
+              <a:latin typeface="Roboto Condensed Light"/>
+              <a:ea typeface="Roboto Condensed Light"/>
+              <a:cs typeface="Roboto Condensed Light"/>
+              <a:sym typeface="Roboto Condensed Light"/>
+            </a:endParaRPr>
+          </a:p>
+        </p:txBody>
+      </p:sp>
     </p:spTree>
   </p:cSld>
   <p:clrMapOvr>
@@ -13846,7 +17520,7 @@
 </p:sld>
 </file>
 
-<file path=ppt/slides/slide7.xml><?xml version="1.0" encoding="utf-8"?>
+<file path=ppt/slides/slide6.xml><?xml version="1.0" encoding="utf-8"?>
 <p:sld xmlns:a="http://schemas.openxmlformats.org/drawingml/2006/main" xmlns:r="http://schemas.openxmlformats.org/officeDocument/2006/relationships" xmlns:mc="http://schemas.openxmlformats.org/markup-compatibility/2006" xmlns:mv="urn:schemas-microsoft-com:mac:vml" xmlns:p="http://schemas.openxmlformats.org/presentationml/2006/main" xmlns:c="http://schemas.openxmlformats.org/drawingml/2006/chart" xmlns:dgm="http://schemas.openxmlformats.org/drawingml/2006/diagram" xmlns:o="urn:schemas-microsoft-com:office:office" xmlns:v="urn:schemas-microsoft-com:vml" xmlns:pvml="urn:schemas-microsoft-com:office:powerpoint" xmlns:com="http://schemas.openxmlformats.org/drawingml/2006/compatibility" xmlns:p14="http://schemas.microsoft.com/office/powerpoint/2010/main" xmlns:p15="http://schemas.microsoft.com/office/powerpoint/2012/main" xmlns:ahyp="http://schemas.microsoft.com/office/drawing/2018/hyperlinkcolor">
   <p:cSld>
     <p:spTree>
@@ -13865,16 +17539,689 @@
       </p:grpSpPr>
       <p:sp>
         <p:nvSpPr>
-          <p:cNvPr id="120" name="Google Shape;120;p17"/>
+          <p:cNvPr id="120" name="Google Shape;120;p16"/>
+          <p:cNvSpPr txBox="1"/>
+          <p:nvPr/>
+        </p:nvSpPr>
+        <p:spPr>
+          <a:xfrm flipH="1">
+            <a:off x="-10861" y="4854532"/>
+            <a:ext cx="422700" cy="288900"/>
+          </a:xfrm>
+          <a:prstGeom prst="rect">
+            <a:avLst/>
+          </a:prstGeom>
+          <a:noFill/>
+          <a:ln>
+            <a:noFill/>
+          </a:ln>
+        </p:spPr>
+        <p:txBody>
+          <a:bodyPr anchorCtr="0" anchor="ctr" bIns="91425" lIns="91425" spcFirstLastPara="1" rIns="91425" wrap="square" tIns="91425">
+            <a:noAutofit/>
+          </a:bodyPr>
+          <a:lstStyle/>
+          <a:p>
+            <a:pPr indent="0" lvl="0" marL="0" marR="0" rtl="0" algn="l">
+              <a:lnSpc>
+                <a:spcPct val="100000"/>
+              </a:lnSpc>
+              <a:spcBef>
+                <a:spcPts val="0"/>
+              </a:spcBef>
+              <a:spcAft>
+                <a:spcPts val="0"/>
+              </a:spcAft>
+              <a:buClr>
+                <a:srgbClr val="000000"/>
+              </a:buClr>
+              <a:buSzPts val="1400"/>
+              <a:buFont typeface="Arial"/>
+              <a:buNone/>
+            </a:pPr>
+            <a:r>
+              <a:rPr b="0" i="0" lang="en-GB" sz="1400" u="none" cap="none" strike="noStrike">
+                <a:solidFill>
+                  <a:schemeClr val="dk2"/>
+                </a:solidFill>
+                <a:latin typeface="Arial"/>
+                <a:ea typeface="Arial"/>
+                <a:cs typeface="Arial"/>
+                <a:sym typeface="Arial"/>
+              </a:rPr>
+              <a:t>06</a:t>
+            </a:r>
+            <a:endParaRPr b="0" i="0" sz="1400" u="none" cap="none" strike="noStrike">
+              <a:solidFill>
+                <a:srgbClr val="000000"/>
+              </a:solidFill>
+              <a:latin typeface="Arial"/>
+              <a:ea typeface="Arial"/>
+              <a:cs typeface="Arial"/>
+              <a:sym typeface="Arial"/>
+            </a:endParaRPr>
+          </a:p>
+        </p:txBody>
+      </p:sp>
+      <p:pic>
+        <p:nvPicPr>
+          <p:cNvPr descr="Logo&#10;&#10;Description automatically generated" id="121" name="Google Shape;121;p16"/>
+          <p:cNvPicPr preferRelativeResize="0"/>
+          <p:nvPr/>
+        </p:nvPicPr>
+        <p:blipFill rotWithShape="1">
+          <a:blip r:embed="rId3">
+            <a:alphaModFix/>
+          </a:blip>
+          <a:srcRect b="0" l="0" r="0" t="0"/>
+          <a:stretch/>
+        </p:blipFill>
+        <p:spPr>
+          <a:xfrm>
+            <a:off x="7374993" y="-12481"/>
+            <a:ext cx="1769862" cy="408430"/>
+          </a:xfrm>
+          <a:prstGeom prst="rect">
+            <a:avLst/>
+          </a:prstGeom>
+          <a:noFill/>
+          <a:ln>
+            <a:noFill/>
+          </a:ln>
+        </p:spPr>
+      </p:pic>
+      <p:grpSp>
+        <p:nvGrpSpPr>
+          <p:cNvPr id="122" name="Google Shape;122;p16"/>
+          <p:cNvGrpSpPr/>
+          <p:nvPr/>
+        </p:nvGrpSpPr>
+        <p:grpSpPr>
+          <a:xfrm>
+            <a:off x="13201" y="-12481"/>
+            <a:ext cx="422700" cy="428246"/>
+            <a:chOff x="13201" y="-12481"/>
+            <a:chExt cx="422700" cy="428246"/>
+          </a:xfrm>
+        </p:grpSpPr>
+        <p:pic>
+          <p:nvPicPr>
+            <p:cNvPr descr="Icon&#10;&#10;Description automatically generated" id="123" name="Google Shape;123;p16"/>
+            <p:cNvPicPr preferRelativeResize="0"/>
+            <p:nvPr/>
+          </p:nvPicPr>
+          <p:blipFill rotWithShape="1">
+            <a:blip r:embed="rId4">
+              <a:alphaModFix/>
+            </a:blip>
+            <a:srcRect b="0" l="0" r="0" t="0"/>
+            <a:stretch/>
+          </p:blipFill>
+          <p:spPr>
+            <a:xfrm>
+              <a:off x="80101" y="-12481"/>
+              <a:ext cx="288900" cy="288900"/>
+            </a:xfrm>
+            <a:prstGeom prst="rect">
+              <a:avLst/>
+            </a:prstGeom>
+            <a:noFill/>
+            <a:ln>
+              <a:noFill/>
+            </a:ln>
+          </p:spPr>
+        </p:pic>
+        <p:pic>
+          <p:nvPicPr>
+            <p:cNvPr descr="A picture containing text, sign&#10;&#10;Description automatically generated" id="124" name="Google Shape;124;p16"/>
+            <p:cNvPicPr preferRelativeResize="0"/>
+            <p:nvPr/>
+          </p:nvPicPr>
+          <p:blipFill rotWithShape="1">
+            <a:blip r:embed="rId5">
+              <a:alphaModFix/>
+            </a:blip>
+            <a:srcRect b="0" l="0" r="0" t="0"/>
+            <a:stretch/>
+          </p:blipFill>
+          <p:spPr>
+            <a:xfrm>
+              <a:off x="13201" y="191734"/>
+              <a:ext cx="422700" cy="224031"/>
+            </a:xfrm>
+            <a:prstGeom prst="rect">
+              <a:avLst/>
+            </a:prstGeom>
+            <a:noFill/>
+            <a:ln>
+              <a:noFill/>
+            </a:ln>
+          </p:spPr>
+        </p:pic>
+      </p:grpSp>
+      <p:sp>
+        <p:nvSpPr>
+          <p:cNvPr id="125" name="Google Shape;125;p16"/>
           <p:cNvSpPr txBox="1"/>
           <p:nvPr>
-            <p:ph idx="1" type="subTitle"/>
+            <p:ph idx="4294967295" type="subTitle"/>
           </p:nvPr>
         </p:nvSpPr>
         <p:spPr>
           <a:xfrm>
-            <a:off x="2152500" y="3028254"/>
-            <a:ext cx="4839000" cy="1003200"/>
+            <a:off x="157875" y="561700"/>
+            <a:ext cx="8091600" cy="2031900"/>
+          </a:xfrm>
+          <a:prstGeom prst="rect">
+            <a:avLst/>
+          </a:prstGeom>
+          <a:noFill/>
+          <a:ln>
+            <a:noFill/>
+          </a:ln>
+        </p:spPr>
+        <p:txBody>
+          <a:bodyPr anchorCtr="0" anchor="t" bIns="91425" lIns="91425" spcFirstLastPara="1" rIns="91425" wrap="square" tIns="91425">
+            <a:spAutoFit/>
+          </a:bodyPr>
+          <a:lstStyle/>
+          <a:p>
+            <a:pPr indent="0" lvl="0" marL="0" rtl="0" algn="l">
+              <a:lnSpc>
+                <a:spcPct val="100000"/>
+              </a:lnSpc>
+              <a:spcBef>
+                <a:spcPts val="0"/>
+              </a:spcBef>
+              <a:spcAft>
+                <a:spcPts val="0"/>
+              </a:spcAft>
+              <a:buClr>
+                <a:schemeClr val="accent6"/>
+              </a:buClr>
+              <a:buSzPts val="1100"/>
+              <a:buFont typeface="Arial"/>
+              <a:buNone/>
+            </a:pPr>
+            <a:r>
+              <a:rPr b="1" lang="en-GB" sz="2000">
+                <a:solidFill>
+                  <a:schemeClr val="accent6"/>
+                </a:solidFill>
+                <a:latin typeface="Times New Roman"/>
+                <a:ea typeface="Times New Roman"/>
+                <a:cs typeface="Times New Roman"/>
+                <a:sym typeface="Times New Roman"/>
+              </a:rPr>
+              <a:t>y_hat = ß0 + ß1 * x</a:t>
+            </a:r>
+            <a:endParaRPr b="1" sz="2000">
+              <a:solidFill>
+                <a:schemeClr val="accent6"/>
+              </a:solidFill>
+              <a:latin typeface="Times New Roman"/>
+              <a:ea typeface="Times New Roman"/>
+              <a:cs typeface="Times New Roman"/>
+              <a:sym typeface="Times New Roman"/>
+            </a:endParaRPr>
+          </a:p>
+          <a:p>
+            <a:pPr indent="0" lvl="0" marL="0" rtl="0" algn="l">
+              <a:lnSpc>
+                <a:spcPct val="100000"/>
+              </a:lnSpc>
+              <a:spcBef>
+                <a:spcPts val="0"/>
+              </a:spcBef>
+              <a:spcAft>
+                <a:spcPts val="0"/>
+              </a:spcAft>
+              <a:buClr>
+                <a:schemeClr val="accent6"/>
+              </a:buClr>
+              <a:buSzPts val="1100"/>
+              <a:buFont typeface="Arial"/>
+              <a:buNone/>
+            </a:pPr>
+            <a:r>
+              <a:t/>
+            </a:r>
+            <a:endParaRPr b="1" sz="2000">
+              <a:solidFill>
+                <a:schemeClr val="accent6"/>
+              </a:solidFill>
+              <a:latin typeface="Times New Roman"/>
+              <a:ea typeface="Times New Roman"/>
+              <a:cs typeface="Times New Roman"/>
+              <a:sym typeface="Times New Roman"/>
+            </a:endParaRPr>
+          </a:p>
+          <a:p>
+            <a:pPr indent="0" lvl="0" marL="0" rtl="0" algn="l">
+              <a:lnSpc>
+                <a:spcPct val="100000"/>
+              </a:lnSpc>
+              <a:spcBef>
+                <a:spcPts val="0"/>
+              </a:spcBef>
+              <a:spcAft>
+                <a:spcPts val="0"/>
+              </a:spcAft>
+              <a:buSzPts val="1100"/>
+              <a:buNone/>
+            </a:pPr>
+            <a:r>
+              <a:rPr b="1" lang="en-GB" sz="2000">
+                <a:solidFill>
+                  <a:schemeClr val="accent6"/>
+                </a:solidFill>
+                <a:latin typeface="Times New Roman"/>
+                <a:ea typeface="Times New Roman"/>
+                <a:cs typeface="Times New Roman"/>
+                <a:sym typeface="Times New Roman"/>
+              </a:rPr>
+              <a:t>B0 (kesim noktası - intercept) ve B1 (eğim - slope) nasıl bulabiliriz ?</a:t>
+            </a:r>
+            <a:endParaRPr b="1" sz="2000">
+              <a:solidFill>
+                <a:schemeClr val="accent6"/>
+              </a:solidFill>
+              <a:latin typeface="Times New Roman"/>
+              <a:ea typeface="Times New Roman"/>
+              <a:cs typeface="Times New Roman"/>
+              <a:sym typeface="Times New Roman"/>
+            </a:endParaRPr>
+          </a:p>
+          <a:p>
+            <a:pPr indent="0" lvl="0" marL="0" rtl="0" algn="l">
+              <a:lnSpc>
+                <a:spcPct val="100000"/>
+              </a:lnSpc>
+              <a:spcBef>
+                <a:spcPts val="0"/>
+              </a:spcBef>
+              <a:spcAft>
+                <a:spcPts val="0"/>
+              </a:spcAft>
+              <a:buSzPts val="1100"/>
+              <a:buNone/>
+            </a:pPr>
+            <a:r>
+              <a:t/>
+            </a:r>
+            <a:endParaRPr b="1" sz="2000">
+              <a:solidFill>
+                <a:schemeClr val="accent6"/>
+              </a:solidFill>
+              <a:latin typeface="Times New Roman"/>
+              <a:ea typeface="Times New Roman"/>
+              <a:cs typeface="Times New Roman"/>
+              <a:sym typeface="Times New Roman"/>
+            </a:endParaRPr>
+          </a:p>
+          <a:p>
+            <a:pPr indent="0" lvl="0" marL="0" rtl="0" algn="l">
+              <a:lnSpc>
+                <a:spcPct val="100000"/>
+              </a:lnSpc>
+              <a:spcBef>
+                <a:spcPts val="0"/>
+              </a:spcBef>
+              <a:spcAft>
+                <a:spcPts val="0"/>
+              </a:spcAft>
+              <a:buSzPts val="1100"/>
+              <a:buNone/>
+            </a:pPr>
+            <a:r>
+              <a:rPr b="1" lang="en-GB" sz="2000" u="sng">
+                <a:solidFill>
+                  <a:srgbClr val="0000FF"/>
+                </a:solidFill>
+                <a:latin typeface="Times New Roman"/>
+                <a:ea typeface="Times New Roman"/>
+                <a:cs typeface="Times New Roman"/>
+                <a:sym typeface="Times New Roman"/>
+                <a:hlinkClick r:id="rId6">
+                  <a:extLst>
+                    <a:ext uri="{A12FA001-AC4F-418D-AE19-62706E023703}">
+                      <ahyp:hlinkClr val="tx"/>
+                    </a:ext>
+                  </a:extLst>
+                </a:hlinkClick>
+              </a:rPr>
+              <a:t>https://www.desmos.com/calculator</a:t>
+            </a:r>
+            <a:endParaRPr b="1" sz="2000">
+              <a:solidFill>
+                <a:srgbClr val="0000FF"/>
+              </a:solidFill>
+              <a:latin typeface="Times New Roman"/>
+              <a:ea typeface="Times New Roman"/>
+              <a:cs typeface="Times New Roman"/>
+              <a:sym typeface="Times New Roman"/>
+            </a:endParaRPr>
+          </a:p>
+          <a:p>
+            <a:pPr indent="0" lvl="0" marL="0" rtl="0" algn="l">
+              <a:lnSpc>
+                <a:spcPct val="100000"/>
+              </a:lnSpc>
+              <a:spcBef>
+                <a:spcPts val="0"/>
+              </a:spcBef>
+              <a:spcAft>
+                <a:spcPts val="0"/>
+              </a:spcAft>
+              <a:buSzPts val="1100"/>
+              <a:buNone/>
+            </a:pPr>
+            <a:r>
+              <a:t/>
+            </a:r>
+            <a:endParaRPr b="1" sz="2000">
+              <a:solidFill>
+                <a:schemeClr val="accent6"/>
+              </a:solidFill>
+              <a:latin typeface="Times New Roman"/>
+              <a:ea typeface="Times New Roman"/>
+              <a:cs typeface="Times New Roman"/>
+              <a:sym typeface="Times New Roman"/>
+            </a:endParaRPr>
+          </a:p>
+        </p:txBody>
+      </p:sp>
+      <p:pic>
+        <p:nvPicPr>
+          <p:cNvPr id="126" name="Google Shape;126;p16"/>
+          <p:cNvPicPr preferRelativeResize="0"/>
+          <p:nvPr/>
+        </p:nvPicPr>
+        <p:blipFill>
+          <a:blip r:embed="rId7">
+            <a:alphaModFix/>
+          </a:blip>
+          <a:stretch>
+            <a:fillRect/>
+          </a:stretch>
+        </p:blipFill>
+        <p:spPr>
+          <a:xfrm>
+            <a:off x="2601675" y="2284350"/>
+            <a:ext cx="6542326" cy="2889849"/>
+          </a:xfrm>
+          <a:prstGeom prst="rect">
+            <a:avLst/>
+          </a:prstGeom>
+          <a:noFill/>
+          <a:ln>
+            <a:noFill/>
+          </a:ln>
+        </p:spPr>
+      </p:pic>
+    </p:spTree>
+  </p:cSld>
+  <p:clrMapOvr>
+    <a:masterClrMapping/>
+  </p:clrMapOvr>
+</p:sld>
+</file>
+
+<file path=ppt/slides/slide7.xml><?xml version="1.0" encoding="utf-8"?>
+<p:sld xmlns:a="http://schemas.openxmlformats.org/drawingml/2006/main" xmlns:r="http://schemas.openxmlformats.org/officeDocument/2006/relationships" xmlns:mc="http://schemas.openxmlformats.org/markup-compatibility/2006" xmlns:mv="urn:schemas-microsoft-com:mac:vml" xmlns:p="http://schemas.openxmlformats.org/presentationml/2006/main" xmlns:c="http://schemas.openxmlformats.org/drawingml/2006/chart" xmlns:dgm="http://schemas.openxmlformats.org/drawingml/2006/diagram" xmlns:o="urn:schemas-microsoft-com:office:office" xmlns:v="urn:schemas-microsoft-com:vml" xmlns:pvml="urn:schemas-microsoft-com:office:powerpoint" xmlns:com="http://schemas.openxmlformats.org/drawingml/2006/compatibility" xmlns:p14="http://schemas.microsoft.com/office/powerpoint/2010/main" xmlns:p15="http://schemas.microsoft.com/office/powerpoint/2012/main" xmlns:ahyp="http://schemas.microsoft.com/office/drawing/2018/hyperlinkcolor">
+  <p:cSld>
+    <p:spTree>
+      <p:nvGrpSpPr>
+        <p:cNvPr id="130" name="Shape 130"/>
+        <p:cNvGrpSpPr/>
+        <p:nvPr/>
+      </p:nvGrpSpPr>
+      <p:grpSpPr>
+        <a:xfrm>
+          <a:off x="0" y="0"/>
+          <a:ext cx="0" cy="0"/>
+          <a:chOff x="0" y="0"/>
+          <a:chExt cx="0" cy="0"/>
+        </a:xfrm>
+      </p:grpSpPr>
+      <p:sp>
+        <p:nvSpPr>
+          <p:cNvPr id="131" name="Google Shape;131;p17"/>
+          <p:cNvSpPr txBox="1"/>
+          <p:nvPr/>
+        </p:nvSpPr>
+        <p:spPr>
+          <a:xfrm flipH="1">
+            <a:off x="-10861" y="4854532"/>
+            <a:ext cx="422700" cy="288900"/>
+          </a:xfrm>
+          <a:prstGeom prst="rect">
+            <a:avLst/>
+          </a:prstGeom>
+          <a:noFill/>
+          <a:ln>
+            <a:noFill/>
+          </a:ln>
+        </p:spPr>
+        <p:txBody>
+          <a:bodyPr anchorCtr="0" anchor="ctr" bIns="91425" lIns="91425" spcFirstLastPara="1" rIns="91425" wrap="square" tIns="91425">
+            <a:noAutofit/>
+          </a:bodyPr>
+          <a:lstStyle/>
+          <a:p>
+            <a:pPr indent="0" lvl="0" marL="0" marR="0" rtl="0" algn="l">
+              <a:lnSpc>
+                <a:spcPct val="100000"/>
+              </a:lnSpc>
+              <a:spcBef>
+                <a:spcPts val="0"/>
+              </a:spcBef>
+              <a:spcAft>
+                <a:spcPts val="0"/>
+              </a:spcAft>
+              <a:buClr>
+                <a:srgbClr val="000000"/>
+              </a:buClr>
+              <a:buSzPts val="1400"/>
+              <a:buFont typeface="Arial"/>
+              <a:buNone/>
+            </a:pPr>
+            <a:r>
+              <a:rPr b="0" i="0" lang="en-GB" sz="1400" u="none" cap="none" strike="noStrike">
+                <a:solidFill>
+                  <a:schemeClr val="dk2"/>
+                </a:solidFill>
+                <a:latin typeface="Arial"/>
+                <a:ea typeface="Arial"/>
+                <a:cs typeface="Arial"/>
+                <a:sym typeface="Arial"/>
+              </a:rPr>
+              <a:t>06</a:t>
+            </a:r>
+            <a:endParaRPr b="0" i="0" sz="1400" u="none" cap="none" strike="noStrike">
+              <a:solidFill>
+                <a:srgbClr val="000000"/>
+              </a:solidFill>
+              <a:latin typeface="Arial"/>
+              <a:ea typeface="Arial"/>
+              <a:cs typeface="Arial"/>
+              <a:sym typeface="Arial"/>
+            </a:endParaRPr>
+          </a:p>
+        </p:txBody>
+      </p:sp>
+      <p:pic>
+        <p:nvPicPr>
+          <p:cNvPr descr="Logo&#10;&#10;Description automatically generated" id="132" name="Google Shape;132;p17"/>
+          <p:cNvPicPr preferRelativeResize="0"/>
+          <p:nvPr/>
+        </p:nvPicPr>
+        <p:blipFill rotWithShape="1">
+          <a:blip r:embed="rId3">
+            <a:alphaModFix/>
+          </a:blip>
+          <a:srcRect b="0" l="0" r="0" t="0"/>
+          <a:stretch/>
+        </p:blipFill>
+        <p:spPr>
+          <a:xfrm>
+            <a:off x="7374993" y="-12481"/>
+            <a:ext cx="1769862" cy="408430"/>
+          </a:xfrm>
+          <a:prstGeom prst="rect">
+            <a:avLst/>
+          </a:prstGeom>
+          <a:noFill/>
+          <a:ln>
+            <a:noFill/>
+          </a:ln>
+        </p:spPr>
+      </p:pic>
+      <p:grpSp>
+        <p:nvGrpSpPr>
+          <p:cNvPr id="133" name="Google Shape;133;p17"/>
+          <p:cNvGrpSpPr/>
+          <p:nvPr/>
+        </p:nvGrpSpPr>
+        <p:grpSpPr>
+          <a:xfrm>
+            <a:off x="13201" y="-12481"/>
+            <a:ext cx="422700" cy="428246"/>
+            <a:chOff x="13201" y="-12481"/>
+            <a:chExt cx="422700" cy="428246"/>
+          </a:xfrm>
+        </p:grpSpPr>
+        <p:pic>
+          <p:nvPicPr>
+            <p:cNvPr descr="Icon&#10;&#10;Description automatically generated" id="134" name="Google Shape;134;p17"/>
+            <p:cNvPicPr preferRelativeResize="0"/>
+            <p:nvPr/>
+          </p:nvPicPr>
+          <p:blipFill rotWithShape="1">
+            <a:blip r:embed="rId4">
+              <a:alphaModFix/>
+            </a:blip>
+            <a:srcRect b="0" l="0" r="0" t="0"/>
+            <a:stretch/>
+          </p:blipFill>
+          <p:spPr>
+            <a:xfrm>
+              <a:off x="80101" y="-12481"/>
+              <a:ext cx="288900" cy="288900"/>
+            </a:xfrm>
+            <a:prstGeom prst="rect">
+              <a:avLst/>
+            </a:prstGeom>
+            <a:noFill/>
+            <a:ln>
+              <a:noFill/>
+            </a:ln>
+          </p:spPr>
+        </p:pic>
+        <p:pic>
+          <p:nvPicPr>
+            <p:cNvPr descr="A picture containing text, sign&#10;&#10;Description automatically generated" id="135" name="Google Shape;135;p17"/>
+            <p:cNvPicPr preferRelativeResize="0"/>
+            <p:nvPr/>
+          </p:nvPicPr>
+          <p:blipFill rotWithShape="1">
+            <a:blip r:embed="rId5">
+              <a:alphaModFix/>
+            </a:blip>
+            <a:srcRect b="0" l="0" r="0" t="0"/>
+            <a:stretch/>
+          </p:blipFill>
+          <p:spPr>
+            <a:xfrm>
+              <a:off x="13201" y="191734"/>
+              <a:ext cx="422700" cy="224031"/>
+            </a:xfrm>
+            <a:prstGeom prst="rect">
+              <a:avLst/>
+            </a:prstGeom>
+            <a:noFill/>
+            <a:ln>
+              <a:noFill/>
+            </a:ln>
+          </p:spPr>
+        </p:pic>
+      </p:grpSp>
+      <p:sp>
+        <p:nvSpPr>
+          <p:cNvPr id="136" name="Google Shape;136;p17"/>
+          <p:cNvSpPr txBox="1"/>
+          <p:nvPr>
+            <p:ph idx="4294967295" type="subTitle"/>
+          </p:nvPr>
+        </p:nvSpPr>
+        <p:spPr>
+          <a:xfrm>
+            <a:off x="491900" y="951423"/>
+            <a:ext cx="8091600" cy="554100"/>
+          </a:xfrm>
+          <a:prstGeom prst="rect">
+            <a:avLst/>
+          </a:prstGeom>
+          <a:noFill/>
+          <a:ln>
+            <a:noFill/>
+          </a:ln>
+        </p:spPr>
+        <p:txBody>
+          <a:bodyPr anchorCtr="0" anchor="t" bIns="91425" lIns="91425" spcFirstLastPara="1" rIns="91425" wrap="square" tIns="91425">
+            <a:spAutoFit/>
+          </a:bodyPr>
+          <a:lstStyle/>
+          <a:p>
+            <a:pPr indent="0" lvl="0" marL="0" rtl="0" algn="l">
+              <a:lnSpc>
+                <a:spcPct val="100000"/>
+              </a:lnSpc>
+              <a:spcBef>
+                <a:spcPts val="0"/>
+              </a:spcBef>
+              <a:spcAft>
+                <a:spcPts val="0"/>
+              </a:spcAft>
+              <a:buSzPts val="1100"/>
+              <a:buNone/>
+            </a:pPr>
+            <a:r>
+              <a:rPr lang="en-GB">
+                <a:solidFill>
+                  <a:schemeClr val="accent6"/>
+                </a:solidFill>
+                <a:latin typeface="Times New Roman"/>
+                <a:ea typeface="Times New Roman"/>
+                <a:cs typeface="Times New Roman"/>
+                <a:sym typeface="Times New Roman"/>
+              </a:rPr>
+              <a:t>training_set = {(xi, yi) : 1, ..., n} : Bazı x değerleri var ve bunlara karşılık y değerleri var. Eğer biz iyi bir tahmin yapabildiysek doğrusal bir ilişki kabul ederek iyi bir ilişki bulduysak bizim hesapladığımız y_hat lerin gerçek y lere yakın olmasını bekleriz.</a:t>
+            </a:r>
+            <a:endParaRPr>
+              <a:solidFill>
+                <a:schemeClr val="accent6"/>
+              </a:solidFill>
+              <a:latin typeface="Times New Roman"/>
+              <a:ea typeface="Times New Roman"/>
+              <a:cs typeface="Times New Roman"/>
+              <a:sym typeface="Times New Roman"/>
+            </a:endParaRPr>
+          </a:p>
+        </p:txBody>
+      </p:sp>
+      <p:sp>
+        <p:nvSpPr>
+          <p:cNvPr id="137" name="Google Shape;137;p17"/>
+          <p:cNvSpPr txBox="1"/>
+          <p:nvPr>
+            <p:ph type="ctrTitle"/>
+          </p:nvPr>
+        </p:nvSpPr>
+        <p:spPr>
+          <a:xfrm>
+            <a:off x="526200" y="244325"/>
+            <a:ext cx="7503000" cy="497100"/>
           </a:xfrm>
           <a:prstGeom prst="rect">
             <a:avLst/>
@@ -13890,43 +18237,69 @@
           </a:bodyPr>
           <a:lstStyle/>
           <a:p>
-            <a:pPr indent="0" lvl="0" marL="0" rtl="0" algn="ctr">
-              <a:lnSpc>
-                <a:spcPct val="100000"/>
-              </a:lnSpc>
-              <a:spcBef>
-                <a:spcPts val="0"/>
-              </a:spcBef>
-              <a:spcAft>
-                <a:spcPts val="0"/>
-              </a:spcAft>
-              <a:buClr>
-                <a:schemeClr val="dk1"/>
-              </a:buClr>
-              <a:buSzPts val="1100"/>
-              <a:buFont typeface="Arial"/>
+            <a:pPr indent="0" lvl="0" marL="0" rtl="0" algn="l">
+              <a:lnSpc>
+                <a:spcPct val="100000"/>
+              </a:lnSpc>
+              <a:spcBef>
+                <a:spcPts val="0"/>
+              </a:spcBef>
+              <a:spcAft>
+                <a:spcPts val="0"/>
+              </a:spcAft>
+              <a:buSzPts val="3600"/>
               <a:buNone/>
             </a:pPr>
             <a:r>
               <a:rPr lang="en-GB"/>
-              <a:t>45 Dakika</a:t>
+              <a:t>Training Set</a:t>
             </a:r>
-            <a:endParaRPr/>
+            <a:endParaRPr>
+              <a:solidFill>
+                <a:schemeClr val="dk2"/>
+              </a:solidFill>
+            </a:endParaRPr>
           </a:p>
         </p:txBody>
       </p:sp>
+      <p:pic>
+        <p:nvPicPr>
+          <p:cNvPr id="138" name="Google Shape;138;p17"/>
+          <p:cNvPicPr preferRelativeResize="0"/>
+          <p:nvPr/>
+        </p:nvPicPr>
+        <p:blipFill>
+          <a:blip r:embed="rId6">
+            <a:alphaModFix/>
+          </a:blip>
+          <a:stretch>
+            <a:fillRect/>
+          </a:stretch>
+        </p:blipFill>
+        <p:spPr>
+          <a:xfrm>
+            <a:off x="1238239" y="1597538"/>
+            <a:ext cx="6667500" cy="2505075"/>
+          </a:xfrm>
+          <a:prstGeom prst="rect">
+            <a:avLst/>
+          </a:prstGeom>
+          <a:noFill/>
+          <a:ln>
+            <a:noFill/>
+          </a:ln>
+        </p:spPr>
+      </p:pic>
       <p:sp>
         <p:nvSpPr>
-          <p:cNvPr id="121" name="Google Shape;121;p17"/>
+          <p:cNvPr id="139" name="Google Shape;139;p17"/>
           <p:cNvSpPr txBox="1"/>
-          <p:nvPr>
-            <p:ph type="ctrTitle"/>
-          </p:nvPr>
+          <p:nvPr/>
         </p:nvSpPr>
         <p:spPr>
-          <a:xfrm flipH="1">
-            <a:off x="1632611" y="1694404"/>
-            <a:ext cx="5677800" cy="1365300"/>
+          <a:xfrm>
+            <a:off x="1042600" y="4040350"/>
+            <a:ext cx="7269300" cy="1062000"/>
           </a:xfrm>
           <a:prstGeom prst="rect">
             <a:avLst/>
@@ -13937,84 +18310,36 @@
           </a:ln>
         </p:spPr>
         <p:txBody>
-          <a:bodyPr anchorCtr="0" anchor="b" bIns="91425" lIns="91425" spcFirstLastPara="1" rIns="91425" wrap="square" tIns="91425">
-            <a:noAutofit/>
+          <a:bodyPr anchorCtr="0" anchor="t" bIns="91425" lIns="91425" spcFirstLastPara="1" rIns="91425" wrap="square" tIns="91425">
+            <a:spAutoFit/>
           </a:bodyPr>
           <a:lstStyle/>
           <a:p>
-            <a:pPr indent="0" lvl="0" marL="0" rtl="0" algn="ctr">
-              <a:lnSpc>
-                <a:spcPct val="100000"/>
-              </a:lnSpc>
-              <a:spcBef>
-                <a:spcPts val="0"/>
-              </a:spcBef>
-              <a:spcAft>
-                <a:spcPts val="0"/>
-              </a:spcAft>
-              <a:buSzPts val="4800"/>
+            <a:pPr indent="0" lvl="0" marL="0" rtl="0" algn="l">
+              <a:spcBef>
+                <a:spcPts val="0"/>
+              </a:spcBef>
+              <a:spcAft>
+                <a:spcPts val="0"/>
+              </a:spcAft>
               <a:buNone/>
             </a:pPr>
             <a:r>
-              <a:rPr lang="en-GB"/>
-              <a:t>Öğle Arası</a:t>
+              <a:rPr lang="en-GB" sz="950">
+                <a:solidFill>
+                  <a:schemeClr val="dk1"/>
+                </a:solidFill>
+              </a:rPr>
+              <a:t>A training set (left) and a test set (right) from the same statistical population are shown as blue points. Two predictive models are fit to the training data. Both fitted models are plotted with both the training and test sets. In the training set, the MSE of the fit shown in orange is 4 whereas the MSE for the fit shown in green is 9. In the test set, the MSE for the fit shown in orange is 15 and the MSE for the fit shown in green is 13. The orange curve severely overfits the training data, since its MSE increases by almost a factor of four when comparing the test set to the training set. The green curve overfits the training data much less, as its MSE increases by less than a factor of 2.</a:t>
             </a:r>
-            <a:endParaRPr/>
+            <a:endParaRPr>
+              <a:solidFill>
+                <a:schemeClr val="dk1"/>
+              </a:solidFill>
+            </a:endParaRPr>
           </a:p>
         </p:txBody>
       </p:sp>
-      <p:cxnSp>
-        <p:nvCxnSpPr>
-          <p:cNvPr id="122" name="Google Shape;122;p17"/>
-          <p:cNvCxnSpPr/>
-          <p:nvPr/>
-        </p:nvCxnSpPr>
-        <p:spPr>
-          <a:xfrm rot="10800000">
-            <a:off x="8156400" y="630088"/>
-            <a:ext cx="1236300" cy="0"/>
-          </a:xfrm>
-          <a:prstGeom prst="straightConnector1">
-            <a:avLst/>
-          </a:prstGeom>
-          <a:noFill/>
-          <a:ln cap="flat" cmpd="sng" w="9525">
-            <a:solidFill>
-              <a:schemeClr val="dk2"/>
-            </a:solidFill>
-            <a:prstDash val="solid"/>
-            <a:round/>
-            <a:headEnd len="sm" w="sm" type="none"/>
-            <a:tailEnd len="sm" w="sm" type="none"/>
-          </a:ln>
-        </p:spPr>
-      </p:cxnSp>
-      <p:cxnSp>
-        <p:nvCxnSpPr>
-          <p:cNvPr id="123" name="Google Shape;123;p17"/>
-          <p:cNvCxnSpPr/>
-          <p:nvPr/>
-        </p:nvCxnSpPr>
-        <p:spPr>
-          <a:xfrm rot="10800000">
-            <a:off x="-125" y="4765850"/>
-            <a:ext cx="958500" cy="0"/>
-          </a:xfrm>
-          <a:prstGeom prst="straightConnector1">
-            <a:avLst/>
-          </a:prstGeom>
-          <a:noFill/>
-          <a:ln cap="flat" cmpd="sng" w="9525">
-            <a:solidFill>
-              <a:schemeClr val="dk2"/>
-            </a:solidFill>
-            <a:prstDash val="solid"/>
-            <a:round/>
-            <a:headEnd len="sm" w="sm" type="none"/>
-            <a:tailEnd len="sm" w="sm" type="none"/>
-          </a:ln>
-        </p:spPr>
-      </p:cxnSp>
     </p:spTree>
   </p:cSld>
   <p:clrMapOvr>
@@ -14028,7 +18353,7 @@
   <p:cSld>
     <p:spTree>
       <p:nvGrpSpPr>
-        <p:cNvPr id="127" name="Shape 127"/>
+        <p:cNvPr id="143" name="Shape 143"/>
         <p:cNvGrpSpPr/>
         <p:nvPr/>
       </p:nvGrpSpPr>
@@ -14042,16 +18367,674 @@
       </p:grpSpPr>
       <p:sp>
         <p:nvSpPr>
-          <p:cNvPr id="128" name="Google Shape;128;p18"/>
+          <p:cNvPr id="144" name="Google Shape;144;p18"/>
+          <p:cNvSpPr txBox="1"/>
+          <p:nvPr/>
+        </p:nvSpPr>
+        <p:spPr>
+          <a:xfrm flipH="1">
+            <a:off x="-10861" y="4854532"/>
+            <a:ext cx="422700" cy="288900"/>
+          </a:xfrm>
+          <a:prstGeom prst="rect">
+            <a:avLst/>
+          </a:prstGeom>
+          <a:noFill/>
+          <a:ln>
+            <a:noFill/>
+          </a:ln>
+        </p:spPr>
+        <p:txBody>
+          <a:bodyPr anchorCtr="0" anchor="ctr" bIns="91425" lIns="91425" spcFirstLastPara="1" rIns="91425" wrap="square" tIns="91425">
+            <a:noAutofit/>
+          </a:bodyPr>
+          <a:lstStyle/>
+          <a:p>
+            <a:pPr indent="0" lvl="0" marL="0" marR="0" rtl="0" algn="l">
+              <a:lnSpc>
+                <a:spcPct val="100000"/>
+              </a:lnSpc>
+              <a:spcBef>
+                <a:spcPts val="0"/>
+              </a:spcBef>
+              <a:spcAft>
+                <a:spcPts val="0"/>
+              </a:spcAft>
+              <a:buClr>
+                <a:srgbClr val="000000"/>
+              </a:buClr>
+              <a:buSzPts val="1400"/>
+              <a:buFont typeface="Arial"/>
+              <a:buNone/>
+            </a:pPr>
+            <a:r>
+              <a:rPr b="0" i="0" lang="en-GB" sz="1400" u="none" cap="none" strike="noStrike">
+                <a:solidFill>
+                  <a:schemeClr val="dk2"/>
+                </a:solidFill>
+                <a:latin typeface="Arial"/>
+                <a:ea typeface="Arial"/>
+                <a:cs typeface="Arial"/>
+                <a:sym typeface="Arial"/>
+              </a:rPr>
+              <a:t>06</a:t>
+            </a:r>
+            <a:endParaRPr b="0" i="0" sz="1400" u="none" cap="none" strike="noStrike">
+              <a:solidFill>
+                <a:srgbClr val="000000"/>
+              </a:solidFill>
+              <a:latin typeface="Arial"/>
+              <a:ea typeface="Arial"/>
+              <a:cs typeface="Arial"/>
+              <a:sym typeface="Arial"/>
+            </a:endParaRPr>
+          </a:p>
+        </p:txBody>
+      </p:sp>
+      <p:pic>
+        <p:nvPicPr>
+          <p:cNvPr descr="Logo&#10;&#10;Description automatically generated" id="145" name="Google Shape;145;p18"/>
+          <p:cNvPicPr preferRelativeResize="0"/>
+          <p:nvPr/>
+        </p:nvPicPr>
+        <p:blipFill rotWithShape="1">
+          <a:blip r:embed="rId3">
+            <a:alphaModFix/>
+          </a:blip>
+          <a:srcRect b="0" l="0" r="0" t="0"/>
+          <a:stretch/>
+        </p:blipFill>
+        <p:spPr>
+          <a:xfrm>
+            <a:off x="7374993" y="-12481"/>
+            <a:ext cx="1769862" cy="408430"/>
+          </a:xfrm>
+          <a:prstGeom prst="rect">
+            <a:avLst/>
+          </a:prstGeom>
+          <a:noFill/>
+          <a:ln>
+            <a:noFill/>
+          </a:ln>
+        </p:spPr>
+      </p:pic>
+      <p:grpSp>
+        <p:nvGrpSpPr>
+          <p:cNvPr id="146" name="Google Shape;146;p18"/>
+          <p:cNvGrpSpPr/>
+          <p:nvPr/>
+        </p:nvGrpSpPr>
+        <p:grpSpPr>
+          <a:xfrm>
+            <a:off x="13201" y="-12481"/>
+            <a:ext cx="422700" cy="428246"/>
+            <a:chOff x="13201" y="-12481"/>
+            <a:chExt cx="422700" cy="428246"/>
+          </a:xfrm>
+        </p:grpSpPr>
+        <p:pic>
+          <p:nvPicPr>
+            <p:cNvPr descr="Icon&#10;&#10;Description automatically generated" id="147" name="Google Shape;147;p18"/>
+            <p:cNvPicPr preferRelativeResize="0"/>
+            <p:nvPr/>
+          </p:nvPicPr>
+          <p:blipFill rotWithShape="1">
+            <a:blip r:embed="rId4">
+              <a:alphaModFix/>
+            </a:blip>
+            <a:srcRect b="0" l="0" r="0" t="0"/>
+            <a:stretch/>
+          </p:blipFill>
+          <p:spPr>
+            <a:xfrm>
+              <a:off x="80101" y="-12481"/>
+              <a:ext cx="288900" cy="288900"/>
+            </a:xfrm>
+            <a:prstGeom prst="rect">
+              <a:avLst/>
+            </a:prstGeom>
+            <a:noFill/>
+            <a:ln>
+              <a:noFill/>
+            </a:ln>
+          </p:spPr>
+        </p:pic>
+        <p:pic>
+          <p:nvPicPr>
+            <p:cNvPr descr="A picture containing text, sign&#10;&#10;Description automatically generated" id="148" name="Google Shape;148;p18"/>
+            <p:cNvPicPr preferRelativeResize="0"/>
+            <p:nvPr/>
+          </p:nvPicPr>
+          <p:blipFill rotWithShape="1">
+            <a:blip r:embed="rId5">
+              <a:alphaModFix/>
+            </a:blip>
+            <a:srcRect b="0" l="0" r="0" t="0"/>
+            <a:stretch/>
+          </p:blipFill>
+          <p:spPr>
+            <a:xfrm>
+              <a:off x="13201" y="191734"/>
+              <a:ext cx="422700" cy="224031"/>
+            </a:xfrm>
+            <a:prstGeom prst="rect">
+              <a:avLst/>
+            </a:prstGeom>
+            <a:noFill/>
+            <a:ln>
+              <a:noFill/>
+            </a:ln>
+          </p:spPr>
+        </p:pic>
+      </p:grpSp>
+      <p:sp>
+        <p:nvSpPr>
+          <p:cNvPr id="149" name="Google Shape;149;p18"/>
           <p:cNvSpPr txBox="1"/>
           <p:nvPr>
-            <p:ph idx="1" type="subTitle"/>
+            <p:ph idx="4294967295" type="subTitle"/>
           </p:nvPr>
         </p:nvSpPr>
         <p:spPr>
           <a:xfrm>
-            <a:off x="2152500" y="3028254"/>
-            <a:ext cx="4839000" cy="1003200"/>
+            <a:off x="13200" y="874325"/>
+            <a:ext cx="4203900" cy="3140100"/>
+          </a:xfrm>
+          <a:prstGeom prst="rect">
+            <a:avLst/>
+          </a:prstGeom>
+          <a:noFill/>
+          <a:ln>
+            <a:noFill/>
+          </a:ln>
+        </p:spPr>
+        <p:txBody>
+          <a:bodyPr anchorCtr="0" anchor="t" bIns="91425" lIns="91425" spcFirstLastPara="1" rIns="91425" wrap="square" tIns="91425">
+            <a:spAutoFit/>
+          </a:bodyPr>
+          <a:lstStyle/>
+          <a:p>
+            <a:pPr indent="0" lvl="0" marL="0" rtl="0" algn="l">
+              <a:lnSpc>
+                <a:spcPct val="100000"/>
+              </a:lnSpc>
+              <a:spcBef>
+                <a:spcPts val="0"/>
+              </a:spcBef>
+              <a:spcAft>
+                <a:spcPts val="0"/>
+              </a:spcAft>
+              <a:buSzPts val="1100"/>
+              <a:buNone/>
+            </a:pPr>
+            <a:r>
+              <a:rPr lang="en-GB">
+                <a:solidFill>
+                  <a:schemeClr val="accent6"/>
+                </a:solidFill>
+                <a:latin typeface="Times New Roman"/>
+                <a:ea typeface="Times New Roman"/>
+                <a:cs typeface="Times New Roman"/>
+                <a:sym typeface="Times New Roman"/>
+              </a:rPr>
+              <a:t>Loss ' u nasıl ölçeriz?</a:t>
+            </a:r>
+            <a:endParaRPr>
+              <a:solidFill>
+                <a:schemeClr val="accent6"/>
+              </a:solidFill>
+              <a:latin typeface="Times New Roman"/>
+              <a:ea typeface="Times New Roman"/>
+              <a:cs typeface="Times New Roman"/>
+              <a:sym typeface="Times New Roman"/>
+            </a:endParaRPr>
+          </a:p>
+          <a:p>
+            <a:pPr indent="0" lvl="0" marL="0" rtl="0" algn="l">
+              <a:lnSpc>
+                <a:spcPct val="100000"/>
+              </a:lnSpc>
+              <a:spcBef>
+                <a:spcPts val="0"/>
+              </a:spcBef>
+              <a:spcAft>
+                <a:spcPts val="0"/>
+              </a:spcAft>
+              <a:buSzPts val="1100"/>
+              <a:buNone/>
+            </a:pPr>
+            <a:r>
+              <a:t/>
+            </a:r>
+            <a:endParaRPr>
+              <a:solidFill>
+                <a:schemeClr val="accent6"/>
+              </a:solidFill>
+              <a:latin typeface="Times New Roman"/>
+              <a:ea typeface="Times New Roman"/>
+              <a:cs typeface="Times New Roman"/>
+              <a:sym typeface="Times New Roman"/>
+            </a:endParaRPr>
+          </a:p>
+          <a:p>
+            <a:pPr indent="0" lvl="0" marL="0" rtl="0" algn="l">
+              <a:lnSpc>
+                <a:spcPct val="100000"/>
+              </a:lnSpc>
+              <a:spcBef>
+                <a:spcPts val="0"/>
+              </a:spcBef>
+              <a:spcAft>
+                <a:spcPts val="0"/>
+              </a:spcAft>
+              <a:buSzPts val="1100"/>
+              <a:buNone/>
+            </a:pPr>
+            <a:r>
+              <a:rPr lang="en-GB">
+                <a:solidFill>
+                  <a:schemeClr val="accent6"/>
+                </a:solidFill>
+                <a:latin typeface="Times New Roman"/>
+                <a:ea typeface="Times New Roman"/>
+                <a:cs typeface="Times New Roman"/>
+                <a:sym typeface="Times New Roman"/>
+              </a:rPr>
+              <a:t>yi ~= B0 + B1 * Xi, i=1,...,n</a:t>
+            </a:r>
+            <a:endParaRPr>
+              <a:solidFill>
+                <a:schemeClr val="accent6"/>
+              </a:solidFill>
+              <a:latin typeface="Times New Roman"/>
+              <a:ea typeface="Times New Roman"/>
+              <a:cs typeface="Times New Roman"/>
+              <a:sym typeface="Times New Roman"/>
+            </a:endParaRPr>
+          </a:p>
+          <a:p>
+            <a:pPr indent="0" lvl="0" marL="0" rtl="0" algn="l">
+              <a:lnSpc>
+                <a:spcPct val="100000"/>
+              </a:lnSpc>
+              <a:spcBef>
+                <a:spcPts val="0"/>
+              </a:spcBef>
+              <a:spcAft>
+                <a:spcPts val="0"/>
+              </a:spcAft>
+              <a:buSzPts val="1100"/>
+              <a:buNone/>
+            </a:pPr>
+            <a:r>
+              <a:t/>
+            </a:r>
+            <a:endParaRPr>
+              <a:solidFill>
+                <a:schemeClr val="accent6"/>
+              </a:solidFill>
+              <a:latin typeface="Times New Roman"/>
+              <a:ea typeface="Times New Roman"/>
+              <a:cs typeface="Times New Roman"/>
+              <a:sym typeface="Times New Roman"/>
+            </a:endParaRPr>
+          </a:p>
+          <a:p>
+            <a:pPr indent="0" lvl="0" marL="0" rtl="0" algn="l">
+              <a:lnSpc>
+                <a:spcPct val="100000"/>
+              </a:lnSpc>
+              <a:spcBef>
+                <a:spcPts val="0"/>
+              </a:spcBef>
+              <a:spcAft>
+                <a:spcPts val="0"/>
+              </a:spcAft>
+              <a:buSzPts val="1100"/>
+              <a:buNone/>
+            </a:pPr>
+            <a:r>
+              <a:rPr lang="en-GB">
+                <a:solidFill>
+                  <a:schemeClr val="accent6"/>
+                </a:solidFill>
+                <a:latin typeface="Times New Roman"/>
+                <a:ea typeface="Times New Roman"/>
+                <a:cs typeface="Times New Roman"/>
+                <a:sym typeface="Times New Roman"/>
+              </a:rPr>
+              <a:t>y_hat_i = (B0 + B1 * Xi)</a:t>
+            </a:r>
+            <a:endParaRPr>
+              <a:solidFill>
+                <a:schemeClr val="accent6"/>
+              </a:solidFill>
+              <a:latin typeface="Times New Roman"/>
+              <a:ea typeface="Times New Roman"/>
+              <a:cs typeface="Times New Roman"/>
+              <a:sym typeface="Times New Roman"/>
+            </a:endParaRPr>
+          </a:p>
+          <a:p>
+            <a:pPr indent="0" lvl="0" marL="0" rtl="0" algn="l">
+              <a:lnSpc>
+                <a:spcPct val="100000"/>
+              </a:lnSpc>
+              <a:spcBef>
+                <a:spcPts val="0"/>
+              </a:spcBef>
+              <a:spcAft>
+                <a:spcPts val="0"/>
+              </a:spcAft>
+              <a:buSzPts val="1100"/>
+              <a:buNone/>
+            </a:pPr>
+            <a:r>
+              <a:t/>
+            </a:r>
+            <a:endParaRPr>
+              <a:solidFill>
+                <a:schemeClr val="accent6"/>
+              </a:solidFill>
+              <a:latin typeface="Times New Roman"/>
+              <a:ea typeface="Times New Roman"/>
+              <a:cs typeface="Times New Roman"/>
+              <a:sym typeface="Times New Roman"/>
+            </a:endParaRPr>
+          </a:p>
+          <a:p>
+            <a:pPr indent="0" lvl="0" marL="0" rtl="0" algn="l">
+              <a:lnSpc>
+                <a:spcPct val="100000"/>
+              </a:lnSpc>
+              <a:spcBef>
+                <a:spcPts val="0"/>
+              </a:spcBef>
+              <a:spcAft>
+                <a:spcPts val="0"/>
+              </a:spcAft>
+              <a:buSzPts val="1100"/>
+              <a:buNone/>
+            </a:pPr>
+            <a:r>
+              <a:rPr lang="en-GB">
+                <a:solidFill>
+                  <a:schemeClr val="accent6"/>
+                </a:solidFill>
+                <a:latin typeface="Times New Roman"/>
+                <a:ea typeface="Times New Roman"/>
+                <a:cs typeface="Times New Roman"/>
+                <a:sym typeface="Times New Roman"/>
+              </a:rPr>
+              <a:t>e_i = (y_i - y_hat_i)              # residual (kalıntı - ith residual)</a:t>
+            </a:r>
+            <a:endParaRPr>
+              <a:solidFill>
+                <a:schemeClr val="accent6"/>
+              </a:solidFill>
+              <a:latin typeface="Times New Roman"/>
+              <a:ea typeface="Times New Roman"/>
+              <a:cs typeface="Times New Roman"/>
+              <a:sym typeface="Times New Roman"/>
+            </a:endParaRPr>
+          </a:p>
+          <a:p>
+            <a:pPr indent="0" lvl="0" marL="0" rtl="0" algn="l">
+              <a:lnSpc>
+                <a:spcPct val="100000"/>
+              </a:lnSpc>
+              <a:spcBef>
+                <a:spcPts val="0"/>
+              </a:spcBef>
+              <a:spcAft>
+                <a:spcPts val="0"/>
+              </a:spcAft>
+              <a:buSzPts val="1100"/>
+              <a:buNone/>
+            </a:pPr>
+            <a:r>
+              <a:t/>
+            </a:r>
+            <a:endParaRPr>
+              <a:solidFill>
+                <a:schemeClr val="accent6"/>
+              </a:solidFill>
+              <a:latin typeface="Times New Roman"/>
+              <a:ea typeface="Times New Roman"/>
+              <a:cs typeface="Times New Roman"/>
+              <a:sym typeface="Times New Roman"/>
+            </a:endParaRPr>
+          </a:p>
+          <a:p>
+            <a:pPr indent="0" lvl="0" marL="0" rtl="0" algn="l">
+              <a:lnSpc>
+                <a:spcPct val="100000"/>
+              </a:lnSpc>
+              <a:spcBef>
+                <a:spcPts val="0"/>
+              </a:spcBef>
+              <a:spcAft>
+                <a:spcPts val="0"/>
+              </a:spcAft>
+              <a:buSzPts val="1100"/>
+              <a:buNone/>
+            </a:pPr>
+            <a:r>
+              <a:t/>
+            </a:r>
+            <a:endParaRPr>
+              <a:solidFill>
+                <a:schemeClr val="accent6"/>
+              </a:solidFill>
+              <a:latin typeface="Times New Roman"/>
+              <a:ea typeface="Times New Roman"/>
+              <a:cs typeface="Times New Roman"/>
+              <a:sym typeface="Times New Roman"/>
+            </a:endParaRPr>
+          </a:p>
+          <a:p>
+            <a:pPr indent="0" lvl="0" marL="0" rtl="0" algn="l">
+              <a:lnSpc>
+                <a:spcPct val="100000"/>
+              </a:lnSpc>
+              <a:spcBef>
+                <a:spcPts val="0"/>
+              </a:spcBef>
+              <a:spcAft>
+                <a:spcPts val="0"/>
+              </a:spcAft>
+              <a:buSzPts val="1100"/>
+              <a:buNone/>
+            </a:pPr>
+            <a:r>
+              <a:rPr lang="en-GB">
+                <a:solidFill>
+                  <a:schemeClr val="accent6"/>
+                </a:solidFill>
+                <a:latin typeface="Times New Roman"/>
+                <a:ea typeface="Times New Roman"/>
+                <a:cs typeface="Times New Roman"/>
+                <a:sym typeface="Times New Roman"/>
+              </a:rPr>
+              <a:t>Bir tanesi için residual bu şekilde fakat bizde bir training_set boyunca hesaplanması gereken residual var.</a:t>
+            </a:r>
+            <a:endParaRPr>
+              <a:solidFill>
+                <a:schemeClr val="accent6"/>
+              </a:solidFill>
+              <a:latin typeface="Times New Roman"/>
+              <a:ea typeface="Times New Roman"/>
+              <a:cs typeface="Times New Roman"/>
+              <a:sym typeface="Times New Roman"/>
+            </a:endParaRPr>
+          </a:p>
+          <a:p>
+            <a:pPr indent="0" lvl="0" marL="0" rtl="0" algn="l">
+              <a:lnSpc>
+                <a:spcPct val="100000"/>
+              </a:lnSpc>
+              <a:spcBef>
+                <a:spcPts val="0"/>
+              </a:spcBef>
+              <a:spcAft>
+                <a:spcPts val="0"/>
+              </a:spcAft>
+              <a:buSzPts val="1100"/>
+              <a:buNone/>
+            </a:pPr>
+            <a:r>
+              <a:t/>
+            </a:r>
+            <a:endParaRPr>
+              <a:solidFill>
+                <a:schemeClr val="accent6"/>
+              </a:solidFill>
+              <a:latin typeface="Times New Roman"/>
+              <a:ea typeface="Times New Roman"/>
+              <a:cs typeface="Times New Roman"/>
+              <a:sym typeface="Times New Roman"/>
+            </a:endParaRPr>
+          </a:p>
+          <a:p>
+            <a:pPr indent="0" lvl="0" marL="0" rtl="0" algn="l">
+              <a:lnSpc>
+                <a:spcPct val="100000"/>
+              </a:lnSpc>
+              <a:spcBef>
+                <a:spcPts val="0"/>
+              </a:spcBef>
+              <a:spcAft>
+                <a:spcPts val="0"/>
+              </a:spcAft>
+              <a:buSzPts val="1100"/>
+              <a:buNone/>
+            </a:pPr>
+            <a:r>
+              <a:rPr lang="en-GB">
+                <a:solidFill>
+                  <a:schemeClr val="accent6"/>
+                </a:solidFill>
+                <a:latin typeface="Times New Roman"/>
+                <a:ea typeface="Times New Roman"/>
+                <a:cs typeface="Times New Roman"/>
+                <a:sym typeface="Times New Roman"/>
+              </a:rPr>
+              <a:t>Hepsi için</a:t>
+            </a:r>
+            <a:endParaRPr>
+              <a:solidFill>
+                <a:schemeClr val="accent6"/>
+              </a:solidFill>
+              <a:latin typeface="Times New Roman"/>
+              <a:ea typeface="Times New Roman"/>
+              <a:cs typeface="Times New Roman"/>
+              <a:sym typeface="Times New Roman"/>
+            </a:endParaRPr>
+          </a:p>
+          <a:p>
+            <a:pPr indent="0" lvl="0" marL="0" rtl="0" algn="l">
+              <a:lnSpc>
+                <a:spcPct val="100000"/>
+              </a:lnSpc>
+              <a:spcBef>
+                <a:spcPts val="0"/>
+              </a:spcBef>
+              <a:spcAft>
+                <a:spcPts val="0"/>
+              </a:spcAft>
+              <a:buSzPts val="1100"/>
+              <a:buNone/>
+            </a:pPr>
+            <a:r>
+              <a:t/>
+            </a:r>
+            <a:endParaRPr>
+              <a:solidFill>
+                <a:schemeClr val="accent6"/>
+              </a:solidFill>
+              <a:latin typeface="Times New Roman"/>
+              <a:ea typeface="Times New Roman"/>
+              <a:cs typeface="Times New Roman"/>
+              <a:sym typeface="Times New Roman"/>
+            </a:endParaRPr>
+          </a:p>
+          <a:p>
+            <a:pPr indent="0" lvl="0" marL="0" rtl="0" algn="l">
+              <a:lnSpc>
+                <a:spcPct val="100000"/>
+              </a:lnSpc>
+              <a:spcBef>
+                <a:spcPts val="0"/>
+              </a:spcBef>
+              <a:spcAft>
+                <a:spcPts val="0"/>
+              </a:spcAft>
+              <a:buSzPts val="1100"/>
+              <a:buNone/>
+            </a:pPr>
+            <a:r>
+              <a:rPr lang="en-GB">
+                <a:solidFill>
+                  <a:schemeClr val="accent6"/>
+                </a:solidFill>
+                <a:latin typeface="Times New Roman"/>
+                <a:ea typeface="Times New Roman"/>
+                <a:cs typeface="Times New Roman"/>
+                <a:sym typeface="Times New Roman"/>
+              </a:rPr>
+              <a:t>RSS = e1^2 + e2^2 + e3^2 ... + en^2</a:t>
+            </a:r>
+            <a:endParaRPr>
+              <a:solidFill>
+                <a:schemeClr val="accent6"/>
+              </a:solidFill>
+              <a:latin typeface="Times New Roman"/>
+              <a:ea typeface="Times New Roman"/>
+              <a:cs typeface="Times New Roman"/>
+              <a:sym typeface="Times New Roman"/>
+            </a:endParaRPr>
+          </a:p>
+          <a:p>
+            <a:pPr indent="0" lvl="0" marL="0" rtl="0" algn="l">
+              <a:lnSpc>
+                <a:spcPct val="100000"/>
+              </a:lnSpc>
+              <a:spcBef>
+                <a:spcPts val="0"/>
+              </a:spcBef>
+              <a:spcAft>
+                <a:spcPts val="0"/>
+              </a:spcAft>
+              <a:buSzPts val="1100"/>
+              <a:buNone/>
+            </a:pPr>
+            <a:r>
+              <a:t/>
+            </a:r>
+            <a:endParaRPr>
+              <a:solidFill>
+                <a:schemeClr val="accent6"/>
+              </a:solidFill>
+              <a:latin typeface="Times New Roman"/>
+              <a:ea typeface="Times New Roman"/>
+              <a:cs typeface="Times New Roman"/>
+              <a:sym typeface="Times New Roman"/>
+            </a:endParaRPr>
+          </a:p>
+        </p:txBody>
+      </p:sp>
+      <p:sp>
+        <p:nvSpPr>
+          <p:cNvPr id="150" name="Google Shape;150;p18"/>
+          <p:cNvSpPr txBox="1"/>
+          <p:nvPr>
+            <p:ph type="ctrTitle"/>
+          </p:nvPr>
+        </p:nvSpPr>
+        <p:spPr>
+          <a:xfrm>
+            <a:off x="526200" y="244325"/>
+            <a:ext cx="7503000" cy="497100"/>
           </a:xfrm>
           <a:prstGeom prst="rect">
             <a:avLst/>
@@ -14067,43 +19050,49 @@
           </a:bodyPr>
           <a:lstStyle/>
           <a:p>
-            <a:pPr indent="0" lvl="0" marL="0" rtl="0" algn="ctr">
-              <a:lnSpc>
-                <a:spcPct val="100000"/>
-              </a:lnSpc>
-              <a:spcBef>
-                <a:spcPts val="0"/>
-              </a:spcBef>
-              <a:spcAft>
-                <a:spcPts val="0"/>
-              </a:spcAft>
-              <a:buClr>
-                <a:schemeClr val="dk1"/>
-              </a:buClr>
-              <a:buSzPts val="1100"/>
-              <a:buFont typeface="Arial"/>
+            <a:pPr indent="0" lvl="0" marL="0" rtl="0" algn="l">
+              <a:lnSpc>
+                <a:spcPct val="100000"/>
+              </a:lnSpc>
+              <a:spcBef>
+                <a:spcPts val="0"/>
+              </a:spcBef>
+              <a:spcAft>
+                <a:spcPts val="0"/>
+              </a:spcAft>
+              <a:buSzPts val="3600"/>
               <a:buNone/>
             </a:pPr>
             <a:r>
               <a:rPr lang="en-GB"/>
-              <a:t>See you tomorrow</a:t>
+              <a:t>Loss</a:t>
             </a:r>
-            <a:endParaRPr/>
+            <a:endParaRPr>
+              <a:solidFill>
+                <a:schemeClr val="dk2"/>
+              </a:solidFill>
+            </a:endParaRPr>
           </a:p>
         </p:txBody>
       </p:sp>
-      <p:sp>
-        <p:nvSpPr>
-          <p:cNvPr id="129" name="Google Shape;129;p18"/>
-          <p:cNvSpPr txBox="1"/>
-          <p:nvPr>
-            <p:ph type="ctrTitle"/>
-          </p:nvPr>
-        </p:nvSpPr>
+      <p:pic>
+        <p:nvPicPr>
+          <p:cNvPr id="151" name="Google Shape;151;p18"/>
+          <p:cNvPicPr preferRelativeResize="0"/>
+          <p:nvPr/>
+        </p:nvPicPr>
+        <p:blipFill>
+          <a:blip r:embed="rId6">
+            <a:alphaModFix/>
+          </a:blip>
+          <a:stretch>
+            <a:fillRect/>
+          </a:stretch>
+        </p:blipFill>
         <p:spPr>
-          <a:xfrm flipH="1">
-            <a:off x="1183758" y="1694404"/>
-            <a:ext cx="6556743" cy="1365300"/>
+          <a:xfrm>
+            <a:off x="4217100" y="874331"/>
+            <a:ext cx="4858449" cy="2819419"/>
           </a:xfrm>
           <a:prstGeom prst="rect">
             <a:avLst/>
@@ -14113,85 +19102,7 @@
             <a:noFill/>
           </a:ln>
         </p:spPr>
-        <p:txBody>
-          <a:bodyPr anchorCtr="0" anchor="b" bIns="91425" lIns="91425" spcFirstLastPara="1" rIns="91425" wrap="square" tIns="91425">
-            <a:noAutofit/>
-          </a:bodyPr>
-          <a:lstStyle/>
-          <a:p>
-            <a:pPr indent="0" lvl="0" marL="0" rtl="0" algn="ctr">
-              <a:lnSpc>
-                <a:spcPct val="100000"/>
-              </a:lnSpc>
-              <a:spcBef>
-                <a:spcPts val="0"/>
-              </a:spcBef>
-              <a:spcAft>
-                <a:spcPts val="0"/>
-              </a:spcAft>
-              <a:buSzPts val="4800"/>
-              <a:buNone/>
-            </a:pPr>
-            <a:r>
-              <a:rPr lang="en-GB"/>
-              <a:t>Sunday</a:t>
-            </a:r>
-            <a:endParaRPr/>
-          </a:p>
-        </p:txBody>
-      </p:sp>
-      <p:cxnSp>
-        <p:nvCxnSpPr>
-          <p:cNvPr id="130" name="Google Shape;130;p18"/>
-          <p:cNvCxnSpPr/>
-          <p:nvPr/>
-        </p:nvCxnSpPr>
-        <p:spPr>
-          <a:xfrm rot="10800000">
-            <a:off x="8156400" y="630088"/>
-            <a:ext cx="1236300" cy="0"/>
-          </a:xfrm>
-          <a:prstGeom prst="straightConnector1">
-            <a:avLst/>
-          </a:prstGeom>
-          <a:noFill/>
-          <a:ln cap="flat" cmpd="sng" w="9525">
-            <a:solidFill>
-              <a:schemeClr val="dk2"/>
-            </a:solidFill>
-            <a:prstDash val="solid"/>
-            <a:round/>
-            <a:headEnd len="sm" w="sm" type="none"/>
-            <a:tailEnd len="sm" w="sm" type="none"/>
-          </a:ln>
-        </p:spPr>
-      </p:cxnSp>
-      <p:cxnSp>
-        <p:nvCxnSpPr>
-          <p:cNvPr id="131" name="Google Shape;131;p18"/>
-          <p:cNvCxnSpPr/>
-          <p:nvPr/>
-        </p:nvCxnSpPr>
-        <p:spPr>
-          <a:xfrm rot="10800000">
-            <a:off x="-125" y="4765850"/>
-            <a:ext cx="958500" cy="0"/>
-          </a:xfrm>
-          <a:prstGeom prst="straightConnector1">
-            <a:avLst/>
-          </a:prstGeom>
-          <a:noFill/>
-          <a:ln cap="flat" cmpd="sng" w="9525">
-            <a:solidFill>
-              <a:schemeClr val="dk2"/>
-            </a:solidFill>
-            <a:prstDash val="solid"/>
-            <a:round/>
-            <a:headEnd len="sm" w="sm" type="none"/>
-            <a:tailEnd len="sm" w="sm" type="none"/>
-          </a:ln>
-        </p:spPr>
-      </p:cxnSp>
+      </p:pic>
     </p:spTree>
   </p:cSld>
   <p:clrMapOvr>
@@ -14205,7 +19116,7 @@
   <p:cSld>
     <p:spTree>
       <p:nvGrpSpPr>
-        <p:cNvPr id="135" name="Shape 135"/>
+        <p:cNvPr id="155" name="Shape 155"/>
         <p:cNvGrpSpPr/>
         <p:nvPr/>
       </p:nvGrpSpPr>
@@ -14219,16 +19130,14 @@
       </p:grpSpPr>
       <p:sp>
         <p:nvSpPr>
-          <p:cNvPr id="136" name="Google Shape;136;p19"/>
+          <p:cNvPr id="156" name="Google Shape;156;p19"/>
           <p:cNvSpPr txBox="1"/>
-          <p:nvPr>
-            <p:ph type="ctrTitle"/>
-          </p:nvPr>
+          <p:nvPr/>
         </p:nvSpPr>
         <p:spPr>
           <a:xfrm flipH="1">
-            <a:off x="2754543" y="1347038"/>
-            <a:ext cx="5195700" cy="1921200"/>
+            <a:off x="-10861" y="4854532"/>
+            <a:ext cx="422700" cy="288900"/>
           </a:xfrm>
           <a:prstGeom prst="rect">
             <a:avLst/>
@@ -14244,39 +19153,155 @@
           </a:bodyPr>
           <a:lstStyle/>
           <a:p>
-            <a:pPr indent="0" lvl="0" marL="0" rtl="0" algn="r">
-              <a:lnSpc>
-                <a:spcPct val="100000"/>
-              </a:lnSpc>
-              <a:spcBef>
-                <a:spcPts val="0"/>
-              </a:spcBef>
-              <a:spcAft>
-                <a:spcPts val="0"/>
-              </a:spcAft>
+            <a:pPr indent="0" lvl="0" marL="0" marR="0" rtl="0" algn="l">
+              <a:lnSpc>
+                <a:spcPct val="100000"/>
+              </a:lnSpc>
+              <a:spcBef>
+                <a:spcPts val="0"/>
+              </a:spcBef>
+              <a:spcAft>
+                <a:spcPts val="0"/>
+              </a:spcAft>
+              <a:buClr>
+                <a:srgbClr val="000000"/>
+              </a:buClr>
               <a:buSzPts val="1400"/>
+              <a:buFont typeface="Arial"/>
               <a:buNone/>
             </a:pPr>
             <a:r>
-              <a:rPr lang="en-GB"/>
-              <a:t>Decision Trees</a:t>
+              <a:rPr b="0" i="0" lang="en-GB" sz="1400" u="none" cap="none" strike="noStrike">
+                <a:solidFill>
+                  <a:schemeClr val="dk2"/>
+                </a:solidFill>
+                <a:latin typeface="Arial"/>
+                <a:ea typeface="Arial"/>
+                <a:cs typeface="Arial"/>
+                <a:sym typeface="Arial"/>
+              </a:rPr>
+              <a:t>06</a:t>
             </a:r>
-            <a:endParaRPr/>
+            <a:endParaRPr b="0" i="0" sz="1400" u="none" cap="none" strike="noStrike">
+              <a:solidFill>
+                <a:srgbClr val="000000"/>
+              </a:solidFill>
+              <a:latin typeface="Arial"/>
+              <a:ea typeface="Arial"/>
+              <a:cs typeface="Arial"/>
+              <a:sym typeface="Arial"/>
+            </a:endParaRPr>
           </a:p>
         </p:txBody>
       </p:sp>
+      <p:pic>
+        <p:nvPicPr>
+          <p:cNvPr descr="Logo&#10;&#10;Description automatically generated" id="157" name="Google Shape;157;p19"/>
+          <p:cNvPicPr preferRelativeResize="0"/>
+          <p:nvPr/>
+        </p:nvPicPr>
+        <p:blipFill rotWithShape="1">
+          <a:blip r:embed="rId3">
+            <a:alphaModFix/>
+          </a:blip>
+          <a:srcRect b="0" l="0" r="0" t="0"/>
+          <a:stretch/>
+        </p:blipFill>
+        <p:spPr>
+          <a:xfrm>
+            <a:off x="7374993" y="-12481"/>
+            <a:ext cx="1769862" cy="408430"/>
+          </a:xfrm>
+          <a:prstGeom prst="rect">
+            <a:avLst/>
+          </a:prstGeom>
+          <a:noFill/>
+          <a:ln>
+            <a:noFill/>
+          </a:ln>
+        </p:spPr>
+      </p:pic>
+      <p:grpSp>
+        <p:nvGrpSpPr>
+          <p:cNvPr id="158" name="Google Shape;158;p19"/>
+          <p:cNvGrpSpPr/>
+          <p:nvPr/>
+        </p:nvGrpSpPr>
+        <p:grpSpPr>
+          <a:xfrm>
+            <a:off x="13201" y="-12481"/>
+            <a:ext cx="422700" cy="428246"/>
+            <a:chOff x="13201" y="-12481"/>
+            <a:chExt cx="422700" cy="428246"/>
+          </a:xfrm>
+        </p:grpSpPr>
+        <p:pic>
+          <p:nvPicPr>
+            <p:cNvPr descr="Icon&#10;&#10;Description automatically generated" id="159" name="Google Shape;159;p19"/>
+            <p:cNvPicPr preferRelativeResize="0"/>
+            <p:nvPr/>
+          </p:nvPicPr>
+          <p:blipFill rotWithShape="1">
+            <a:blip r:embed="rId4">
+              <a:alphaModFix/>
+            </a:blip>
+            <a:srcRect b="0" l="0" r="0" t="0"/>
+            <a:stretch/>
+          </p:blipFill>
+          <p:spPr>
+            <a:xfrm>
+              <a:off x="80101" y="-12481"/>
+              <a:ext cx="288900" cy="288900"/>
+            </a:xfrm>
+            <a:prstGeom prst="rect">
+              <a:avLst/>
+            </a:prstGeom>
+            <a:noFill/>
+            <a:ln>
+              <a:noFill/>
+            </a:ln>
+          </p:spPr>
+        </p:pic>
+        <p:pic>
+          <p:nvPicPr>
+            <p:cNvPr descr="A picture containing text, sign&#10;&#10;Description automatically generated" id="160" name="Google Shape;160;p19"/>
+            <p:cNvPicPr preferRelativeResize="0"/>
+            <p:nvPr/>
+          </p:nvPicPr>
+          <p:blipFill rotWithShape="1">
+            <a:blip r:embed="rId5">
+              <a:alphaModFix/>
+            </a:blip>
+            <a:srcRect b="0" l="0" r="0" t="0"/>
+            <a:stretch/>
+          </p:blipFill>
+          <p:spPr>
+            <a:xfrm>
+              <a:off x="13201" y="191734"/>
+              <a:ext cx="422700" cy="224031"/>
+            </a:xfrm>
+            <a:prstGeom prst="rect">
+              <a:avLst/>
+            </a:prstGeom>
+            <a:noFill/>
+            <a:ln>
+              <a:noFill/>
+            </a:ln>
+          </p:spPr>
+        </p:pic>
+      </p:grpSp>
       <p:sp>
         <p:nvSpPr>
-          <p:cNvPr id="137" name="Google Shape;137;p19"/>
+          <p:cNvPr id="161" name="Google Shape;161;p19"/>
           <p:cNvSpPr txBox="1"/>
           <p:nvPr>
-            <p:ph idx="2" type="title"/>
+            <p:ph type="ctrTitle"/>
           </p:nvPr>
         </p:nvSpPr>
         <p:spPr>
-          <a:xfrm flipH="1">
-            <a:off x="4970943" y="1035213"/>
-            <a:ext cx="2979300" cy="754500"/>
+          <a:xfrm>
+            <a:off x="526200" y="244325"/>
+            <a:ext cx="7503000" cy="497100"/>
           </a:xfrm>
           <a:prstGeom prst="rect">
             <a:avLst/>
@@ -14287,66 +19312,92 @@
           </a:ln>
         </p:spPr>
         <p:txBody>
-          <a:bodyPr anchorCtr="0" anchor="ctr" bIns="91425" lIns="91425" spcFirstLastPara="1" rIns="91425" wrap="square" tIns="91425">
+          <a:bodyPr anchorCtr="0" anchor="t" bIns="91425" lIns="91425" spcFirstLastPara="1" rIns="91425" wrap="square" tIns="91425">
             <a:noAutofit/>
           </a:bodyPr>
           <a:lstStyle/>
           <a:p>
-            <a:pPr indent="0" lvl="0" marL="0" rtl="0" algn="r">
-              <a:lnSpc>
-                <a:spcPct val="100000"/>
-              </a:lnSpc>
-              <a:spcBef>
-                <a:spcPts val="0"/>
-              </a:spcBef>
-              <a:spcAft>
-                <a:spcPts val="0"/>
-              </a:spcAft>
-              <a:buSzPts val="9600"/>
+            <a:pPr indent="0" lvl="0" marL="0" rtl="0" algn="l">
+              <a:lnSpc>
+                <a:spcPct val="100000"/>
+              </a:lnSpc>
+              <a:spcBef>
+                <a:spcPts val="0"/>
+              </a:spcBef>
+              <a:spcAft>
+                <a:spcPts val="0"/>
+              </a:spcAft>
+              <a:buSzPts val="3600"/>
               <a:buNone/>
             </a:pPr>
             <a:r>
-              <a:rPr lang="en-GB">
-                <a:solidFill>
-                  <a:srgbClr val="C3996C"/>
-                </a:solidFill>
-              </a:rPr>
-              <a:t>03</a:t>
+              <a:rPr lang="en-GB"/>
+              <a:t>Loss (Residual Sum of Squares - RSS)</a:t>
             </a:r>
             <a:endParaRPr>
               <a:solidFill>
-                <a:srgbClr val="C3996C"/>
+                <a:schemeClr val="dk2"/>
               </a:solidFill>
             </a:endParaRPr>
           </a:p>
         </p:txBody>
       </p:sp>
-      <p:cxnSp>
-        <p:nvCxnSpPr>
-          <p:cNvPr id="138" name="Google Shape;138;p19"/>
-          <p:cNvCxnSpPr/>
+      <p:pic>
+        <p:nvPicPr>
+          <p:cNvPr id="162" name="Google Shape;162;p19"/>
+          <p:cNvPicPr preferRelativeResize="0"/>
           <p:nvPr/>
-        </p:nvCxnSpPr>
+        </p:nvPicPr>
+        <p:blipFill>
+          <a:blip r:embed="rId6">
+            <a:alphaModFix/>
+          </a:blip>
+          <a:stretch>
+            <a:fillRect/>
+          </a:stretch>
+        </p:blipFill>
         <p:spPr>
           <a:xfrm>
-            <a:off x="7626825" y="2744700"/>
-            <a:ext cx="1560600" cy="0"/>
+            <a:off x="641800" y="1228376"/>
+            <a:ext cx="3630925" cy="2126900"/>
           </a:xfrm>
-          <a:prstGeom prst="straightConnector1">
+          <a:prstGeom prst="rect">
             <a:avLst/>
           </a:prstGeom>
           <a:noFill/>
-          <a:ln cap="flat" cmpd="sng" w="9525">
-            <a:solidFill>
-              <a:schemeClr val="dk1"/>
-            </a:solidFill>
-            <a:prstDash val="solid"/>
-            <a:round/>
-            <a:headEnd len="sm" w="sm" type="none"/>
-            <a:tailEnd len="sm" w="sm" type="none"/>
+          <a:ln>
+            <a:noFill/>
           </a:ln>
         </p:spPr>
-      </p:cxnSp>
+      </p:pic>
+      <p:pic>
+        <p:nvPicPr>
+          <p:cNvPr id="163" name="Google Shape;163;p19"/>
+          <p:cNvPicPr preferRelativeResize="0"/>
+          <p:nvPr/>
+        </p:nvPicPr>
+        <p:blipFill>
+          <a:blip r:embed="rId7">
+            <a:alphaModFix/>
+          </a:blip>
+          <a:stretch>
+            <a:fillRect/>
+          </a:stretch>
+        </p:blipFill>
+        <p:spPr>
+          <a:xfrm>
+            <a:off x="641802" y="3613625"/>
+            <a:ext cx="5527225" cy="1114275"/>
+          </a:xfrm>
+          <a:prstGeom prst="rect">
+            <a:avLst/>
+          </a:prstGeom>
+          <a:noFill/>
+          <a:ln>
+            <a:noFill/>
+          </a:ln>
+        </p:spPr>
+      </p:pic>
     </p:spTree>
   </p:cSld>
   <p:clrMapOvr>
@@ -14356,6 +19407,285 @@
 </file>
 
 <file path=ppt/theme/theme1.xml><?xml version="1.0" encoding="utf-8"?>
+<a:theme xmlns:a="http://schemas.openxmlformats.org/drawingml/2006/main" xmlns:r="http://schemas.openxmlformats.org/officeDocument/2006/relationships" name="Tech Newsletter by Slidesgo">
+  <a:themeElements>
+    <a:clrScheme name="Simple Light">
+      <a:dk1>
+        <a:srgbClr val="434343"/>
+      </a:dk1>
+      <a:lt1>
+        <a:srgbClr val="FFFFFF"/>
+      </a:lt1>
+      <a:dk2>
+        <a:srgbClr val="595959"/>
+      </a:dk2>
+      <a:lt2>
+        <a:srgbClr val="EEEEEE"/>
+      </a:lt2>
+      <a:accent1>
+        <a:srgbClr val="F3F3F3"/>
+      </a:accent1>
+      <a:accent2>
+        <a:srgbClr val="D9D9D9"/>
+      </a:accent2>
+      <a:accent3>
+        <a:srgbClr val="B7B7B7"/>
+      </a:accent3>
+      <a:accent4>
+        <a:srgbClr val="999999"/>
+      </a:accent4>
+      <a:accent5>
+        <a:srgbClr val="666666"/>
+      </a:accent5>
+      <a:accent6>
+        <a:srgbClr val="000000"/>
+      </a:accent6>
+      <a:hlink>
+        <a:srgbClr val="434343"/>
+      </a:hlink>
+      <a:folHlink>
+        <a:srgbClr val="0097A7"/>
+      </a:folHlink>
+    </a:clrScheme>
+    <a:fontScheme name="Office">
+      <a:majorFont>
+        <a:latin typeface="Arial"/>
+        <a:ea typeface=""/>
+        <a:cs typeface=""/>
+        <a:font script="Jpan" typeface="ＭＳ Ｐゴシック"/>
+        <a:font script="Hang" typeface="맑은 고딕"/>
+        <a:font script="Hans" typeface="宋体"/>
+        <a:font script="Hant" typeface="新細明體"/>
+        <a:font script="Arab" typeface="Times New Roman"/>
+        <a:font script="Hebr" typeface="Times New Roman"/>
+        <a:font script="Thai" typeface="Angsana New"/>
+        <a:font script="Ethi" typeface="Nyala"/>
+        <a:font script="Beng" typeface="Vrinda"/>
+        <a:font script="Gujr" typeface="Shruti"/>
+        <a:font script="Khmr" typeface="MoolBoran"/>
+        <a:font script="Knda" typeface="Tunga"/>
+        <a:font script="Guru" typeface="Raavi"/>
+        <a:font script="Cans" typeface="Euphemia"/>
+        <a:font script="Cher" typeface="Plantagenet Cherokee"/>
+        <a:font script="Yiii" typeface="Microsoft Yi Baiti"/>
+        <a:font script="Tibt" typeface="Microsoft Himalaya"/>
+        <a:font script="Thaa" typeface="MV Boli"/>
+        <a:font script="Deva" typeface="Mangal"/>
+        <a:font script="Telu" typeface="Gautami"/>
+        <a:font script="Taml" typeface="Latha"/>
+        <a:font script="Syrc" typeface="Estrangelo Edessa"/>
+        <a:font script="Orya" typeface="Kalinga"/>
+        <a:font script="Mlym" typeface="Kartika"/>
+        <a:font script="Laoo" typeface="DokChampa"/>
+        <a:font script="Sinh" typeface="Iskoola Pota"/>
+        <a:font script="Mong" typeface="Mongolian Baiti"/>
+        <a:font script="Viet" typeface="Times New Roman"/>
+        <a:font script="Uigh" typeface="Microsoft Uighur"/>
+        <a:font script="Geor" typeface="Sylfaen"/>
+      </a:majorFont>
+      <a:minorFont>
+        <a:latin typeface="Arial"/>
+        <a:ea typeface=""/>
+        <a:cs typeface=""/>
+        <a:font script="Jpan" typeface="ＭＳ Ｐゴシック"/>
+        <a:font script="Hang" typeface="맑은 고딕"/>
+        <a:font script="Hans" typeface="宋体"/>
+        <a:font script="Hant" typeface="新細明體"/>
+        <a:font script="Arab" typeface="Arial"/>
+        <a:font script="Hebr" typeface="Arial"/>
+        <a:font script="Thai" typeface="Cordia New"/>
+        <a:font script="Ethi" typeface="Nyala"/>
+        <a:font script="Beng" typeface="Vrinda"/>
+        <a:font script="Gujr" typeface="Shruti"/>
+        <a:font script="Khmr" typeface="DaunPenh"/>
+        <a:font script="Knda" typeface="Tunga"/>
+        <a:font script="Guru" typeface="Raavi"/>
+        <a:font script="Cans" typeface="Euphemia"/>
+        <a:font script="Cher" typeface="Plantagenet Cherokee"/>
+        <a:font script="Yiii" typeface="Microsoft Yi Baiti"/>
+        <a:font script="Tibt" typeface="Microsoft Himalaya"/>
+        <a:font script="Thaa" typeface="MV Boli"/>
+        <a:font script="Deva" typeface="Mangal"/>
+        <a:font script="Telu" typeface="Gautami"/>
+        <a:font script="Taml" typeface="Latha"/>
+        <a:font script="Syrc" typeface="Estrangelo Edessa"/>
+        <a:font script="Orya" typeface="Kalinga"/>
+        <a:font script="Mlym" typeface="Kartika"/>
+        <a:font script="Laoo" typeface="DokChampa"/>
+        <a:font script="Sinh" typeface="Iskoola Pota"/>
+        <a:font script="Mong" typeface="Mongolian Baiti"/>
+        <a:font script="Viet" typeface="Arial"/>
+        <a:font script="Uigh" typeface="Microsoft Uighur"/>
+        <a:font script="Geor" typeface="Sylfaen"/>
+      </a:minorFont>
+    </a:fontScheme>
+    <a:fmtScheme name="Office">
+      <a:fillStyleLst>
+        <a:solidFill>
+          <a:schemeClr val="phClr"/>
+        </a:solidFill>
+        <a:gradFill rotWithShape="1">
+          <a:gsLst>
+            <a:gs pos="0">
+              <a:schemeClr val="phClr">
+                <a:tint val="50000"/>
+                <a:satMod val="300000"/>
+              </a:schemeClr>
+            </a:gs>
+            <a:gs pos="35000">
+              <a:schemeClr val="phClr">
+                <a:tint val="37000"/>
+                <a:satMod val="300000"/>
+              </a:schemeClr>
+            </a:gs>
+            <a:gs pos="100000">
+              <a:schemeClr val="phClr">
+                <a:tint val="15000"/>
+                <a:satMod val="350000"/>
+              </a:schemeClr>
+            </a:gs>
+          </a:gsLst>
+          <a:lin ang="16200000" scaled="1"/>
+        </a:gradFill>
+        <a:gradFill rotWithShape="1">
+          <a:gsLst>
+            <a:gs pos="0">
+              <a:schemeClr val="phClr">
+                <a:tint val="100000"/>
+                <a:shade val="100000"/>
+                <a:satMod val="130000"/>
+              </a:schemeClr>
+            </a:gs>
+            <a:gs pos="100000">
+              <a:schemeClr val="phClr">
+                <a:tint val="50000"/>
+                <a:shade val="100000"/>
+                <a:satMod val="350000"/>
+              </a:schemeClr>
+            </a:gs>
+          </a:gsLst>
+          <a:lin ang="16200000" scaled="0"/>
+        </a:gradFill>
+      </a:fillStyleLst>
+      <a:lnStyleLst>
+        <a:ln w="9525" cap="flat" cmpd="sng" algn="ctr">
+          <a:solidFill>
+            <a:schemeClr val="phClr">
+              <a:shade val="95000"/>
+              <a:satMod val="105000"/>
+            </a:schemeClr>
+          </a:solidFill>
+          <a:prstDash val="solid"/>
+        </a:ln>
+        <a:ln w="25400" cap="flat" cmpd="sng" algn="ctr">
+          <a:solidFill>
+            <a:schemeClr val="phClr"/>
+          </a:solidFill>
+          <a:prstDash val="solid"/>
+        </a:ln>
+        <a:ln w="38100" cap="flat" cmpd="sng" algn="ctr">
+          <a:solidFill>
+            <a:schemeClr val="phClr"/>
+          </a:solidFill>
+          <a:prstDash val="solid"/>
+        </a:ln>
+      </a:lnStyleLst>
+      <a:effectStyleLst>
+        <a:effectStyle>
+          <a:effectLst>
+            <a:outerShdw blurRad="40000" dist="20000" dir="5400000" rotWithShape="0">
+              <a:srgbClr val="000000">
+                <a:alpha val="38000"/>
+              </a:srgbClr>
+            </a:outerShdw>
+          </a:effectLst>
+        </a:effectStyle>
+        <a:effectStyle>
+          <a:effectLst>
+            <a:outerShdw blurRad="40000" dist="23000" dir="5400000" rotWithShape="0">
+              <a:srgbClr val="000000">
+                <a:alpha val="35000"/>
+              </a:srgbClr>
+            </a:outerShdw>
+          </a:effectLst>
+        </a:effectStyle>
+        <a:effectStyle>
+          <a:effectLst>
+            <a:outerShdw blurRad="40000" dist="23000" dir="5400000" rotWithShape="0">
+              <a:srgbClr val="000000">
+                <a:alpha val="35000"/>
+              </a:srgbClr>
+            </a:outerShdw>
+          </a:effectLst>
+          <a:scene3d>
+            <a:camera prst="orthographicFront">
+              <a:rot lat="0" lon="0" rev="0"/>
+            </a:camera>
+            <a:lightRig rig="threePt" dir="t">
+              <a:rot lat="0" lon="0" rev="1200000"/>
+            </a:lightRig>
+          </a:scene3d>
+          <a:sp3d>
+            <a:bevelT w="63500" h="25400"/>
+          </a:sp3d>
+        </a:effectStyle>
+      </a:effectStyleLst>
+      <a:bgFillStyleLst>
+        <a:solidFill>
+          <a:schemeClr val="phClr"/>
+        </a:solidFill>
+        <a:gradFill rotWithShape="1">
+          <a:gsLst>
+            <a:gs pos="0">
+              <a:schemeClr val="phClr">
+                <a:tint val="40000"/>
+                <a:satMod val="350000"/>
+              </a:schemeClr>
+            </a:gs>
+            <a:gs pos="40000">
+              <a:schemeClr val="phClr">
+                <a:tint val="45000"/>
+                <a:shade val="99000"/>
+                <a:satMod val="350000"/>
+              </a:schemeClr>
+            </a:gs>
+            <a:gs pos="100000">
+              <a:schemeClr val="phClr">
+                <a:shade val="20000"/>
+                <a:satMod val="255000"/>
+              </a:schemeClr>
+            </a:gs>
+          </a:gsLst>
+          <a:path path="circle">
+            <a:fillToRect l="50000" t="-80000" r="50000" b="180000"/>
+          </a:path>
+        </a:gradFill>
+        <a:gradFill rotWithShape="1">
+          <a:gsLst>
+            <a:gs pos="0">
+              <a:schemeClr val="phClr">
+                <a:tint val="80000"/>
+                <a:satMod val="300000"/>
+              </a:schemeClr>
+            </a:gs>
+            <a:gs pos="100000">
+              <a:schemeClr val="phClr">
+                <a:shade val="30000"/>
+                <a:satMod val="200000"/>
+              </a:schemeClr>
+            </a:gs>
+          </a:gsLst>
+          <a:path path="circle">
+            <a:fillToRect l="50000" t="50000" r="50000" b="50000"/>
+          </a:path>
+        </a:gradFill>
+      </a:bgFillStyleLst>
+    </a:fmtScheme>
+  </a:themeElements>
+</a:theme>
+</file>
+
+<file path=ppt/theme/theme2.xml><?xml version="1.0" encoding="utf-8"?>
 <a:theme xmlns:a="http://schemas.openxmlformats.org/drawingml/2006/main" xmlns:r="http://schemas.openxmlformats.org/officeDocument/2006/relationships">
   <a:themeElements>
     <a:clrScheme name="Default">
@@ -14632,283 +19962,4 @@
     </a:fmtScheme>
   </a:themeElements>
 </a:theme>
-</file>
-
-<file path=ppt/theme/theme2.xml><?xml version="1.0" encoding="utf-8"?>
-<a:theme xmlns:a="http://schemas.openxmlformats.org/drawingml/2006/main" xmlns:r="http://schemas.openxmlformats.org/officeDocument/2006/relationships" name="Tech Newsletter by Slidesgo">
-  <a:themeElements>
-    <a:clrScheme name="Simple Light">
-      <a:dk1>
-        <a:srgbClr val="434343"/>
-      </a:dk1>
-      <a:lt1>
-        <a:srgbClr val="FFFFFF"/>
-      </a:lt1>
-      <a:dk2>
-        <a:srgbClr val="595959"/>
-      </a:dk2>
-      <a:lt2>
-        <a:srgbClr val="EEEEEE"/>
-      </a:lt2>
-      <a:accent1>
-        <a:srgbClr val="F3F3F3"/>
-      </a:accent1>
-      <a:accent2>
-        <a:srgbClr val="D9D9D9"/>
-      </a:accent2>
-      <a:accent3>
-        <a:srgbClr val="B7B7B7"/>
-      </a:accent3>
-      <a:accent4>
-        <a:srgbClr val="999999"/>
-      </a:accent4>
-      <a:accent5>
-        <a:srgbClr val="666666"/>
-      </a:accent5>
-      <a:accent6>
-        <a:srgbClr val="000000"/>
-      </a:accent6>
-      <a:hlink>
-        <a:srgbClr val="434343"/>
-      </a:hlink>
-      <a:folHlink>
-        <a:srgbClr val="0097A7"/>
-      </a:folHlink>
-    </a:clrScheme>
-    <a:fontScheme name="Office">
-      <a:majorFont>
-        <a:latin typeface="Arial"/>
-        <a:ea typeface=""/>
-        <a:cs typeface=""/>
-        <a:font script="Jpan" typeface="ＭＳ Ｐゴシック"/>
-        <a:font script="Hang" typeface="맑은 고딕"/>
-        <a:font script="Hans" typeface="宋体"/>
-        <a:font script="Hant" typeface="新細明體"/>
-        <a:font script="Arab" typeface="Times New Roman"/>
-        <a:font script="Hebr" typeface="Times New Roman"/>
-        <a:font script="Thai" typeface="Angsana New"/>
-        <a:font script="Ethi" typeface="Nyala"/>
-        <a:font script="Beng" typeface="Vrinda"/>
-        <a:font script="Gujr" typeface="Shruti"/>
-        <a:font script="Khmr" typeface="MoolBoran"/>
-        <a:font script="Knda" typeface="Tunga"/>
-        <a:font script="Guru" typeface="Raavi"/>
-        <a:font script="Cans" typeface="Euphemia"/>
-        <a:font script="Cher" typeface="Plantagenet Cherokee"/>
-        <a:font script="Yiii" typeface="Microsoft Yi Baiti"/>
-        <a:font script="Tibt" typeface="Microsoft Himalaya"/>
-        <a:font script="Thaa" typeface="MV Boli"/>
-        <a:font script="Deva" typeface="Mangal"/>
-        <a:font script="Telu" typeface="Gautami"/>
-        <a:font script="Taml" typeface="Latha"/>
-        <a:font script="Syrc" typeface="Estrangelo Edessa"/>
-        <a:font script="Orya" typeface="Kalinga"/>
-        <a:font script="Mlym" typeface="Kartika"/>
-        <a:font script="Laoo" typeface="DokChampa"/>
-        <a:font script="Sinh" typeface="Iskoola Pota"/>
-        <a:font script="Mong" typeface="Mongolian Baiti"/>
-        <a:font script="Viet" typeface="Times New Roman"/>
-        <a:font script="Uigh" typeface="Microsoft Uighur"/>
-        <a:font script="Geor" typeface="Sylfaen"/>
-      </a:majorFont>
-      <a:minorFont>
-        <a:latin typeface="Arial"/>
-        <a:ea typeface=""/>
-        <a:cs typeface=""/>
-        <a:font script="Jpan" typeface="ＭＳ Ｐゴシック"/>
-        <a:font script="Hang" typeface="맑은 고딕"/>
-        <a:font script="Hans" typeface="宋体"/>
-        <a:font script="Hant" typeface="新細明體"/>
-        <a:font script="Arab" typeface="Arial"/>
-        <a:font script="Hebr" typeface="Arial"/>
-        <a:font script="Thai" typeface="Cordia New"/>
-        <a:font script="Ethi" typeface="Nyala"/>
-        <a:font script="Beng" typeface="Vrinda"/>
-        <a:font script="Gujr" typeface="Shruti"/>
-        <a:font script="Khmr" typeface="DaunPenh"/>
-        <a:font script="Knda" typeface="Tunga"/>
-        <a:font script="Guru" typeface="Raavi"/>
-        <a:font script="Cans" typeface="Euphemia"/>
-        <a:font script="Cher" typeface="Plantagenet Cherokee"/>
-        <a:font script="Yiii" typeface="Microsoft Yi Baiti"/>
-        <a:font script="Tibt" typeface="Microsoft Himalaya"/>
-        <a:font script="Thaa" typeface="MV Boli"/>
-        <a:font script="Deva" typeface="Mangal"/>
-        <a:font script="Telu" typeface="Gautami"/>
-        <a:font script="Taml" typeface="Latha"/>
-        <a:font script="Syrc" typeface="Estrangelo Edessa"/>
-        <a:font script="Orya" typeface="Kalinga"/>
-        <a:font script="Mlym" typeface="Kartika"/>
-        <a:font script="Laoo" typeface="DokChampa"/>
-        <a:font script="Sinh" typeface="Iskoola Pota"/>
-        <a:font script="Mong" typeface="Mongolian Baiti"/>
-        <a:font script="Viet" typeface="Arial"/>
-        <a:font script="Uigh" typeface="Microsoft Uighur"/>
-        <a:font script="Geor" typeface="Sylfaen"/>
-      </a:minorFont>
-    </a:fontScheme>
-    <a:fmtScheme name="Office">
-      <a:fillStyleLst>
-        <a:solidFill>
-          <a:schemeClr val="phClr"/>
-        </a:solidFill>
-        <a:gradFill rotWithShape="1">
-          <a:gsLst>
-            <a:gs pos="0">
-              <a:schemeClr val="phClr">
-                <a:tint val="50000"/>
-                <a:satMod val="300000"/>
-              </a:schemeClr>
-            </a:gs>
-            <a:gs pos="35000">
-              <a:schemeClr val="phClr">
-                <a:tint val="37000"/>
-                <a:satMod val="300000"/>
-              </a:schemeClr>
-            </a:gs>
-            <a:gs pos="100000">
-              <a:schemeClr val="phClr">
-                <a:tint val="15000"/>
-                <a:satMod val="350000"/>
-              </a:schemeClr>
-            </a:gs>
-          </a:gsLst>
-          <a:lin ang="16200000" scaled="1"/>
-        </a:gradFill>
-        <a:gradFill rotWithShape="1">
-          <a:gsLst>
-            <a:gs pos="0">
-              <a:schemeClr val="phClr">
-                <a:tint val="100000"/>
-                <a:shade val="100000"/>
-                <a:satMod val="130000"/>
-              </a:schemeClr>
-            </a:gs>
-            <a:gs pos="100000">
-              <a:schemeClr val="phClr">
-                <a:tint val="50000"/>
-                <a:shade val="100000"/>
-                <a:satMod val="350000"/>
-              </a:schemeClr>
-            </a:gs>
-          </a:gsLst>
-          <a:lin ang="16200000" scaled="0"/>
-        </a:gradFill>
-      </a:fillStyleLst>
-      <a:lnStyleLst>
-        <a:ln w="9525" cap="flat" cmpd="sng" algn="ctr">
-          <a:solidFill>
-            <a:schemeClr val="phClr">
-              <a:shade val="95000"/>
-              <a:satMod val="105000"/>
-            </a:schemeClr>
-          </a:solidFill>
-          <a:prstDash val="solid"/>
-        </a:ln>
-        <a:ln w="25400" cap="flat" cmpd="sng" algn="ctr">
-          <a:solidFill>
-            <a:schemeClr val="phClr"/>
-          </a:solidFill>
-          <a:prstDash val="solid"/>
-        </a:ln>
-        <a:ln w="38100" cap="flat" cmpd="sng" algn="ctr">
-          <a:solidFill>
-            <a:schemeClr val="phClr"/>
-          </a:solidFill>
-          <a:prstDash val="solid"/>
-        </a:ln>
-      </a:lnStyleLst>
-      <a:effectStyleLst>
-        <a:effectStyle>
-          <a:effectLst>
-            <a:outerShdw blurRad="40000" dist="20000" dir="5400000" rotWithShape="0">
-              <a:srgbClr val="000000">
-                <a:alpha val="38000"/>
-              </a:srgbClr>
-            </a:outerShdw>
-          </a:effectLst>
-        </a:effectStyle>
-        <a:effectStyle>
-          <a:effectLst>
-            <a:outerShdw blurRad="40000" dist="23000" dir="5400000" rotWithShape="0">
-              <a:srgbClr val="000000">
-                <a:alpha val="35000"/>
-              </a:srgbClr>
-            </a:outerShdw>
-          </a:effectLst>
-        </a:effectStyle>
-        <a:effectStyle>
-          <a:effectLst>
-            <a:outerShdw blurRad="40000" dist="23000" dir="5400000" rotWithShape="0">
-              <a:srgbClr val="000000">
-                <a:alpha val="35000"/>
-              </a:srgbClr>
-            </a:outerShdw>
-          </a:effectLst>
-          <a:scene3d>
-            <a:camera prst="orthographicFront">
-              <a:rot lat="0" lon="0" rev="0"/>
-            </a:camera>
-            <a:lightRig rig="threePt" dir="t">
-              <a:rot lat="0" lon="0" rev="1200000"/>
-            </a:lightRig>
-          </a:scene3d>
-          <a:sp3d>
-            <a:bevelT w="63500" h="25400"/>
-          </a:sp3d>
-        </a:effectStyle>
-      </a:effectStyleLst>
-      <a:bgFillStyleLst>
-        <a:solidFill>
-          <a:schemeClr val="phClr"/>
-        </a:solidFill>
-        <a:gradFill rotWithShape="1">
-          <a:gsLst>
-            <a:gs pos="0">
-              <a:schemeClr val="phClr">
-                <a:tint val="40000"/>
-                <a:satMod val="350000"/>
-              </a:schemeClr>
-            </a:gs>
-            <a:gs pos="40000">
-              <a:schemeClr val="phClr">
-                <a:tint val="45000"/>
-                <a:shade val="99000"/>
-                <a:satMod val="350000"/>
-              </a:schemeClr>
-            </a:gs>
-            <a:gs pos="100000">
-              <a:schemeClr val="phClr">
-                <a:shade val="20000"/>
-                <a:satMod val="255000"/>
-              </a:schemeClr>
-            </a:gs>
-          </a:gsLst>
-          <a:path path="circle">
-            <a:fillToRect l="50000" t="-80000" r="50000" b="180000"/>
-          </a:path>
-        </a:gradFill>
-        <a:gradFill rotWithShape="1">
-          <a:gsLst>
-            <a:gs pos="0">
-              <a:schemeClr val="phClr">
-                <a:tint val="80000"/>
-                <a:satMod val="300000"/>
-              </a:schemeClr>
-            </a:gs>
-            <a:gs pos="100000">
-              <a:schemeClr val="phClr">
-                <a:shade val="30000"/>
-                <a:satMod val="200000"/>
-              </a:schemeClr>
-            </a:gs>
-          </a:gsLst>
-          <a:path path="circle">
-            <a:fillToRect l="50000" t="50000" r="50000" b="50000"/>
-          </a:path>
-        </a:gradFill>
-      </a:bgFillStyleLst>
-    </a:fmtScheme>
-  </a:themeElements>
-</a:theme>
 </file>